--- a/exam/presentation.pptx
+++ b/exam/presentation.pptx
@@ -3695,8 +3695,21 @@
           <a:p>
             <a:r>
               <a:rPr lang="en-GB" sz="3400" dirty="0"/>
-              <a:t>Homogeneous coordinates &amp; pinhole camera model (p = K[R t]Q)</a:t>
-            </a:r>
+              <a:t>Homogeneous coordinates &amp; pinhole camera </a:t>
+            </a:r>
+            <a:r>
+              <a:rPr lang="en-GB" sz="3400"/>
+              <a:t>model (q </a:t>
+            </a:r>
+            <a:r>
+              <a:rPr lang="en-GB" sz="3400" dirty="0"/>
+              <a:t>= K[R t</a:t>
+            </a:r>
+            <a:r>
+              <a:rPr lang="en-GB" sz="3400"/>
+              <a:t>]Q = PQ)</a:t>
+            </a:r>
+            <a:endParaRPr lang="en-GB" sz="3400" dirty="0"/>
           </a:p>
         </p:txBody>
       </p:sp>

--- a/exam/presentation.pptx
+++ b/exam/presentation.pptx
@@ -6,6 +6,7 @@
   </p:sldMasterIdLst>
   <p:sldIdLst>
     <p:sldId id="257" r:id="rId2"/>
+    <p:sldId id="258" r:id="rId3"/>
   </p:sldIdLst>
   <p:sldSz cx="12192000" cy="6858000"/>
   <p:notesSz cx="6858000" cy="9144000"/>
@@ -104,6 +105,11 @@
       </a:defRPr>
     </a:lvl9pPr>
   </p:defaultTextStyle>
+  <p:extLst>
+    <p:ext uri="{EFAFB233-063F-42B5-8137-9DF3F51BA10A}">
+      <p15:sldGuideLst xmlns:p15="http://schemas.microsoft.com/office/powerpoint/2012/main"/>
+    </p:ext>
+  </p:extLst>
 </p:presentation>
 </file>
 
@@ -256,7 +262,7 @@
           <a:p>
             <a:fld id="{2879DFEE-93BF-4036-9EEF-1A20A3385B7B}" type="datetimeFigureOut">
               <a:rPr lang="en-GB" smtClean="0"/>
-              <a:t>07/05/2022</a:t>
+              <a:t>09/05/2022</a:t>
             </a:fld>
             <a:endParaRPr lang="en-GB"/>
           </a:p>
@@ -456,7 +462,7 @@
           <a:p>
             <a:fld id="{2879DFEE-93BF-4036-9EEF-1A20A3385B7B}" type="datetimeFigureOut">
               <a:rPr lang="en-GB" smtClean="0"/>
-              <a:t>07/05/2022</a:t>
+              <a:t>09/05/2022</a:t>
             </a:fld>
             <a:endParaRPr lang="en-GB"/>
           </a:p>
@@ -666,7 +672,7 @@
           <a:p>
             <a:fld id="{2879DFEE-93BF-4036-9EEF-1A20A3385B7B}" type="datetimeFigureOut">
               <a:rPr lang="en-GB" smtClean="0"/>
-              <a:t>07/05/2022</a:t>
+              <a:t>09/05/2022</a:t>
             </a:fld>
             <a:endParaRPr lang="en-GB"/>
           </a:p>
@@ -866,7 +872,7 @@
           <a:p>
             <a:fld id="{2879DFEE-93BF-4036-9EEF-1A20A3385B7B}" type="datetimeFigureOut">
               <a:rPr lang="en-GB" smtClean="0"/>
-              <a:t>07/05/2022</a:t>
+              <a:t>09/05/2022</a:t>
             </a:fld>
             <a:endParaRPr lang="en-GB"/>
           </a:p>
@@ -1142,7 +1148,7 @@
           <a:p>
             <a:fld id="{2879DFEE-93BF-4036-9EEF-1A20A3385B7B}" type="datetimeFigureOut">
               <a:rPr lang="en-GB" smtClean="0"/>
-              <a:t>07/05/2022</a:t>
+              <a:t>09/05/2022</a:t>
             </a:fld>
             <a:endParaRPr lang="en-GB"/>
           </a:p>
@@ -1410,7 +1416,7 @@
           <a:p>
             <a:fld id="{2879DFEE-93BF-4036-9EEF-1A20A3385B7B}" type="datetimeFigureOut">
               <a:rPr lang="en-GB" smtClean="0"/>
-              <a:t>07/05/2022</a:t>
+              <a:t>09/05/2022</a:t>
             </a:fld>
             <a:endParaRPr lang="en-GB"/>
           </a:p>
@@ -1825,7 +1831,7 @@
           <a:p>
             <a:fld id="{2879DFEE-93BF-4036-9EEF-1A20A3385B7B}" type="datetimeFigureOut">
               <a:rPr lang="en-GB" smtClean="0"/>
-              <a:t>07/05/2022</a:t>
+              <a:t>09/05/2022</a:t>
             </a:fld>
             <a:endParaRPr lang="en-GB"/>
           </a:p>
@@ -1967,7 +1973,7 @@
           <a:p>
             <a:fld id="{2879DFEE-93BF-4036-9EEF-1A20A3385B7B}" type="datetimeFigureOut">
               <a:rPr lang="en-GB" smtClean="0"/>
-              <a:t>07/05/2022</a:t>
+              <a:t>09/05/2022</a:t>
             </a:fld>
             <a:endParaRPr lang="en-GB"/>
           </a:p>
@@ -2080,7 +2086,7 @@
           <a:p>
             <a:fld id="{2879DFEE-93BF-4036-9EEF-1A20A3385B7B}" type="datetimeFigureOut">
               <a:rPr lang="en-GB" smtClean="0"/>
-              <a:t>07/05/2022</a:t>
+              <a:t>09/05/2022</a:t>
             </a:fld>
             <a:endParaRPr lang="en-GB"/>
           </a:p>
@@ -2393,7 +2399,7 @@
           <a:p>
             <a:fld id="{2879DFEE-93BF-4036-9EEF-1A20A3385B7B}" type="datetimeFigureOut">
               <a:rPr lang="en-GB" smtClean="0"/>
-              <a:t>07/05/2022</a:t>
+              <a:t>09/05/2022</a:t>
             </a:fld>
             <a:endParaRPr lang="en-GB"/>
           </a:p>
@@ -2682,7 +2688,7 @@
           <a:p>
             <a:fld id="{2879DFEE-93BF-4036-9EEF-1A20A3385B7B}" type="datetimeFigureOut">
               <a:rPr lang="en-GB" smtClean="0"/>
-              <a:t>07/05/2022</a:t>
+              <a:t>09/05/2022</a:t>
             </a:fld>
             <a:endParaRPr lang="en-GB"/>
           </a:p>
@@ -2925,7 +2931,7 @@
           <a:p>
             <a:fld id="{2879DFEE-93BF-4036-9EEF-1A20A3385B7B}" type="datetimeFigureOut">
               <a:rPr lang="en-GB" smtClean="0"/>
-              <a:t>07/05/2022</a:t>
+              <a:t>09/05/2022</a:t>
             </a:fld>
             <a:endParaRPr lang="en-GB"/>
           </a:p>
@@ -3695,21 +3701,24 @@
           <a:p>
             <a:r>
               <a:rPr lang="en-GB" sz="3400" dirty="0"/>
-              <a:t>Homogeneous coordinates &amp; pinhole camera </a:t>
+              <a:t>Pinhole camera model &amp; </a:t>
             </a:r>
             <a:r>
               <a:rPr lang="en-GB" sz="3400"/>
-              <a:t>model (q </a:t>
+              <a:t>Homogeneous coordinates q </a:t>
             </a:r>
             <a:r>
               <a:rPr lang="en-GB" sz="3400" dirty="0"/>
-              <a:t>= K[R t</a:t>
-            </a:r>
-            <a:r>
-              <a:rPr lang="en-GB" sz="3400"/>
-              <a:t>]Q = PQ)</a:t>
-            </a:r>
-            <a:endParaRPr lang="en-GB" sz="3400" dirty="0"/>
+              <a:t>= K[</a:t>
+            </a:r>
+            <a:r>
+              <a:rPr lang="en-GB" sz="3400" dirty="0" err="1"/>
+              <a:t>R|t</a:t>
+            </a:r>
+            <a:r>
+              <a:rPr lang="en-GB" sz="3400" dirty="0"/>
+              <a:t>]Q = PQ</a:t>
+            </a:r>
           </a:p>
         </p:txBody>
       </p:sp>
@@ -3717,6 +3726,327 @@
     <p:extLst>
       <p:ext uri="{BB962C8B-B14F-4D97-AF65-F5344CB8AC3E}">
         <p14:creationId xmlns:p14="http://schemas.microsoft.com/office/powerpoint/2010/main" val="1142430799"/>
+      </p:ext>
+    </p:extLst>
+  </p:cSld>
+  <p:clrMapOvr>
+    <a:masterClrMapping/>
+  </p:clrMapOvr>
+</p:sld>
+</file>
+
+<file path=ppt/slides/slide2.xml><?xml version="1.0" encoding="utf-8"?>
+<p:sld xmlns:a="http://schemas.openxmlformats.org/drawingml/2006/main" xmlns:r="http://schemas.openxmlformats.org/officeDocument/2006/relationships" xmlns:p="http://schemas.openxmlformats.org/presentationml/2006/main">
+  <p:cSld>
+    <p:bg>
+      <p:bgPr>
+        <a:solidFill>
+          <a:schemeClr val="bg1"/>
+        </a:solidFill>
+        <a:effectLst/>
+      </p:bgPr>
+    </p:bg>
+    <p:spTree>
+      <p:nvGrpSpPr>
+        <p:cNvPr id="1" name=""/>
+        <p:cNvGrpSpPr/>
+        <p:nvPr/>
+      </p:nvGrpSpPr>
+      <p:grpSpPr>
+        <a:xfrm>
+          <a:off x="0" y="0"/>
+          <a:ext cx="0" cy="0"/>
+          <a:chOff x="0" y="0"/>
+          <a:chExt cx="0" cy="0"/>
+        </a:xfrm>
+      </p:grpSpPr>
+      <p:sp>
+        <p:nvSpPr>
+          <p:cNvPr id="26" name="Rectangle 25">
+            <a:extLst>
+              <a:ext uri="{FF2B5EF4-FFF2-40B4-BE49-F238E27FC236}">
+                <a16:creationId xmlns:a16="http://schemas.microsoft.com/office/drawing/2014/main" id="{5E52985E-2553-471E-82AA-5ED7A329890A}"/>
+              </a:ext>
+              <a:ext uri="{C183D7F6-B498-43B3-948B-1728B52AA6E4}">
+                <adec:decorative xmlns:adec="http://schemas.microsoft.com/office/drawing/2017/decorative" val="1"/>
+              </a:ext>
+            </a:extLst>
+          </p:cNvPr>
+          <p:cNvSpPr>
+            <a:spLocks noGrp="1" noRot="1" noChangeAspect="1" noMove="1" noResize="1" noEditPoints="1" noAdjustHandles="1" noChangeArrowheads="1" noChangeShapeType="1" noTextEdit="1"/>
+          </p:cNvSpPr>
+          <p:nvPr>
+            <p:extLst>
+              <p:ext uri="{386F3935-93C4-4BCD-93E2-E3B085C9AB24}">
+                <p16:designElem xmlns:p16="http://schemas.microsoft.com/office/powerpoint/2015/main" val="1"/>
+              </p:ext>
+            </p:extLst>
+          </p:nvPr>
+        </p:nvSpPr>
+        <p:spPr bwMode="ltGray">
+          <a:xfrm>
+            <a:off x="393308" y="352931"/>
+            <a:ext cx="11438793" cy="1844256"/>
+          </a:xfrm>
+          <a:prstGeom prst="rect">
+            <a:avLst/>
+          </a:prstGeom>
+          <a:solidFill>
+            <a:schemeClr val="tx1">
+              <a:lumMod val="75000"/>
+              <a:lumOff val="25000"/>
+            </a:schemeClr>
+          </a:solidFill>
+          <a:ln w="127000" cap="sq" cmpd="thinThick">
+            <a:solidFill>
+              <a:schemeClr val="tx1">
+                <a:lumMod val="75000"/>
+                <a:lumOff val="25000"/>
+              </a:schemeClr>
+            </a:solidFill>
+          </a:ln>
+        </p:spPr>
+        <p:style>
+          <a:lnRef idx="2">
+            <a:schemeClr val="accent1">
+              <a:shade val="50000"/>
+            </a:schemeClr>
+          </a:lnRef>
+          <a:fillRef idx="1">
+            <a:schemeClr val="accent1"/>
+          </a:fillRef>
+          <a:effectRef idx="0">
+            <a:schemeClr val="accent1"/>
+          </a:effectRef>
+          <a:fontRef idx="minor">
+            <a:schemeClr val="lt1"/>
+          </a:fontRef>
+        </p:style>
+        <p:txBody>
+          <a:bodyPr rtlCol="0" anchor="ctr"/>
+          <a:lstStyle/>
+          <a:p>
+            <a:pPr marL="0" marR="0" lvl="0" indent="0" algn="ctr" defTabSz="914400" rtl="0" eaLnBrk="1" fontAlgn="auto" latinLnBrk="0" hangingPunct="1">
+              <a:lnSpc>
+                <a:spcPct val="100000"/>
+              </a:lnSpc>
+              <a:spcBef>
+                <a:spcPts val="0"/>
+              </a:spcBef>
+              <a:spcAft>
+                <a:spcPts val="0"/>
+              </a:spcAft>
+              <a:buClrTx/>
+              <a:buSzTx/>
+              <a:buFontTx/>
+              <a:buNone/>
+              <a:tabLst/>
+              <a:defRPr/>
+            </a:pPr>
+            <a:endParaRPr kumimoji="0" lang="en-US" sz="1800" b="0" i="0" u="none" strike="noStrike" kern="1200" cap="none" spc="0" normalizeH="0" baseline="0" noProof="0">
+              <a:ln>
+                <a:noFill/>
+              </a:ln>
+              <a:solidFill>
+                <a:prstClr val="white"/>
+              </a:solidFill>
+              <a:effectLst/>
+              <a:uLnTx/>
+              <a:uFillTx/>
+              <a:latin typeface="Calibri" panose="020F0502020204030204"/>
+              <a:ea typeface="+mn-ea"/>
+              <a:cs typeface="+mn-cs"/>
+            </a:endParaRPr>
+          </a:p>
+        </p:txBody>
+      </p:sp>
+      <p:sp>
+        <p:nvSpPr>
+          <p:cNvPr id="2" name="Title 1">
+            <a:extLst>
+              <a:ext uri="{FF2B5EF4-FFF2-40B4-BE49-F238E27FC236}">
+                <a16:creationId xmlns:a16="http://schemas.microsoft.com/office/drawing/2014/main" id="{B737C27B-0196-153E-AB12-2C21D72F7EB1}"/>
+              </a:ext>
+            </a:extLst>
+          </p:cNvPr>
+          <p:cNvSpPr>
+            <a:spLocks noGrp="1"/>
+          </p:cNvSpPr>
+          <p:nvPr>
+            <p:ph type="title"/>
+          </p:nvPr>
+        </p:nvSpPr>
+        <p:spPr>
+          <a:xfrm>
+            <a:off x="649270" y="506727"/>
+            <a:ext cx="3885141" cy="1526741"/>
+          </a:xfrm>
+        </p:spPr>
+        <p:txBody>
+          <a:bodyPr>
+            <a:normAutofit/>
+          </a:bodyPr>
+          <a:lstStyle/>
+          <a:p>
+            <a:pPr algn="r"/>
+            <a:r>
+              <a:rPr lang="en-US" sz="3000">
+                <a:solidFill>
+                  <a:schemeClr val="bg1"/>
+                </a:solidFill>
+              </a:rPr>
+              <a:t>Camera model &amp; homographies</a:t>
+            </a:r>
+          </a:p>
+        </p:txBody>
+      </p:sp>
+      <p:cxnSp>
+        <p:nvCxnSpPr>
+          <p:cNvPr id="28" name="Straight Connector 27">
+            <a:extLst>
+              <a:ext uri="{FF2B5EF4-FFF2-40B4-BE49-F238E27FC236}">
+                <a16:creationId xmlns:a16="http://schemas.microsoft.com/office/drawing/2014/main" id="{DAE3ABC6-4042-4293-A7DF-F01181363B7E}"/>
+              </a:ext>
+              <a:ext uri="{C183D7F6-B498-43B3-948B-1728B52AA6E4}">
+                <adec:decorative xmlns:adec="http://schemas.microsoft.com/office/drawing/2017/decorative" val="1"/>
+              </a:ext>
+            </a:extLst>
+          </p:cNvPr>
+          <p:cNvCxnSpPr>
+            <a:cxnSpLocks noGrp="1" noRot="1" noChangeAspect="1" noMove="1" noResize="1" noEditPoints="1" noAdjustHandles="1" noChangeArrowheads="1" noChangeShapeType="1"/>
+          </p:cNvCxnSpPr>
+          <p:nvPr>
+            <p:extLst>
+              <p:ext uri="{386F3935-93C4-4BCD-93E2-E3B085C9AB24}">
+                <p16:designElem xmlns:p16="http://schemas.microsoft.com/office/powerpoint/2015/main" val="1"/>
+              </p:ext>
+            </p:extLst>
+          </p:nvPr>
+        </p:nvCxnSpPr>
+        <p:spPr>
+          <a:xfrm flipV="1">
+            <a:off x="4739873" y="580963"/>
+            <a:ext cx="0" cy="1371600"/>
+          </a:xfrm>
+          <a:prstGeom prst="line">
+            <a:avLst/>
+          </a:prstGeom>
+          <a:ln w="19050">
+            <a:solidFill>
+              <a:schemeClr val="bg1">
+                <a:alpha val="75000"/>
+              </a:schemeClr>
+            </a:solidFill>
+          </a:ln>
+        </p:spPr>
+        <p:style>
+          <a:lnRef idx="1">
+            <a:schemeClr val="accent1"/>
+          </a:lnRef>
+          <a:fillRef idx="0">
+            <a:schemeClr val="accent1"/>
+          </a:fillRef>
+          <a:effectRef idx="0">
+            <a:schemeClr val="accent1"/>
+          </a:effectRef>
+          <a:fontRef idx="minor">
+            <a:schemeClr val="tx1"/>
+          </a:fontRef>
+        </p:style>
+      </p:cxnSp>
+      <p:pic>
+        <p:nvPicPr>
+          <p:cNvPr id="25" name="Content Placeholder 24">
+            <a:extLst>
+              <a:ext uri="{FF2B5EF4-FFF2-40B4-BE49-F238E27FC236}">
+                <a16:creationId xmlns:a16="http://schemas.microsoft.com/office/drawing/2014/main" id="{7FEC9A45-799F-C2EB-B71D-1A405E727BBE}"/>
+              </a:ext>
+            </a:extLst>
+          </p:cNvPr>
+          <p:cNvPicPr>
+            <a:picLocks noGrp="1" noChangeAspect="1"/>
+          </p:cNvPicPr>
+          <p:nvPr>
+            <p:ph idx="1"/>
+          </p:nvPr>
+        </p:nvPicPr>
+        <p:blipFill>
+          <a:blip r:embed="rId2"/>
+          <a:stretch>
+            <a:fillRect/>
+          </a:stretch>
+        </p:blipFill>
+        <p:spPr>
+          <a:xfrm>
+            <a:off x="5168470" y="522183"/>
+            <a:ext cx="6163535" cy="1495634"/>
+          </a:xfrm>
+        </p:spPr>
+      </p:pic>
+      <p:pic>
+        <p:nvPicPr>
+          <p:cNvPr id="20" name="Picture 19">
+            <a:extLst>
+              <a:ext uri="{FF2B5EF4-FFF2-40B4-BE49-F238E27FC236}">
+                <a16:creationId xmlns:a16="http://schemas.microsoft.com/office/drawing/2014/main" id="{4A060E33-172B-3F3A-C289-07518D72DBB4}"/>
+              </a:ext>
+            </a:extLst>
+          </p:cNvPr>
+          <p:cNvPicPr>
+            <a:picLocks noChangeAspect="1"/>
+          </p:cNvPicPr>
+          <p:nvPr/>
+        </p:nvPicPr>
+        <p:blipFill>
+          <a:blip r:embed="rId3"/>
+          <a:stretch>
+            <a:fillRect/>
+          </a:stretch>
+        </p:blipFill>
+        <p:spPr>
+          <a:xfrm>
+            <a:off x="393308" y="2793135"/>
+            <a:ext cx="5559480" cy="3210599"/>
+          </a:xfrm>
+          <a:prstGeom prst="rect">
+            <a:avLst/>
+          </a:prstGeom>
+        </p:spPr>
+      </p:pic>
+      <p:pic>
+        <p:nvPicPr>
+          <p:cNvPr id="19" name="Content Placeholder 9">
+            <a:extLst>
+              <a:ext uri="{FF2B5EF4-FFF2-40B4-BE49-F238E27FC236}">
+                <a16:creationId xmlns:a16="http://schemas.microsoft.com/office/drawing/2014/main" id="{D64EC4C9-0C9F-F72C-4942-1DE787DB837C}"/>
+              </a:ext>
+            </a:extLst>
+          </p:cNvPr>
+          <p:cNvPicPr>
+            <a:picLocks noChangeAspect="1"/>
+          </p:cNvPicPr>
+          <p:nvPr/>
+        </p:nvPicPr>
+        <p:blipFill>
+          <a:blip r:embed="rId4"/>
+          <a:stretch>
+            <a:fillRect/>
+          </a:stretch>
+        </p:blipFill>
+        <p:spPr>
+          <a:xfrm>
+            <a:off x="6441214" y="2527997"/>
+            <a:ext cx="5167998" cy="3749040"/>
+          </a:xfrm>
+          <a:prstGeom prst="rect">
+            <a:avLst/>
+          </a:prstGeom>
+        </p:spPr>
+      </p:pic>
+    </p:spTree>
+    <p:extLst>
+      <p:ext uri="{BB962C8B-B14F-4D97-AF65-F5344CB8AC3E}">
+        <p14:creationId xmlns:p14="http://schemas.microsoft.com/office/powerpoint/2010/main" val="3563937588"/>
       </p:ext>
     </p:extLst>
   </p:cSld>

--- a/exam/presentation.pptx
+++ b/exam/presentation.pptx
@@ -7,6 +7,7 @@
   <p:sldIdLst>
     <p:sldId id="257" r:id="rId2"/>
     <p:sldId id="258" r:id="rId3"/>
+    <p:sldId id="259" r:id="rId4"/>
   </p:sldIdLst>
   <p:sldSz cx="12192000" cy="6858000"/>
   <p:notesSz cx="6858000" cy="9144000"/>
@@ -3701,15 +3702,7 @@
           <a:p>
             <a:r>
               <a:rPr lang="en-GB" sz="3400" dirty="0"/>
-              <a:t>Pinhole camera model &amp; </a:t>
-            </a:r>
-            <a:r>
-              <a:rPr lang="en-GB" sz="3400"/>
-              <a:t>Homogeneous coordinates q </a:t>
-            </a:r>
-            <a:r>
-              <a:rPr lang="en-GB" sz="3400" dirty="0"/>
-              <a:t>= K[</a:t>
+              <a:t>Pinhole camera model &amp; Homogeneous coordinates q = K[</a:t>
             </a:r>
             <a:r>
               <a:rPr lang="en-GB" sz="3400" dirty="0" err="1"/>
@@ -4047,6 +4040,382 @@
     <p:extLst>
       <p:ext uri="{BB962C8B-B14F-4D97-AF65-F5344CB8AC3E}">
         <p14:creationId xmlns:p14="http://schemas.microsoft.com/office/powerpoint/2010/main" val="3563937588"/>
+      </p:ext>
+    </p:extLst>
+  </p:cSld>
+  <p:clrMapOvr>
+    <a:masterClrMapping/>
+  </p:clrMapOvr>
+</p:sld>
+</file>
+
+<file path=ppt/slides/slide3.xml><?xml version="1.0" encoding="utf-8"?>
+<p:sld xmlns:a="http://schemas.openxmlformats.org/drawingml/2006/main" xmlns:r="http://schemas.openxmlformats.org/officeDocument/2006/relationships" xmlns:p="http://schemas.openxmlformats.org/presentationml/2006/main">
+  <p:cSld>
+    <p:bg>
+      <p:bgPr>
+        <a:solidFill>
+          <a:schemeClr val="bg1"/>
+        </a:solidFill>
+        <a:effectLst/>
+      </p:bgPr>
+    </p:bg>
+    <p:spTree>
+      <p:nvGrpSpPr>
+        <p:cNvPr id="1" name=""/>
+        <p:cNvGrpSpPr/>
+        <p:nvPr/>
+      </p:nvGrpSpPr>
+      <p:grpSpPr>
+        <a:xfrm>
+          <a:off x="0" y="0"/>
+          <a:ext cx="0" cy="0"/>
+          <a:chOff x="0" y="0"/>
+          <a:chExt cx="0" cy="0"/>
+        </a:xfrm>
+      </p:grpSpPr>
+      <p:sp>
+        <p:nvSpPr>
+          <p:cNvPr id="13" name="Freeform: Shape 12">
+            <a:extLst>
+              <a:ext uri="{FF2B5EF4-FFF2-40B4-BE49-F238E27FC236}">
+                <a16:creationId xmlns:a16="http://schemas.microsoft.com/office/drawing/2014/main" id="{E4505C23-674B-4195-81D6-0C127FEAE3F8}"/>
+              </a:ext>
+              <a:ext uri="{C183D7F6-B498-43B3-948B-1728B52AA6E4}">
+                <adec:decorative xmlns:adec="http://schemas.microsoft.com/office/drawing/2017/decorative" val="1"/>
+              </a:ext>
+            </a:extLst>
+          </p:cNvPr>
+          <p:cNvSpPr>
+            <a:spLocks noGrp="1" noRot="1" noChangeAspect="1" noMove="1" noResize="1" noEditPoints="1" noAdjustHandles="1" noChangeArrowheads="1" noChangeShapeType="1" noTextEdit="1"/>
+          </p:cNvSpPr>
+          <p:nvPr>
+            <p:extLst>
+              <p:ext uri="{386F3935-93C4-4BCD-93E2-E3B085C9AB24}">
+                <p16:designElem xmlns:p16="http://schemas.microsoft.com/office/powerpoint/2015/main" val="1"/>
+              </p:ext>
+            </p:extLst>
+          </p:nvPr>
+        </p:nvSpPr>
+        <p:spPr>
+          <a:xfrm>
+            <a:off x="0" y="5367908"/>
+            <a:ext cx="9161029" cy="1490093"/>
+          </a:xfrm>
+          <a:custGeom>
+            <a:avLst/>
+            <a:gdLst>
+              <a:gd name="connsiteX0" fmla="*/ 0 w 9161029"/>
+              <a:gd name="connsiteY0" fmla="*/ 0 h 1490093"/>
+              <a:gd name="connsiteX1" fmla="*/ 2046494 w 9161029"/>
+              <a:gd name="connsiteY1" fmla="*/ 0 h 1490093"/>
+              <a:gd name="connsiteX2" fmla="*/ 2496613 w 9161029"/>
+              <a:gd name="connsiteY2" fmla="*/ 0 h 1490093"/>
+              <a:gd name="connsiteX3" fmla="*/ 3235839 w 9161029"/>
+              <a:gd name="connsiteY3" fmla="*/ 0 h 1490093"/>
+              <a:gd name="connsiteX4" fmla="*/ 9161029 w 9161029"/>
+              <a:gd name="connsiteY4" fmla="*/ 0 h 1490093"/>
+              <a:gd name="connsiteX5" fmla="*/ 8470921 w 9161029"/>
+              <a:gd name="connsiteY5" fmla="*/ 1490093 h 1490093"/>
+              <a:gd name="connsiteX6" fmla="*/ 0 w 9161029"/>
+              <a:gd name="connsiteY6" fmla="*/ 1490093 h 1490093"/>
+            </a:gdLst>
+            <a:ahLst/>
+            <a:cxnLst>
+              <a:cxn ang="0">
+                <a:pos x="connsiteX0" y="connsiteY0"/>
+              </a:cxn>
+              <a:cxn ang="0">
+                <a:pos x="connsiteX1" y="connsiteY1"/>
+              </a:cxn>
+              <a:cxn ang="0">
+                <a:pos x="connsiteX2" y="connsiteY2"/>
+              </a:cxn>
+              <a:cxn ang="0">
+                <a:pos x="connsiteX3" y="connsiteY3"/>
+              </a:cxn>
+              <a:cxn ang="0">
+                <a:pos x="connsiteX4" y="connsiteY4"/>
+              </a:cxn>
+              <a:cxn ang="0">
+                <a:pos x="connsiteX5" y="connsiteY5"/>
+              </a:cxn>
+              <a:cxn ang="0">
+                <a:pos x="connsiteX6" y="connsiteY6"/>
+              </a:cxn>
+            </a:cxnLst>
+            <a:rect l="l" t="t" r="r" b="b"/>
+            <a:pathLst>
+              <a:path w="9161029" h="1490093">
+                <a:moveTo>
+                  <a:pt x="0" y="0"/>
+                </a:moveTo>
+                <a:lnTo>
+                  <a:pt x="2046494" y="0"/>
+                </a:lnTo>
+                <a:lnTo>
+                  <a:pt x="2496613" y="0"/>
+                </a:lnTo>
+                <a:lnTo>
+                  <a:pt x="3235839" y="0"/>
+                </a:lnTo>
+                <a:lnTo>
+                  <a:pt x="9161029" y="0"/>
+                </a:lnTo>
+                <a:lnTo>
+                  <a:pt x="8470921" y="1490093"/>
+                </a:lnTo>
+                <a:lnTo>
+                  <a:pt x="0" y="1490093"/>
+                </a:lnTo>
+                <a:close/>
+              </a:path>
+            </a:pathLst>
+          </a:custGeom>
+          <a:solidFill>
+            <a:schemeClr val="tx1">
+              <a:lumMod val="50000"/>
+              <a:lumOff val="50000"/>
+              <a:alpha val="40000"/>
+            </a:schemeClr>
+          </a:solidFill>
+          <a:ln>
+            <a:noFill/>
+          </a:ln>
+        </p:spPr>
+        <p:style>
+          <a:lnRef idx="2">
+            <a:schemeClr val="accent1">
+              <a:shade val="50000"/>
+            </a:schemeClr>
+          </a:lnRef>
+          <a:fillRef idx="1">
+            <a:schemeClr val="accent1"/>
+          </a:fillRef>
+          <a:effectRef idx="0">
+            <a:schemeClr val="accent1"/>
+          </a:effectRef>
+          <a:fontRef idx="minor">
+            <a:schemeClr val="lt1"/>
+          </a:fontRef>
+        </p:style>
+        <p:txBody>
+          <a:bodyPr rtlCol="0" anchor="ctr"/>
+          <a:lstStyle/>
+          <a:p>
+            <a:pPr algn="ctr"/>
+            <a:endParaRPr lang="en-US"/>
+          </a:p>
+        </p:txBody>
+      </p:sp>
+      <p:sp>
+        <p:nvSpPr>
+          <p:cNvPr id="15" name="Freeform: Shape 14">
+            <a:extLst>
+              <a:ext uri="{FF2B5EF4-FFF2-40B4-BE49-F238E27FC236}">
+                <a16:creationId xmlns:a16="http://schemas.microsoft.com/office/drawing/2014/main" id="{65C9B8F0-FF66-4C15-BD05-E86B87331846}"/>
+              </a:ext>
+              <a:ext uri="{C183D7F6-B498-43B3-948B-1728B52AA6E4}">
+                <adec:decorative xmlns:adec="http://schemas.microsoft.com/office/drawing/2017/decorative" val="1"/>
+              </a:ext>
+            </a:extLst>
+          </p:cNvPr>
+          <p:cNvSpPr>
+            <a:spLocks noGrp="1" noRot="1" noChangeAspect="1" noMove="1" noResize="1" noEditPoints="1" noAdjustHandles="1" noChangeArrowheads="1" noChangeShapeType="1" noTextEdit="1"/>
+          </p:cNvSpPr>
+          <p:nvPr>
+            <p:extLst>
+              <p:ext uri="{386F3935-93C4-4BCD-93E2-E3B085C9AB24}">
+                <p16:designElem xmlns:p16="http://schemas.microsoft.com/office/powerpoint/2015/main" val="1"/>
+              </p:ext>
+            </p:extLst>
+          </p:nvPr>
+        </p:nvSpPr>
+        <p:spPr>
+          <a:xfrm>
+            <a:off x="8763037" y="5367908"/>
+            <a:ext cx="3428963" cy="1490093"/>
+          </a:xfrm>
+          <a:custGeom>
+            <a:avLst/>
+            <a:gdLst>
+              <a:gd name="connsiteX0" fmla="*/ 690108 w 3428963"/>
+              <a:gd name="connsiteY0" fmla="*/ 0 h 1490093"/>
+              <a:gd name="connsiteX1" fmla="*/ 3428963 w 3428963"/>
+              <a:gd name="connsiteY1" fmla="*/ 0 h 1490093"/>
+              <a:gd name="connsiteX2" fmla="*/ 3428963 w 3428963"/>
+              <a:gd name="connsiteY2" fmla="*/ 1490093 h 1490093"/>
+              <a:gd name="connsiteX3" fmla="*/ 0 w 3428963"/>
+              <a:gd name="connsiteY3" fmla="*/ 1490093 h 1490093"/>
+            </a:gdLst>
+            <a:ahLst/>
+            <a:cxnLst>
+              <a:cxn ang="0">
+                <a:pos x="connsiteX0" y="connsiteY0"/>
+              </a:cxn>
+              <a:cxn ang="0">
+                <a:pos x="connsiteX1" y="connsiteY1"/>
+              </a:cxn>
+              <a:cxn ang="0">
+                <a:pos x="connsiteX2" y="connsiteY2"/>
+              </a:cxn>
+              <a:cxn ang="0">
+                <a:pos x="connsiteX3" y="connsiteY3"/>
+              </a:cxn>
+            </a:cxnLst>
+            <a:rect l="l" t="t" r="r" b="b"/>
+            <a:pathLst>
+              <a:path w="3428963" h="1490093">
+                <a:moveTo>
+                  <a:pt x="690108" y="0"/>
+                </a:moveTo>
+                <a:lnTo>
+                  <a:pt x="3428963" y="0"/>
+                </a:lnTo>
+                <a:lnTo>
+                  <a:pt x="3428963" y="1490093"/>
+                </a:lnTo>
+                <a:lnTo>
+                  <a:pt x="0" y="1490093"/>
+                </a:lnTo>
+                <a:close/>
+              </a:path>
+            </a:pathLst>
+          </a:custGeom>
+          <a:solidFill>
+            <a:schemeClr val="tx1">
+              <a:alpha val="70000"/>
+            </a:schemeClr>
+          </a:solidFill>
+          <a:ln>
+            <a:noFill/>
+          </a:ln>
+        </p:spPr>
+        <p:style>
+          <a:lnRef idx="2">
+            <a:schemeClr val="accent1">
+              <a:shade val="50000"/>
+            </a:schemeClr>
+          </a:lnRef>
+          <a:fillRef idx="1">
+            <a:schemeClr val="accent1"/>
+          </a:fillRef>
+          <a:effectRef idx="0">
+            <a:schemeClr val="accent1"/>
+          </a:effectRef>
+          <a:fontRef idx="minor">
+            <a:schemeClr val="lt1"/>
+          </a:fontRef>
+        </p:style>
+        <p:txBody>
+          <a:bodyPr wrap="square" rtlCol="0" anchor="ctr">
+            <a:noAutofit/>
+          </a:bodyPr>
+          <a:lstStyle/>
+          <a:p>
+            <a:pPr algn="ctr"/>
+            <a:endParaRPr lang="en-US"/>
+          </a:p>
+        </p:txBody>
+      </p:sp>
+      <p:pic>
+        <p:nvPicPr>
+          <p:cNvPr id="6" name="Content Placeholder 5">
+            <a:extLst>
+              <a:ext uri="{FF2B5EF4-FFF2-40B4-BE49-F238E27FC236}">
+                <a16:creationId xmlns:a16="http://schemas.microsoft.com/office/drawing/2014/main" id="{A6BDCFD3-661B-89F2-DE75-44A517FD43BA}"/>
+              </a:ext>
+            </a:extLst>
+          </p:cNvPr>
+          <p:cNvPicPr>
+            <a:picLocks noGrp="1" noChangeAspect="1"/>
+          </p:cNvPicPr>
+          <p:nvPr>
+            <p:ph idx="1"/>
+          </p:nvPr>
+        </p:nvPicPr>
+        <p:blipFill>
+          <a:blip r:embed="rId2"/>
+          <a:stretch>
+            <a:fillRect/>
+          </a:stretch>
+        </p:blipFill>
+        <p:spPr>
+          <a:xfrm>
+            <a:off x="707571" y="668175"/>
+            <a:ext cx="5085414" cy="4029399"/>
+          </a:xfrm>
+        </p:spPr>
+      </p:pic>
+      <p:pic>
+        <p:nvPicPr>
+          <p:cNvPr id="8" name="Picture 7">
+            <a:extLst>
+              <a:ext uri="{FF2B5EF4-FFF2-40B4-BE49-F238E27FC236}">
+                <a16:creationId xmlns:a16="http://schemas.microsoft.com/office/drawing/2014/main" id="{D33BC85B-C212-0893-ABC6-AB516C5E4CA2}"/>
+              </a:ext>
+            </a:extLst>
+          </p:cNvPr>
+          <p:cNvPicPr>
+            <a:picLocks noChangeAspect="1"/>
+          </p:cNvPicPr>
+          <p:nvPr/>
+        </p:nvPicPr>
+        <p:blipFill>
+          <a:blip r:embed="rId3"/>
+          <a:stretch>
+            <a:fillRect/>
+          </a:stretch>
+        </p:blipFill>
+        <p:spPr>
+          <a:xfrm>
+            <a:off x="5886450" y="711200"/>
+            <a:ext cx="5467350" cy="3943350"/>
+          </a:xfrm>
+          <a:prstGeom prst="rect">
+            <a:avLst/>
+          </a:prstGeom>
+        </p:spPr>
+      </p:pic>
+      <p:sp>
+        <p:nvSpPr>
+          <p:cNvPr id="2" name="Title 1">
+            <a:extLst>
+              <a:ext uri="{FF2B5EF4-FFF2-40B4-BE49-F238E27FC236}">
+                <a16:creationId xmlns:a16="http://schemas.microsoft.com/office/drawing/2014/main" id="{B737C27B-0196-153E-AB12-2C21D72F7EB1}"/>
+              </a:ext>
+            </a:extLst>
+          </p:cNvPr>
+          <p:cNvSpPr>
+            <a:spLocks noGrp="1"/>
+          </p:cNvSpPr>
+          <p:nvPr>
+            <p:ph type="title"/>
+          </p:nvPr>
+        </p:nvSpPr>
+        <p:spPr>
+          <a:xfrm>
+            <a:off x="838200" y="5529884"/>
+            <a:ext cx="7719381" cy="1096331"/>
+          </a:xfrm>
+        </p:spPr>
+        <p:txBody>
+          <a:bodyPr>
+            <a:normAutofit/>
+          </a:bodyPr>
+          <a:lstStyle/>
+          <a:p>
+            <a:r>
+              <a:rPr lang="en-US" dirty="0"/>
+              <a:t>Stereo vision &amp; triangulation</a:t>
+            </a:r>
+          </a:p>
+        </p:txBody>
+      </p:sp>
+    </p:spTree>
+    <p:extLst>
+      <p:ext uri="{BB962C8B-B14F-4D97-AF65-F5344CB8AC3E}">
+        <p14:creationId xmlns:p14="http://schemas.microsoft.com/office/powerpoint/2010/main" val="1496563130"/>
       </p:ext>
     </p:extLst>
   </p:cSld>

--- a/exam/presentation.pptx
+++ b/exam/presentation.pptx
@@ -8,6 +8,7 @@
     <p:sldId id="257" r:id="rId2"/>
     <p:sldId id="258" r:id="rId3"/>
     <p:sldId id="259" r:id="rId4"/>
+    <p:sldId id="260" r:id="rId5"/>
   </p:sldIdLst>
   <p:sldSz cx="12192000" cy="6858000"/>
   <p:notesSz cx="6858000" cy="9144000"/>
@@ -263,7 +264,7 @@
           <a:p>
             <a:fld id="{2879DFEE-93BF-4036-9EEF-1A20A3385B7B}" type="datetimeFigureOut">
               <a:rPr lang="en-GB" smtClean="0"/>
-              <a:t>09/05/2022</a:t>
+              <a:t>11/05/2022</a:t>
             </a:fld>
             <a:endParaRPr lang="en-GB"/>
           </a:p>
@@ -463,7 +464,7 @@
           <a:p>
             <a:fld id="{2879DFEE-93BF-4036-9EEF-1A20A3385B7B}" type="datetimeFigureOut">
               <a:rPr lang="en-GB" smtClean="0"/>
-              <a:t>09/05/2022</a:t>
+              <a:t>11/05/2022</a:t>
             </a:fld>
             <a:endParaRPr lang="en-GB"/>
           </a:p>
@@ -673,7 +674,7 @@
           <a:p>
             <a:fld id="{2879DFEE-93BF-4036-9EEF-1A20A3385B7B}" type="datetimeFigureOut">
               <a:rPr lang="en-GB" smtClean="0"/>
-              <a:t>09/05/2022</a:t>
+              <a:t>11/05/2022</a:t>
             </a:fld>
             <a:endParaRPr lang="en-GB"/>
           </a:p>
@@ -873,7 +874,7 @@
           <a:p>
             <a:fld id="{2879DFEE-93BF-4036-9EEF-1A20A3385B7B}" type="datetimeFigureOut">
               <a:rPr lang="en-GB" smtClean="0"/>
-              <a:t>09/05/2022</a:t>
+              <a:t>11/05/2022</a:t>
             </a:fld>
             <a:endParaRPr lang="en-GB"/>
           </a:p>
@@ -1149,7 +1150,7 @@
           <a:p>
             <a:fld id="{2879DFEE-93BF-4036-9EEF-1A20A3385B7B}" type="datetimeFigureOut">
               <a:rPr lang="en-GB" smtClean="0"/>
-              <a:t>09/05/2022</a:t>
+              <a:t>11/05/2022</a:t>
             </a:fld>
             <a:endParaRPr lang="en-GB"/>
           </a:p>
@@ -1417,7 +1418,7 @@
           <a:p>
             <a:fld id="{2879DFEE-93BF-4036-9EEF-1A20A3385B7B}" type="datetimeFigureOut">
               <a:rPr lang="en-GB" smtClean="0"/>
-              <a:t>09/05/2022</a:t>
+              <a:t>11/05/2022</a:t>
             </a:fld>
             <a:endParaRPr lang="en-GB"/>
           </a:p>
@@ -1832,7 +1833,7 @@
           <a:p>
             <a:fld id="{2879DFEE-93BF-4036-9EEF-1A20A3385B7B}" type="datetimeFigureOut">
               <a:rPr lang="en-GB" smtClean="0"/>
-              <a:t>09/05/2022</a:t>
+              <a:t>11/05/2022</a:t>
             </a:fld>
             <a:endParaRPr lang="en-GB"/>
           </a:p>
@@ -1974,7 +1975,7 @@
           <a:p>
             <a:fld id="{2879DFEE-93BF-4036-9EEF-1A20A3385B7B}" type="datetimeFigureOut">
               <a:rPr lang="en-GB" smtClean="0"/>
-              <a:t>09/05/2022</a:t>
+              <a:t>11/05/2022</a:t>
             </a:fld>
             <a:endParaRPr lang="en-GB"/>
           </a:p>
@@ -2087,7 +2088,7 @@
           <a:p>
             <a:fld id="{2879DFEE-93BF-4036-9EEF-1A20A3385B7B}" type="datetimeFigureOut">
               <a:rPr lang="en-GB" smtClean="0"/>
-              <a:t>09/05/2022</a:t>
+              <a:t>11/05/2022</a:t>
             </a:fld>
             <a:endParaRPr lang="en-GB"/>
           </a:p>
@@ -2400,7 +2401,7 @@
           <a:p>
             <a:fld id="{2879DFEE-93BF-4036-9EEF-1A20A3385B7B}" type="datetimeFigureOut">
               <a:rPr lang="en-GB" smtClean="0"/>
-              <a:t>09/05/2022</a:t>
+              <a:t>11/05/2022</a:t>
             </a:fld>
             <a:endParaRPr lang="en-GB"/>
           </a:p>
@@ -2689,7 +2690,7 @@
           <a:p>
             <a:fld id="{2879DFEE-93BF-4036-9EEF-1A20A3385B7B}" type="datetimeFigureOut">
               <a:rPr lang="en-GB" smtClean="0"/>
-              <a:t>09/05/2022</a:t>
+              <a:t>11/05/2022</a:t>
             </a:fld>
             <a:endParaRPr lang="en-GB"/>
           </a:p>
@@ -2932,7 +2933,7 @@
           <a:p>
             <a:fld id="{2879DFEE-93BF-4036-9EEF-1A20A3385B7B}" type="datetimeFigureOut">
               <a:rPr lang="en-GB" smtClean="0"/>
-              <a:t>09/05/2022</a:t>
+              <a:t>11/05/2022</a:t>
             </a:fld>
             <a:endParaRPr lang="en-GB"/>
           </a:p>
@@ -4425,6 +4426,384 @@
 </p:sld>
 </file>
 
+<file path=ppt/slides/slide4.xml><?xml version="1.0" encoding="utf-8"?>
+<p:sld xmlns:a="http://schemas.openxmlformats.org/drawingml/2006/main" xmlns:r="http://schemas.openxmlformats.org/officeDocument/2006/relationships" xmlns:p="http://schemas.openxmlformats.org/presentationml/2006/main">
+  <p:cSld>
+    <p:bg>
+      <p:bgPr>
+        <a:solidFill>
+          <a:schemeClr val="bg1"/>
+        </a:solidFill>
+        <a:effectLst/>
+      </p:bgPr>
+    </p:bg>
+    <p:spTree>
+      <p:nvGrpSpPr>
+        <p:cNvPr id="1" name=""/>
+        <p:cNvGrpSpPr/>
+        <p:nvPr/>
+      </p:nvGrpSpPr>
+      <p:grpSpPr>
+        <a:xfrm>
+          <a:off x="0" y="0"/>
+          <a:ext cx="0" cy="0"/>
+          <a:chOff x="0" y="0"/>
+          <a:chExt cx="0" cy="0"/>
+        </a:xfrm>
+      </p:grpSpPr>
+      <p:sp>
+        <p:nvSpPr>
+          <p:cNvPr id="74" name="Rectangle 61">
+            <a:extLst>
+              <a:ext uri="{FF2B5EF4-FFF2-40B4-BE49-F238E27FC236}">
+                <a16:creationId xmlns:a16="http://schemas.microsoft.com/office/drawing/2014/main" id="{928F64C6-FE22-4FC1-A763-DFCC514811BD}"/>
+              </a:ext>
+              <a:ext uri="{C183D7F6-B498-43B3-948B-1728B52AA6E4}">
+                <adec:decorative xmlns:adec="http://schemas.microsoft.com/office/drawing/2017/decorative" val="1"/>
+              </a:ext>
+            </a:extLst>
+          </p:cNvPr>
+          <p:cNvSpPr>
+            <a:spLocks noGrp="1" noRot="1" noChangeAspect="1" noMove="1" noResize="1" noEditPoints="1" noAdjustHandles="1" noChangeArrowheads="1" noChangeShapeType="1" noTextEdit="1"/>
+          </p:cNvSpPr>
+          <p:nvPr>
+            <p:extLst>
+              <p:ext uri="{386F3935-93C4-4BCD-93E2-E3B085C9AB24}">
+                <p16:designElem xmlns:p16="http://schemas.microsoft.com/office/powerpoint/2015/main" val="1"/>
+              </p:ext>
+            </p:extLst>
+          </p:nvPr>
+        </p:nvSpPr>
+        <p:spPr bwMode="ltGray">
+          <a:xfrm>
+            <a:off x="4261224" y="4577975"/>
+            <a:ext cx="7539349" cy="1899827"/>
+          </a:xfrm>
+          <a:prstGeom prst="rect">
+            <a:avLst/>
+          </a:prstGeom>
+          <a:solidFill>
+            <a:srgbClr val="404040"/>
+          </a:solidFill>
+          <a:ln w="127000" cap="sq" cmpd="thinThick">
+            <a:solidFill>
+              <a:srgbClr val="404040"/>
+            </a:solidFill>
+          </a:ln>
+        </p:spPr>
+        <p:style>
+          <a:lnRef idx="2">
+            <a:schemeClr val="accent1">
+              <a:shade val="50000"/>
+            </a:schemeClr>
+          </a:lnRef>
+          <a:fillRef idx="1">
+            <a:schemeClr val="accent1"/>
+          </a:fillRef>
+          <a:effectRef idx="0">
+            <a:schemeClr val="accent1"/>
+          </a:effectRef>
+          <a:fontRef idx="minor">
+            <a:schemeClr val="lt1"/>
+          </a:fontRef>
+        </p:style>
+        <p:txBody>
+          <a:bodyPr rtlCol="0" anchor="ctr"/>
+          <a:lstStyle/>
+          <a:p>
+            <a:pPr marL="0" marR="0" lvl="0" indent="0" algn="ctr" defTabSz="914400" rtl="0" eaLnBrk="1" fontAlgn="auto" latinLnBrk="0" hangingPunct="1">
+              <a:lnSpc>
+                <a:spcPct val="100000"/>
+              </a:lnSpc>
+              <a:spcBef>
+                <a:spcPts val="0"/>
+              </a:spcBef>
+              <a:spcAft>
+                <a:spcPts val="0"/>
+              </a:spcAft>
+              <a:buClrTx/>
+              <a:buSzTx/>
+              <a:buFontTx/>
+              <a:buNone/>
+              <a:tabLst/>
+              <a:defRPr/>
+            </a:pPr>
+            <a:endParaRPr kumimoji="0" lang="en-US" sz="1800" b="0" i="0" u="none" strike="noStrike" kern="1200" cap="none" spc="0" normalizeH="0" baseline="0" noProof="0" dirty="0">
+              <a:ln>
+                <a:noFill/>
+              </a:ln>
+              <a:solidFill>
+                <a:prstClr val="white"/>
+              </a:solidFill>
+              <a:effectLst/>
+              <a:uLnTx/>
+              <a:uFillTx/>
+              <a:latin typeface="Calibri" panose="020F0502020204030204"/>
+              <a:ea typeface="+mn-ea"/>
+              <a:cs typeface="+mn-cs"/>
+            </a:endParaRPr>
+          </a:p>
+        </p:txBody>
+      </p:sp>
+      <p:sp>
+        <p:nvSpPr>
+          <p:cNvPr id="2" name="Title 1">
+            <a:extLst>
+              <a:ext uri="{FF2B5EF4-FFF2-40B4-BE49-F238E27FC236}">
+                <a16:creationId xmlns:a16="http://schemas.microsoft.com/office/drawing/2014/main" id="{B737C27B-0196-153E-AB12-2C21D72F7EB1}"/>
+              </a:ext>
+            </a:extLst>
+          </p:cNvPr>
+          <p:cNvSpPr>
+            <a:spLocks noGrp="1"/>
+          </p:cNvSpPr>
+          <p:nvPr>
+            <p:ph type="title"/>
+          </p:nvPr>
+        </p:nvSpPr>
+        <p:spPr>
+          <a:xfrm>
+            <a:off x="4603468" y="4741948"/>
+            <a:ext cx="6829520" cy="862031"/>
+          </a:xfrm>
+        </p:spPr>
+        <p:txBody>
+          <a:bodyPr vert="horz" lIns="91440" tIns="45720" rIns="91440" bIns="45720" rtlCol="0" anchor="b">
+            <a:normAutofit/>
+          </a:bodyPr>
+          <a:lstStyle/>
+          <a:p>
+            <a:r>
+              <a:rPr lang="en-US" sz="4000" kern="1200">
+                <a:solidFill>
+                  <a:srgbClr val="FFFFFF"/>
+                </a:solidFill>
+                <a:latin typeface="+mj-lt"/>
+                <a:ea typeface="+mj-ea"/>
+                <a:cs typeface="+mj-cs"/>
+              </a:rPr>
+              <a:t>Camera calibration</a:t>
+            </a:r>
+          </a:p>
+        </p:txBody>
+      </p:sp>
+      <p:pic>
+        <p:nvPicPr>
+          <p:cNvPr id="10" name="Picture 9">
+            <a:extLst>
+              <a:ext uri="{FF2B5EF4-FFF2-40B4-BE49-F238E27FC236}">
+                <a16:creationId xmlns:a16="http://schemas.microsoft.com/office/drawing/2014/main" id="{72BD25A5-DA63-D2B6-F99A-D4A389F21975}"/>
+              </a:ext>
+            </a:extLst>
+          </p:cNvPr>
+          <p:cNvPicPr>
+            <a:picLocks noChangeAspect="1"/>
+          </p:cNvPicPr>
+          <p:nvPr/>
+        </p:nvPicPr>
+        <p:blipFill>
+          <a:blip r:embed="rId2"/>
+          <a:stretch>
+            <a:fillRect/>
+          </a:stretch>
+        </p:blipFill>
+        <p:spPr>
+          <a:xfrm>
+            <a:off x="317636" y="624459"/>
+            <a:ext cx="3797570" cy="1405101"/>
+          </a:xfrm>
+          <a:prstGeom prst="rect">
+            <a:avLst/>
+          </a:prstGeom>
+        </p:spPr>
+      </p:pic>
+      <p:pic>
+        <p:nvPicPr>
+          <p:cNvPr id="16" name="Content Placeholder 15">
+            <a:extLst>
+              <a:ext uri="{FF2B5EF4-FFF2-40B4-BE49-F238E27FC236}">
+                <a16:creationId xmlns:a16="http://schemas.microsoft.com/office/drawing/2014/main" id="{7F28C5F2-A725-BADB-09B9-5E4616A13477}"/>
+              </a:ext>
+            </a:extLst>
+          </p:cNvPr>
+          <p:cNvPicPr>
+            <a:picLocks noGrp="1" noChangeAspect="1"/>
+          </p:cNvPicPr>
+          <p:nvPr>
+            <p:ph idx="1"/>
+          </p:nvPr>
+        </p:nvPicPr>
+        <p:blipFill>
+          <a:blip r:embed="rId3"/>
+          <a:stretch>
+            <a:fillRect/>
+          </a:stretch>
+        </p:blipFill>
+        <p:spPr>
+          <a:xfrm>
+            <a:off x="317634" y="2428116"/>
+            <a:ext cx="3794760" cy="2001766"/>
+          </a:xfrm>
+          <a:prstGeom prst="rect">
+            <a:avLst/>
+          </a:prstGeom>
+        </p:spPr>
+      </p:pic>
+      <p:pic>
+        <p:nvPicPr>
+          <p:cNvPr id="12" name="Picture 11">
+            <a:extLst>
+              <a:ext uri="{FF2B5EF4-FFF2-40B4-BE49-F238E27FC236}">
+                <a16:creationId xmlns:a16="http://schemas.microsoft.com/office/drawing/2014/main" id="{E6B107CD-F372-710F-2E20-9DC2284694C9}"/>
+              </a:ext>
+            </a:extLst>
+          </p:cNvPr>
+          <p:cNvPicPr>
+            <a:picLocks noChangeAspect="1"/>
+          </p:cNvPicPr>
+          <p:nvPr/>
+        </p:nvPicPr>
+        <p:blipFill>
+          <a:blip r:embed="rId4"/>
+          <a:stretch>
+            <a:fillRect/>
+          </a:stretch>
+        </p:blipFill>
+        <p:spPr>
+          <a:xfrm>
+            <a:off x="4603468" y="1032249"/>
+            <a:ext cx="2520307" cy="2671903"/>
+          </a:xfrm>
+          <a:prstGeom prst="rect">
+            <a:avLst/>
+          </a:prstGeom>
+        </p:spPr>
+      </p:pic>
+      <p:pic>
+        <p:nvPicPr>
+          <p:cNvPr id="7" name="Picture 6">
+            <a:extLst>
+              <a:ext uri="{FF2B5EF4-FFF2-40B4-BE49-F238E27FC236}">
+                <a16:creationId xmlns:a16="http://schemas.microsoft.com/office/drawing/2014/main" id="{28F25927-2751-45F8-D4CB-9DB86404D3FB}"/>
+              </a:ext>
+            </a:extLst>
+          </p:cNvPr>
+          <p:cNvPicPr>
+            <a:picLocks noChangeAspect="1"/>
+          </p:cNvPicPr>
+          <p:nvPr/>
+        </p:nvPicPr>
+        <p:blipFill>
+          <a:blip r:embed="rId5"/>
+          <a:stretch>
+            <a:fillRect/>
+          </a:stretch>
+        </p:blipFill>
+        <p:spPr>
+          <a:xfrm>
+            <a:off x="7529339" y="134114"/>
+            <a:ext cx="4345025" cy="4291821"/>
+          </a:xfrm>
+          <a:prstGeom prst="rect">
+            <a:avLst/>
+          </a:prstGeom>
+        </p:spPr>
+      </p:pic>
+      <p:cxnSp>
+        <p:nvCxnSpPr>
+          <p:cNvPr id="75" name="Straight Connector 63">
+            <a:extLst>
+              <a:ext uri="{FF2B5EF4-FFF2-40B4-BE49-F238E27FC236}">
+                <a16:creationId xmlns:a16="http://schemas.microsoft.com/office/drawing/2014/main" id="{5C34627B-48E6-4F4D-B843-97717A86B490}"/>
+              </a:ext>
+              <a:ext uri="{C183D7F6-B498-43B3-948B-1728B52AA6E4}">
+                <adec:decorative xmlns:adec="http://schemas.microsoft.com/office/drawing/2017/decorative" val="1"/>
+              </a:ext>
+            </a:extLst>
+          </p:cNvPr>
+          <p:cNvCxnSpPr>
+            <a:cxnSpLocks noGrp="1" noRot="1" noChangeAspect="1" noMove="1" noResize="1" noEditPoints="1" noAdjustHandles="1" noChangeArrowheads="1" noChangeShapeType="1"/>
+          </p:cNvCxnSpPr>
+          <p:nvPr>
+            <p:extLst>
+              <p:ext uri="{386F3935-93C4-4BCD-93E2-E3B085C9AB24}">
+                <p16:designElem xmlns:p16="http://schemas.microsoft.com/office/powerpoint/2015/main" val="1"/>
+              </p:ext>
+            </p:extLst>
+          </p:nvPr>
+        </p:nvCxnSpPr>
+        <p:spPr>
+          <a:xfrm>
+            <a:off x="4719934" y="5694097"/>
+            <a:ext cx="5486400" cy="0"/>
+          </a:xfrm>
+          <a:prstGeom prst="line">
+            <a:avLst/>
+          </a:prstGeom>
+          <a:ln w="15875">
+            <a:solidFill>
+              <a:srgbClr val="D9D9D9"/>
+            </a:solidFill>
+          </a:ln>
+        </p:spPr>
+        <p:style>
+          <a:lnRef idx="1">
+            <a:schemeClr val="accent1"/>
+          </a:lnRef>
+          <a:fillRef idx="0">
+            <a:schemeClr val="accent1"/>
+          </a:fillRef>
+          <a:effectRef idx="0">
+            <a:schemeClr val="accent1"/>
+          </a:effectRef>
+          <a:fontRef idx="minor">
+            <a:schemeClr val="tx1"/>
+          </a:fontRef>
+        </p:style>
+      </p:cxnSp>
+      <p:pic>
+        <p:nvPicPr>
+          <p:cNvPr id="33" name="Picture 32">
+            <a:extLst>
+              <a:ext uri="{FF2B5EF4-FFF2-40B4-BE49-F238E27FC236}">
+                <a16:creationId xmlns:a16="http://schemas.microsoft.com/office/drawing/2014/main" id="{186A16D5-6CA9-F368-9D37-658400C61BEE}"/>
+              </a:ext>
+            </a:extLst>
+          </p:cNvPr>
+          <p:cNvPicPr>
+            <a:picLocks noChangeAspect="1"/>
+          </p:cNvPicPr>
+          <p:nvPr/>
+        </p:nvPicPr>
+        <p:blipFill>
+          <a:blip r:embed="rId6"/>
+          <a:stretch>
+            <a:fillRect/>
+          </a:stretch>
+        </p:blipFill>
+        <p:spPr>
+          <a:xfrm>
+            <a:off x="317634" y="4800499"/>
+            <a:ext cx="3794760" cy="1460982"/>
+          </a:xfrm>
+          <a:prstGeom prst="rect">
+            <a:avLst/>
+          </a:prstGeom>
+        </p:spPr>
+      </p:pic>
+    </p:spTree>
+    <p:extLst>
+      <p:ext uri="{BB962C8B-B14F-4D97-AF65-F5344CB8AC3E}">
+        <p14:creationId xmlns:p14="http://schemas.microsoft.com/office/powerpoint/2010/main" val="855788015"/>
+      </p:ext>
+    </p:extLst>
+  </p:cSld>
+  <p:clrMapOvr>
+    <a:masterClrMapping/>
+  </p:clrMapOvr>
+</p:sld>
+</file>
+
 <file path=ppt/theme/theme1.xml><?xml version="1.0" encoding="utf-8"?>
 <a:theme xmlns:a="http://schemas.openxmlformats.org/drawingml/2006/main" name="Office Theme">
   <a:themeElements>

--- a/exam/presentation.pptx
+++ b/exam/presentation.pptx
@@ -9,6 +9,8 @@
     <p:sldId id="258" r:id="rId3"/>
     <p:sldId id="259" r:id="rId4"/>
     <p:sldId id="260" r:id="rId5"/>
+    <p:sldId id="261" r:id="rId6"/>
+    <p:sldId id="262" r:id="rId7"/>
   </p:sldIdLst>
   <p:sldSz cx="12192000" cy="6858000"/>
   <p:notesSz cx="6858000" cy="9144000"/>
@@ -4804,6 +4806,179 @@
 </p:sld>
 </file>
 
+<file path=ppt/slides/slide5.xml><?xml version="1.0" encoding="utf-8"?>
+<p:sld xmlns:a="http://schemas.openxmlformats.org/drawingml/2006/main" xmlns:r="http://schemas.openxmlformats.org/officeDocument/2006/relationships" xmlns:p="http://schemas.openxmlformats.org/presentationml/2006/main">
+  <p:cSld>
+    <p:spTree>
+      <p:nvGrpSpPr>
+        <p:cNvPr id="1" name=""/>
+        <p:cNvGrpSpPr/>
+        <p:nvPr/>
+      </p:nvGrpSpPr>
+      <p:grpSpPr>
+        <a:xfrm>
+          <a:off x="0" y="0"/>
+          <a:ext cx="0" cy="0"/>
+          <a:chOff x="0" y="0"/>
+          <a:chExt cx="0" cy="0"/>
+        </a:xfrm>
+      </p:grpSpPr>
+      <p:sp>
+        <p:nvSpPr>
+          <p:cNvPr id="4" name="Title 3">
+            <a:extLst>
+              <a:ext uri="{FF2B5EF4-FFF2-40B4-BE49-F238E27FC236}">
+                <a16:creationId xmlns:a16="http://schemas.microsoft.com/office/drawing/2014/main" id="{3715EC2F-4AF8-E70C-6721-DBF6B6637E72}"/>
+              </a:ext>
+            </a:extLst>
+          </p:cNvPr>
+          <p:cNvSpPr>
+            <a:spLocks noGrp="1"/>
+          </p:cNvSpPr>
+          <p:nvPr>
+            <p:ph type="title"/>
+          </p:nvPr>
+        </p:nvSpPr>
+        <p:spPr/>
+        <p:txBody>
+          <a:bodyPr/>
+          <a:lstStyle/>
+          <a:p>
+            <a:r>
+              <a:rPr lang="en-GB" dirty="0"/>
+              <a:t>Non-linear triangulation &amp; calibration</a:t>
+            </a:r>
+          </a:p>
+        </p:txBody>
+      </p:sp>
+      <p:sp>
+        <p:nvSpPr>
+          <p:cNvPr id="6" name="Content Placeholder 5">
+            <a:extLst>
+              <a:ext uri="{FF2B5EF4-FFF2-40B4-BE49-F238E27FC236}">
+                <a16:creationId xmlns:a16="http://schemas.microsoft.com/office/drawing/2014/main" id="{558585A8-0122-0685-8AAA-9987B04970A1}"/>
+              </a:ext>
+            </a:extLst>
+          </p:cNvPr>
+          <p:cNvSpPr>
+            <a:spLocks noGrp="1"/>
+          </p:cNvSpPr>
+          <p:nvPr>
+            <p:ph idx="1"/>
+          </p:nvPr>
+        </p:nvSpPr>
+        <p:spPr/>
+        <p:txBody>
+          <a:bodyPr/>
+          <a:lstStyle/>
+          <a:p>
+            <a:r>
+              <a:rPr lang="en-GB" dirty="0"/>
+              <a:t>Don’t really know what to put here : ) take some equations from </a:t>
+            </a:r>
+            <a:r>
+              <a:rPr lang="en-GB"/>
+              <a:t>the slides….</a:t>
+            </a:r>
+          </a:p>
+        </p:txBody>
+      </p:sp>
+    </p:spTree>
+    <p:extLst>
+      <p:ext uri="{BB962C8B-B14F-4D97-AF65-F5344CB8AC3E}">
+        <p14:creationId xmlns:p14="http://schemas.microsoft.com/office/powerpoint/2010/main" val="1387495558"/>
+      </p:ext>
+    </p:extLst>
+  </p:cSld>
+  <p:clrMapOvr>
+    <a:masterClrMapping/>
+  </p:clrMapOvr>
+</p:sld>
+</file>
+
+<file path=ppt/slides/slide6.xml><?xml version="1.0" encoding="utf-8"?>
+<p:sld xmlns:a="http://schemas.openxmlformats.org/drawingml/2006/main" xmlns:r="http://schemas.openxmlformats.org/officeDocument/2006/relationships" xmlns:p="http://schemas.openxmlformats.org/presentationml/2006/main">
+  <p:cSld>
+    <p:spTree>
+      <p:nvGrpSpPr>
+        <p:cNvPr id="1" name=""/>
+        <p:cNvGrpSpPr/>
+        <p:nvPr/>
+      </p:nvGrpSpPr>
+      <p:grpSpPr>
+        <a:xfrm>
+          <a:off x="0" y="0"/>
+          <a:ext cx="0" cy="0"/>
+          <a:chOff x="0" y="0"/>
+          <a:chExt cx="0" cy="0"/>
+        </a:xfrm>
+      </p:grpSpPr>
+      <p:sp>
+        <p:nvSpPr>
+          <p:cNvPr id="4" name="Title 3">
+            <a:extLst>
+              <a:ext uri="{FF2B5EF4-FFF2-40B4-BE49-F238E27FC236}">
+                <a16:creationId xmlns:a16="http://schemas.microsoft.com/office/drawing/2014/main" id="{3715EC2F-4AF8-E70C-6721-DBF6B6637E72}"/>
+              </a:ext>
+            </a:extLst>
+          </p:cNvPr>
+          <p:cNvSpPr>
+            <a:spLocks noGrp="1"/>
+          </p:cNvSpPr>
+          <p:nvPr>
+            <p:ph type="title"/>
+          </p:nvPr>
+        </p:nvSpPr>
+        <p:spPr/>
+        <p:txBody>
+          <a:bodyPr/>
+          <a:lstStyle/>
+          <a:p>
+            <a:r>
+              <a:rPr lang="en-GB" dirty="0"/>
+              <a:t>Non-linear triangulation &amp; calibration</a:t>
+            </a:r>
+          </a:p>
+        </p:txBody>
+      </p:sp>
+      <p:sp>
+        <p:nvSpPr>
+          <p:cNvPr id="6" name="Content Placeholder 5">
+            <a:extLst>
+              <a:ext uri="{FF2B5EF4-FFF2-40B4-BE49-F238E27FC236}">
+                <a16:creationId xmlns:a16="http://schemas.microsoft.com/office/drawing/2014/main" id="{558585A8-0122-0685-8AAA-9987B04970A1}"/>
+              </a:ext>
+            </a:extLst>
+          </p:cNvPr>
+          <p:cNvSpPr>
+            <a:spLocks noGrp="1"/>
+          </p:cNvSpPr>
+          <p:nvPr>
+            <p:ph idx="1"/>
+          </p:nvPr>
+        </p:nvSpPr>
+        <p:spPr/>
+        <p:txBody>
+          <a:bodyPr/>
+          <a:lstStyle/>
+          <a:p>
+            <a:endParaRPr lang="en-GB"/>
+          </a:p>
+        </p:txBody>
+      </p:sp>
+    </p:spTree>
+    <p:extLst>
+      <p:ext uri="{BB962C8B-B14F-4D97-AF65-F5344CB8AC3E}">
+        <p14:creationId xmlns:p14="http://schemas.microsoft.com/office/powerpoint/2010/main" val="2432938698"/>
+      </p:ext>
+    </p:extLst>
+  </p:cSld>
+  <p:clrMapOvr>
+    <a:masterClrMapping/>
+  </p:clrMapOvr>
+</p:sld>
+</file>
+
 <file path=ppt/theme/theme1.xml><?xml version="1.0" encoding="utf-8"?>
 <a:theme xmlns:a="http://schemas.openxmlformats.org/drawingml/2006/main" name="Office Theme">
   <a:themeElements>

--- a/exam/presentation.pptx
+++ b/exam/presentation.pptx
@@ -11,6 +11,8 @@
     <p:sldId id="260" r:id="rId5"/>
     <p:sldId id="261" r:id="rId6"/>
     <p:sldId id="262" r:id="rId7"/>
+    <p:sldId id="263" r:id="rId8"/>
+    <p:sldId id="264" r:id="rId9"/>
   </p:sldIdLst>
   <p:sldSz cx="12192000" cy="6858000"/>
   <p:notesSz cx="6858000" cy="9144000"/>
@@ -4874,11 +4876,7 @@
           <a:p>
             <a:r>
               <a:rPr lang="en-GB" dirty="0"/>
-              <a:t>Don’t really know what to put here : ) take some equations from </a:t>
-            </a:r>
-            <a:r>
-              <a:rPr lang="en-GB"/>
-              <a:t>the slides….</a:t>
+              <a:t>Don’t really know what to put here : ) take some equations from the slides….</a:t>
             </a:r>
           </a:p>
         </p:txBody>
@@ -4970,6 +4968,241 @@
     <p:extLst>
       <p:ext uri="{BB962C8B-B14F-4D97-AF65-F5344CB8AC3E}">
         <p14:creationId xmlns:p14="http://schemas.microsoft.com/office/powerpoint/2010/main" val="2432938698"/>
+      </p:ext>
+    </p:extLst>
+  </p:cSld>
+  <p:clrMapOvr>
+    <a:masterClrMapping/>
+  </p:clrMapOvr>
+</p:sld>
+</file>
+
+<file path=ppt/slides/slide7.xml><?xml version="1.0" encoding="utf-8"?>
+<p:sld xmlns:a="http://schemas.openxmlformats.org/drawingml/2006/main" xmlns:r="http://schemas.openxmlformats.org/officeDocument/2006/relationships" xmlns:p="http://schemas.openxmlformats.org/presentationml/2006/main">
+  <p:cSld>
+    <p:spTree>
+      <p:nvGrpSpPr>
+        <p:cNvPr id="1" name=""/>
+        <p:cNvGrpSpPr/>
+        <p:nvPr/>
+      </p:nvGrpSpPr>
+      <p:grpSpPr>
+        <a:xfrm>
+          <a:off x="0" y="0"/>
+          <a:ext cx="0" cy="0"/>
+          <a:chOff x="0" y="0"/>
+          <a:chExt cx="0" cy="0"/>
+        </a:xfrm>
+      </p:grpSpPr>
+      <p:sp>
+        <p:nvSpPr>
+          <p:cNvPr id="2" name="Title 1">
+            <a:extLst>
+              <a:ext uri="{FF2B5EF4-FFF2-40B4-BE49-F238E27FC236}">
+                <a16:creationId xmlns:a16="http://schemas.microsoft.com/office/drawing/2014/main" id="{43AC0A91-6B7C-1DC9-C262-4445002559C9}"/>
+              </a:ext>
+            </a:extLst>
+          </p:cNvPr>
+          <p:cNvSpPr>
+            <a:spLocks noGrp="1"/>
+          </p:cNvSpPr>
+          <p:nvPr>
+            <p:ph type="title"/>
+          </p:nvPr>
+        </p:nvSpPr>
+        <p:spPr/>
+        <p:txBody>
+          <a:bodyPr/>
+          <a:lstStyle/>
+          <a:p>
+            <a:r>
+              <a:rPr lang="en-GB" dirty="0"/>
+              <a:t>Simple features. Canny. Harris</a:t>
+            </a:r>
+          </a:p>
+        </p:txBody>
+      </p:sp>
+      <p:pic>
+        <p:nvPicPr>
+          <p:cNvPr id="5" name="Content Placeholder 4">
+            <a:extLst>
+              <a:ext uri="{FF2B5EF4-FFF2-40B4-BE49-F238E27FC236}">
+                <a16:creationId xmlns:a16="http://schemas.microsoft.com/office/drawing/2014/main" id="{F69B43D0-986B-CB76-569A-D556E52C8618}"/>
+              </a:ext>
+            </a:extLst>
+          </p:cNvPr>
+          <p:cNvPicPr>
+            <a:picLocks noGrp="1" noChangeAspect="1"/>
+          </p:cNvPicPr>
+          <p:nvPr>
+            <p:ph idx="1"/>
+          </p:nvPr>
+        </p:nvPicPr>
+        <p:blipFill>
+          <a:blip r:embed="rId2"/>
+          <a:stretch>
+            <a:fillRect/>
+          </a:stretch>
+        </p:blipFill>
+        <p:spPr>
+          <a:xfrm>
+            <a:off x="8131857" y="3198410"/>
+            <a:ext cx="3686689" cy="2314898"/>
+          </a:xfrm>
+        </p:spPr>
+      </p:pic>
+      <p:pic>
+        <p:nvPicPr>
+          <p:cNvPr id="11" name="Picture 10">
+            <a:extLst>
+              <a:ext uri="{FF2B5EF4-FFF2-40B4-BE49-F238E27FC236}">
+                <a16:creationId xmlns:a16="http://schemas.microsoft.com/office/drawing/2014/main" id="{915D2561-D8AE-48BD-C936-0A270B2484E5}"/>
+              </a:ext>
+            </a:extLst>
+          </p:cNvPr>
+          <p:cNvPicPr>
+            <a:picLocks noChangeAspect="1"/>
+          </p:cNvPicPr>
+          <p:nvPr/>
+        </p:nvPicPr>
+        <p:blipFill>
+          <a:blip r:embed="rId3"/>
+          <a:stretch>
+            <a:fillRect/>
+          </a:stretch>
+        </p:blipFill>
+        <p:spPr>
+          <a:xfrm>
+            <a:off x="8999058" y="523712"/>
+            <a:ext cx="2524477" cy="2333951"/>
+          </a:xfrm>
+          <a:prstGeom prst="rect">
+            <a:avLst/>
+          </a:prstGeom>
+        </p:spPr>
+      </p:pic>
+      <p:pic>
+        <p:nvPicPr>
+          <p:cNvPr id="13" name="Picture 12">
+            <a:extLst>
+              <a:ext uri="{FF2B5EF4-FFF2-40B4-BE49-F238E27FC236}">
+                <a16:creationId xmlns:a16="http://schemas.microsoft.com/office/drawing/2014/main" id="{97AF4DC2-ADF4-FDD5-4E28-9D504680C94A}"/>
+              </a:ext>
+            </a:extLst>
+          </p:cNvPr>
+          <p:cNvPicPr>
+            <a:picLocks noChangeAspect="1"/>
+          </p:cNvPicPr>
+          <p:nvPr/>
+        </p:nvPicPr>
+        <p:blipFill>
+          <a:blip r:embed="rId4"/>
+          <a:stretch>
+            <a:fillRect/>
+          </a:stretch>
+        </p:blipFill>
+        <p:spPr>
+          <a:xfrm>
+            <a:off x="373454" y="2355330"/>
+            <a:ext cx="5391902" cy="4001058"/>
+          </a:xfrm>
+          <a:prstGeom prst="rect">
+            <a:avLst/>
+          </a:prstGeom>
+        </p:spPr>
+      </p:pic>
+    </p:spTree>
+    <p:extLst>
+      <p:ext uri="{BB962C8B-B14F-4D97-AF65-F5344CB8AC3E}">
+        <p14:creationId xmlns:p14="http://schemas.microsoft.com/office/powerpoint/2010/main" val="1892433595"/>
+      </p:ext>
+    </p:extLst>
+  </p:cSld>
+  <p:clrMapOvr>
+    <a:masterClrMapping/>
+  </p:clrMapOvr>
+</p:sld>
+</file>
+
+<file path=ppt/slides/slide8.xml><?xml version="1.0" encoding="utf-8"?>
+<p:sld xmlns:a="http://schemas.openxmlformats.org/drawingml/2006/main" xmlns:r="http://schemas.openxmlformats.org/officeDocument/2006/relationships" xmlns:p="http://schemas.openxmlformats.org/presentationml/2006/main">
+  <p:cSld>
+    <p:spTree>
+      <p:nvGrpSpPr>
+        <p:cNvPr id="1" name=""/>
+        <p:cNvGrpSpPr/>
+        <p:nvPr/>
+      </p:nvGrpSpPr>
+      <p:grpSpPr>
+        <a:xfrm>
+          <a:off x="0" y="0"/>
+          <a:ext cx="0" cy="0"/>
+          <a:chOff x="0" y="0"/>
+          <a:chExt cx="0" cy="0"/>
+        </a:xfrm>
+      </p:grpSpPr>
+      <p:sp>
+        <p:nvSpPr>
+          <p:cNvPr id="2" name="Title 1">
+            <a:extLst>
+              <a:ext uri="{FF2B5EF4-FFF2-40B4-BE49-F238E27FC236}">
+                <a16:creationId xmlns:a16="http://schemas.microsoft.com/office/drawing/2014/main" id="{0376E200-80B3-0A3C-4BA0-B653B5CC0E5E}"/>
+              </a:ext>
+            </a:extLst>
+          </p:cNvPr>
+          <p:cNvSpPr>
+            <a:spLocks noGrp="1"/>
+          </p:cNvSpPr>
+          <p:nvPr>
+            <p:ph type="title"/>
+          </p:nvPr>
+        </p:nvSpPr>
+        <p:spPr/>
+        <p:txBody>
+          <a:bodyPr/>
+          <a:lstStyle/>
+          <a:p>
+            <a:r>
+              <a:rPr lang="en-GB" dirty="0"/>
+              <a:t>Robust model fitting. </a:t>
+            </a:r>
+            <a:r>
+              <a:rPr lang="en-GB"/>
+              <a:t>RANSAC</a:t>
+            </a:r>
+            <a:endParaRPr lang="en-GB" dirty="0"/>
+          </a:p>
+        </p:txBody>
+      </p:sp>
+      <p:sp>
+        <p:nvSpPr>
+          <p:cNvPr id="3" name="Content Placeholder 2">
+            <a:extLst>
+              <a:ext uri="{FF2B5EF4-FFF2-40B4-BE49-F238E27FC236}">
+                <a16:creationId xmlns:a16="http://schemas.microsoft.com/office/drawing/2014/main" id="{E02E848C-D45C-AAF9-7272-663BC9282CCA}"/>
+              </a:ext>
+            </a:extLst>
+          </p:cNvPr>
+          <p:cNvSpPr>
+            <a:spLocks noGrp="1"/>
+          </p:cNvSpPr>
+          <p:nvPr>
+            <p:ph idx="1"/>
+          </p:nvPr>
+        </p:nvSpPr>
+        <p:spPr/>
+        <p:txBody>
+          <a:bodyPr/>
+          <a:lstStyle/>
+          <a:p>
+            <a:endParaRPr lang="en-GB"/>
+          </a:p>
+        </p:txBody>
+      </p:sp>
+    </p:spTree>
+    <p:extLst>
+      <p:ext uri="{BB962C8B-B14F-4D97-AF65-F5344CB8AC3E}">
+        <p14:creationId xmlns:p14="http://schemas.microsoft.com/office/powerpoint/2010/main" val="2849089626"/>
       </p:ext>
     </p:extLst>
   </p:cSld>

--- a/exam/presentation.pptx
+++ b/exam/presentation.pptx
@@ -13,6 +13,8 @@
     <p:sldId id="262" r:id="rId7"/>
     <p:sldId id="263" r:id="rId8"/>
     <p:sldId id="264" r:id="rId9"/>
+    <p:sldId id="265" r:id="rId10"/>
+    <p:sldId id="266" r:id="rId11"/>
   </p:sldIdLst>
   <p:sldSz cx="12192000" cy="6858000"/>
   <p:notesSz cx="6858000" cy="9144000"/>
@@ -3733,6 +3735,97 @@
 </p:sld>
 </file>
 
+<file path=ppt/slides/slide10.xml><?xml version="1.0" encoding="utf-8"?>
+<p:sld xmlns:a="http://schemas.openxmlformats.org/drawingml/2006/main" xmlns:r="http://schemas.openxmlformats.org/officeDocument/2006/relationships" xmlns:p="http://schemas.openxmlformats.org/presentationml/2006/main">
+  <p:cSld>
+    <p:spTree>
+      <p:nvGrpSpPr>
+        <p:cNvPr id="1" name=""/>
+        <p:cNvGrpSpPr/>
+        <p:nvPr/>
+      </p:nvGrpSpPr>
+      <p:grpSpPr>
+        <a:xfrm>
+          <a:off x="0" y="0"/>
+          <a:ext cx="0" cy="0"/>
+          <a:chOff x="0" y="0"/>
+          <a:chExt cx="0" cy="0"/>
+        </a:xfrm>
+      </p:grpSpPr>
+      <p:sp>
+        <p:nvSpPr>
+          <p:cNvPr id="2" name="Title 1">
+            <a:extLst>
+              <a:ext uri="{FF2B5EF4-FFF2-40B4-BE49-F238E27FC236}">
+                <a16:creationId xmlns:a16="http://schemas.microsoft.com/office/drawing/2014/main" id="{AD13C403-6C89-CD60-A137-35D8EB3E2C28}"/>
+              </a:ext>
+            </a:extLst>
+          </p:cNvPr>
+          <p:cNvSpPr>
+            <a:spLocks noGrp="1"/>
+          </p:cNvSpPr>
+          <p:nvPr>
+            <p:ph type="title"/>
+          </p:nvPr>
+        </p:nvSpPr>
+        <p:spPr/>
+        <p:txBody>
+          <a:bodyPr/>
+          <a:lstStyle/>
+          <a:p>
+            <a:r>
+              <a:rPr lang="en-GB" dirty="0"/>
+              <a:t>Image stitching</a:t>
+            </a:r>
+          </a:p>
+        </p:txBody>
+      </p:sp>
+      <p:sp>
+        <p:nvSpPr>
+          <p:cNvPr id="3" name="Content Placeholder 2">
+            <a:extLst>
+              <a:ext uri="{FF2B5EF4-FFF2-40B4-BE49-F238E27FC236}">
+                <a16:creationId xmlns:a16="http://schemas.microsoft.com/office/drawing/2014/main" id="{83D55002-B077-E55E-9FEF-17CF5FFF861E}"/>
+              </a:ext>
+            </a:extLst>
+          </p:cNvPr>
+          <p:cNvSpPr>
+            <a:spLocks noGrp="1"/>
+          </p:cNvSpPr>
+          <p:nvPr>
+            <p:ph idx="1"/>
+          </p:nvPr>
+        </p:nvSpPr>
+        <p:spPr/>
+        <p:txBody>
+          <a:bodyPr/>
+          <a:lstStyle/>
+          <a:p>
+            <a:r>
+              <a:rPr lang="en-GB" dirty="0"/>
+              <a:t>RANSAC for fitting </a:t>
+            </a:r>
+            <a:r>
+              <a:rPr lang="en-GB" dirty="0" err="1"/>
+              <a:t>Homographies</a:t>
+            </a:r>
+            <a:endParaRPr lang="en-GB" dirty="0"/>
+          </a:p>
+        </p:txBody>
+      </p:sp>
+    </p:spTree>
+    <p:extLst>
+      <p:ext uri="{BB962C8B-B14F-4D97-AF65-F5344CB8AC3E}">
+        <p14:creationId xmlns:p14="http://schemas.microsoft.com/office/powerpoint/2010/main" val="3669813217"/>
+      </p:ext>
+    </p:extLst>
+  </p:cSld>
+  <p:clrMapOvr>
+    <a:masterClrMapping/>
+  </p:clrMapOvr>
+</p:sld>
+</file>
+
 <file path=ppt/slides/slide2.xml><?xml version="1.0" encoding="utf-8"?>
 <p:sld xmlns:a="http://schemas.openxmlformats.org/drawingml/2006/main" xmlns:r="http://schemas.openxmlformats.org/officeDocument/2006/relationships" xmlns:p="http://schemas.openxmlformats.org/presentationml/2006/main">
   <p:cSld>
@@ -4406,13 +4499,36 @@
         </p:spPr>
         <p:txBody>
           <a:bodyPr>
-            <a:normAutofit/>
+            <a:noAutofit/>
           </a:bodyPr>
           <a:lstStyle/>
           <a:p>
             <a:r>
-              <a:rPr lang="en-US" dirty="0"/>
-              <a:t>Stereo vision &amp; triangulation</a:t>
+              <a:rPr lang="en-US" sz="2800" dirty="0"/>
+              <a:t>Stereo vision &amp; triangulation. Multiview geometry. Essential &amp; Fundamental matrices. </a:t>
+            </a:r>
+            <a:br>
+              <a:rPr lang="en-US" sz="2800" dirty="0"/>
+            </a:br>
+            <a:r>
+              <a:rPr lang="en-US" sz="2800" dirty="0"/>
+              <a:t>0 = </a:t>
+            </a:r>
+            <a:r>
+              <a:rPr lang="en-US" sz="2800" dirty="0" err="1"/>
+              <a:t>p’Ep</a:t>
+            </a:r>
+            <a:r>
+              <a:rPr lang="en-US" sz="2800" dirty="0"/>
+              <a:t>; 0 = </a:t>
+            </a:r>
+            <a:r>
+              <a:rPr lang="en-US" sz="2800" dirty="0" err="1"/>
+              <a:t>q’Fq</a:t>
+            </a:r>
+            <a:r>
+              <a:rPr lang="en-US" sz="2800" dirty="0"/>
+              <a:t>;</a:t>
             </a:r>
           </a:p>
         </p:txBody>
@@ -5127,6 +5243,14 @@
 <file path=ppt/slides/slide8.xml><?xml version="1.0" encoding="utf-8"?>
 <p:sld xmlns:a="http://schemas.openxmlformats.org/drawingml/2006/main" xmlns:r="http://schemas.openxmlformats.org/officeDocument/2006/relationships" xmlns:p="http://schemas.openxmlformats.org/presentationml/2006/main">
   <p:cSld>
+    <p:bg>
+      <p:bgPr>
+        <a:solidFill>
+          <a:schemeClr val="bg1"/>
+        </a:solidFill>
+        <a:effectLst/>
+      </p:bgPr>
+    </p:bg>
     <p:spTree>
       <p:nvGrpSpPr>
         <p:cNvPr id="1" name=""/>
@@ -5143,6 +5267,72 @@
       </p:grpSpPr>
       <p:sp>
         <p:nvSpPr>
+          <p:cNvPr id="10" name="Down Arrow 7">
+            <a:extLst>
+              <a:ext uri="{FF2B5EF4-FFF2-40B4-BE49-F238E27FC236}">
+                <a16:creationId xmlns:a16="http://schemas.microsoft.com/office/drawing/2014/main" id="{D4771268-CB57-404A-9271-370EB28F6090}"/>
+              </a:ext>
+              <a:ext uri="{C183D7F6-B498-43B3-948B-1728B52AA6E4}">
+                <adec:decorative xmlns:adec="http://schemas.microsoft.com/office/drawing/2017/decorative" val="1"/>
+              </a:ext>
+            </a:extLst>
+          </p:cNvPr>
+          <p:cNvSpPr>
+            <a:spLocks noGrp="1" noRot="1" noChangeAspect="1" noMove="1" noResize="1" noEditPoints="1" noAdjustHandles="1" noChangeArrowheads="1" noChangeShapeType="1" noTextEdit="1"/>
+          </p:cNvSpPr>
+          <p:nvPr>
+            <p:extLst>
+              <p:ext uri="{386F3935-93C4-4BCD-93E2-E3B085C9AB24}">
+                <p16:designElem xmlns:p16="http://schemas.microsoft.com/office/powerpoint/2015/main" val="1"/>
+              </p:ext>
+            </p:extLst>
+          </p:nvPr>
+        </p:nvSpPr>
+        <p:spPr>
+          <a:xfrm rot="16200000">
+            <a:off x="800100" y="1491343"/>
+            <a:ext cx="3333749" cy="3499103"/>
+          </a:xfrm>
+          <a:prstGeom prst="downArrow">
+            <a:avLst>
+              <a:gd name="adj1" fmla="val 100000"/>
+              <a:gd name="adj2" fmla="val 15788"/>
+            </a:avLst>
+          </a:prstGeom>
+          <a:solidFill>
+            <a:srgbClr val="404040"/>
+          </a:solidFill>
+          <a:ln w="53975">
+            <a:noFill/>
+          </a:ln>
+        </p:spPr>
+        <p:style>
+          <a:lnRef idx="2">
+            <a:schemeClr val="accent1">
+              <a:shade val="50000"/>
+            </a:schemeClr>
+          </a:lnRef>
+          <a:fillRef idx="1">
+            <a:schemeClr val="accent1"/>
+          </a:fillRef>
+          <a:effectRef idx="0">
+            <a:schemeClr val="accent1"/>
+          </a:effectRef>
+          <a:fontRef idx="minor">
+            <a:schemeClr val="lt1"/>
+          </a:fontRef>
+        </p:style>
+        <p:txBody>
+          <a:bodyPr rtlCol="0" anchor="ctr"/>
+          <a:lstStyle/>
+          <a:p>
+            <a:pPr algn="ctr"/>
+            <a:endParaRPr lang="en-US"/>
+          </a:p>
+        </p:txBody>
+      </p:sp>
+      <p:sp>
+        <p:nvSpPr>
           <p:cNvPr id="2" name="Title 1">
             <a:extLst>
               <a:ext uri="{FF2B5EF4-FFF2-40B4-BE49-F238E27FC236}">
@@ -5157,52 +5347,371 @@
             <p:ph type="title"/>
           </p:nvPr>
         </p:nvSpPr>
-        <p:spPr/>
-        <p:txBody>
-          <a:bodyPr/>
-          <a:lstStyle/>
-          <a:p>
-            <a:r>
-              <a:rPr lang="en-GB" dirty="0"/>
-              <a:t>Robust model fitting. </a:t>
-            </a:r>
-            <a:r>
-              <a:rPr lang="en-GB"/>
-              <a:t>RANSAC</a:t>
-            </a:r>
-            <a:endParaRPr lang="en-GB" dirty="0"/>
-          </a:p>
-        </p:txBody>
-      </p:sp>
-      <p:sp>
-        <p:nvSpPr>
-          <p:cNvPr id="3" name="Content Placeholder 2">
-            <a:extLst>
-              <a:ext uri="{FF2B5EF4-FFF2-40B4-BE49-F238E27FC236}">
-                <a16:creationId xmlns:a16="http://schemas.microsoft.com/office/drawing/2014/main" id="{E02E848C-D45C-AAF9-7272-663BC9282CCA}"/>
-              </a:ext>
-            </a:extLst>
-          </p:cNvPr>
-          <p:cNvSpPr>
-            <a:spLocks noGrp="1"/>
-          </p:cNvSpPr>
+        <p:spPr>
+          <a:xfrm>
+            <a:off x="1028700" y="1967266"/>
+            <a:ext cx="2628900" cy="2547257"/>
+          </a:xfrm>
+          <a:noFill/>
+        </p:spPr>
+        <p:txBody>
+          <a:bodyPr vert="horz" lIns="91440" tIns="45720" rIns="91440" bIns="45720" rtlCol="0" anchor="ctr">
+            <a:normAutofit/>
+          </a:bodyPr>
+          <a:lstStyle/>
+          <a:p>
+            <a:pPr algn="ctr"/>
+            <a:r>
+              <a:rPr lang="en-US" sz="3600" kern="1200">
+                <a:solidFill>
+                  <a:srgbClr val="FFFFFF"/>
+                </a:solidFill>
+                <a:latin typeface="+mj-lt"/>
+                <a:ea typeface="+mj-ea"/>
+                <a:cs typeface="+mj-cs"/>
+              </a:rPr>
+              <a:t>Robust model fitting. RANSAC</a:t>
+            </a:r>
+          </a:p>
+        </p:txBody>
+      </p:sp>
+      <p:pic>
+        <p:nvPicPr>
+          <p:cNvPr id="5" name="Content Placeholder 4" descr="Chart, scatter chart&#10;&#10;Description automatically generated">
+            <a:extLst>
+              <a:ext uri="{FF2B5EF4-FFF2-40B4-BE49-F238E27FC236}">
+                <a16:creationId xmlns:a16="http://schemas.microsoft.com/office/drawing/2014/main" id="{7DEF981F-4040-563E-00B9-9A86EDA22E53}"/>
+              </a:ext>
+            </a:extLst>
+          </p:cNvPr>
+          <p:cNvPicPr>
+            <a:picLocks noGrp="1" noChangeAspect="1"/>
+          </p:cNvPicPr>
           <p:nvPr>
             <p:ph idx="1"/>
           </p:nvPr>
-        </p:nvSpPr>
-        <p:spPr/>
-        <p:txBody>
-          <a:bodyPr/>
-          <a:lstStyle/>
-          <a:p>
-            <a:endParaRPr lang="en-GB"/>
-          </a:p>
-        </p:txBody>
-      </p:sp>
+        </p:nvPicPr>
+        <p:blipFill>
+          <a:blip r:embed="rId2"/>
+          <a:stretch>
+            <a:fillRect/>
+          </a:stretch>
+        </p:blipFill>
+        <p:spPr>
+          <a:xfrm>
+            <a:off x="4777316" y="1224108"/>
+            <a:ext cx="6780700" cy="4407455"/>
+          </a:xfrm>
+          <a:prstGeom prst="rect">
+            <a:avLst/>
+          </a:prstGeom>
+        </p:spPr>
+      </p:pic>
     </p:spTree>
     <p:extLst>
       <p:ext uri="{BB962C8B-B14F-4D97-AF65-F5344CB8AC3E}">
         <p14:creationId xmlns:p14="http://schemas.microsoft.com/office/powerpoint/2010/main" val="2849089626"/>
+      </p:ext>
+    </p:extLst>
+  </p:cSld>
+  <p:clrMapOvr>
+    <a:masterClrMapping/>
+  </p:clrMapOvr>
+</p:sld>
+</file>
+
+<file path=ppt/slides/slide9.xml><?xml version="1.0" encoding="utf-8"?>
+<p:sld xmlns:a="http://schemas.openxmlformats.org/drawingml/2006/main" xmlns:r="http://schemas.openxmlformats.org/officeDocument/2006/relationships" xmlns:p="http://schemas.openxmlformats.org/presentationml/2006/main">
+  <p:cSld>
+    <p:bg>
+      <p:bgPr>
+        <a:solidFill>
+          <a:schemeClr val="bg1"/>
+        </a:solidFill>
+        <a:effectLst/>
+      </p:bgPr>
+    </p:bg>
+    <p:spTree>
+      <p:nvGrpSpPr>
+        <p:cNvPr id="1" name=""/>
+        <p:cNvGrpSpPr/>
+        <p:nvPr/>
+      </p:nvGrpSpPr>
+      <p:grpSpPr>
+        <a:xfrm>
+          <a:off x="0" y="0"/>
+          <a:ext cx="0" cy="0"/>
+          <a:chOff x="0" y="0"/>
+          <a:chExt cx="0" cy="0"/>
+        </a:xfrm>
+      </p:grpSpPr>
+      <p:sp>
+        <p:nvSpPr>
+          <p:cNvPr id="12" name="Rectangle 11">
+            <a:extLst>
+              <a:ext uri="{FF2B5EF4-FFF2-40B4-BE49-F238E27FC236}">
+                <a16:creationId xmlns:a16="http://schemas.microsoft.com/office/drawing/2014/main" id="{FF9B822F-893E-44C8-963C-64F50ACECBB2}"/>
+              </a:ext>
+              <a:ext uri="{C183D7F6-B498-43B3-948B-1728B52AA6E4}">
+                <adec:decorative xmlns:adec="http://schemas.microsoft.com/office/drawing/2017/decorative" val="1"/>
+              </a:ext>
+            </a:extLst>
+          </p:cNvPr>
+          <p:cNvSpPr>
+            <a:spLocks noGrp="1" noRot="1" noChangeAspect="1" noMove="1" noResize="1" noEditPoints="1" noAdjustHandles="1" noChangeArrowheads="1" noChangeShapeType="1" noTextEdit="1"/>
+          </p:cNvSpPr>
+          <p:nvPr>
+            <p:extLst>
+              <p:ext uri="{386F3935-93C4-4BCD-93E2-E3B085C9AB24}">
+                <p16:designElem xmlns:p16="http://schemas.microsoft.com/office/powerpoint/2015/main" val="1"/>
+              </p:ext>
+            </p:extLst>
+          </p:nvPr>
+        </p:nvSpPr>
+        <p:spPr>
+          <a:xfrm>
+            <a:off x="0" y="0"/>
+            <a:ext cx="12192000" cy="6858000"/>
+          </a:xfrm>
+          <a:prstGeom prst="rect">
+            <a:avLst/>
+          </a:prstGeom>
+          <a:solidFill>
+            <a:schemeClr val="bg1"/>
+          </a:solidFill>
+          <a:ln w="12700" cap="flat" cmpd="sng" algn="ctr">
+            <a:noFill/>
+            <a:prstDash val="solid"/>
+            <a:miter lim="800000"/>
+          </a:ln>
+          <a:effectLst/>
+          <a:extLst>
+            <a:ext uri="{91240B29-F687-4F45-9708-019B960494DF}">
+              <a14:hiddenLine xmlns:a14="http://schemas.microsoft.com/office/drawing/2010/main" w="12700" cap="flat" cmpd="sng" algn="ctr">
+                <a:solidFill>
+                  <a:schemeClr val="accent1">
+                    <a:shade val="50000"/>
+                  </a:schemeClr>
+                </a:solidFill>
+                <a:prstDash val="solid"/>
+                <a:miter lim="800000"/>
+              </a14:hiddenLine>
+            </a:ext>
+          </a:extLst>
+        </p:spPr>
+        <p:style>
+          <a:lnRef idx="2">
+            <a:schemeClr val="accent1">
+              <a:shade val="50000"/>
+            </a:schemeClr>
+          </a:lnRef>
+          <a:fillRef idx="1">
+            <a:schemeClr val="accent1"/>
+          </a:fillRef>
+          <a:effectRef idx="0">
+            <a:schemeClr val="accent1"/>
+          </a:effectRef>
+          <a:fontRef idx="minor">
+            <a:schemeClr val="lt1"/>
+          </a:fontRef>
+        </p:style>
+        <p:txBody>
+          <a:bodyPr rtlCol="0" anchor="ctr"/>
+          <a:lstStyle/>
+          <a:p>
+            <a:pPr algn="ctr"/>
+            <a:endParaRPr lang="en-US"/>
+          </a:p>
+        </p:txBody>
+      </p:sp>
+      <p:sp>
+        <p:nvSpPr>
+          <p:cNvPr id="14" name="Rectangle 13">
+            <a:extLst>
+              <a:ext uri="{FF2B5EF4-FFF2-40B4-BE49-F238E27FC236}">
+                <a16:creationId xmlns:a16="http://schemas.microsoft.com/office/drawing/2014/main" id="{EBF87945-A001-489F-9D9B-7D9435F0B9CA}"/>
+              </a:ext>
+              <a:ext uri="{C183D7F6-B498-43B3-948B-1728B52AA6E4}">
+                <adec:decorative xmlns:adec="http://schemas.microsoft.com/office/drawing/2017/decorative" val="1"/>
+              </a:ext>
+            </a:extLst>
+          </p:cNvPr>
+          <p:cNvSpPr>
+            <a:spLocks noGrp="1" noRot="1" noChangeAspect="1" noMove="1" noResize="1" noEditPoints="1" noAdjustHandles="1" noChangeArrowheads="1" noChangeShapeType="1" noTextEdit="1"/>
+          </p:cNvSpPr>
+          <p:nvPr>
+            <p:extLst>
+              <p:ext uri="{386F3935-93C4-4BCD-93E2-E3B085C9AB24}">
+                <p16:designElem xmlns:p16="http://schemas.microsoft.com/office/powerpoint/2015/main" val="1"/>
+              </p:ext>
+            </p:extLst>
+          </p:nvPr>
+        </p:nvSpPr>
+        <p:spPr>
+          <a:xfrm>
+            <a:off x="548639" y="347471"/>
+            <a:ext cx="11100816" cy="1801368"/>
+          </a:xfrm>
+          <a:prstGeom prst="rect">
+            <a:avLst/>
+          </a:prstGeom>
+          <a:solidFill>
+            <a:schemeClr val="tx1">
+              <a:lumMod val="75000"/>
+              <a:lumOff val="25000"/>
+            </a:schemeClr>
+          </a:solidFill>
+          <a:ln>
+            <a:noFill/>
+          </a:ln>
+        </p:spPr>
+        <p:style>
+          <a:lnRef idx="2">
+            <a:schemeClr val="accent1">
+              <a:shade val="50000"/>
+            </a:schemeClr>
+          </a:lnRef>
+          <a:fillRef idx="1">
+            <a:schemeClr val="accent1"/>
+          </a:fillRef>
+          <a:effectRef idx="0">
+            <a:schemeClr val="accent1"/>
+          </a:effectRef>
+          <a:fontRef idx="minor">
+            <a:schemeClr val="lt1"/>
+          </a:fontRef>
+        </p:style>
+        <p:txBody>
+          <a:bodyPr rtlCol="0" anchor="ctr"/>
+          <a:lstStyle/>
+          <a:p>
+            <a:pPr algn="ctr"/>
+            <a:endParaRPr lang="en-US"/>
+          </a:p>
+        </p:txBody>
+      </p:sp>
+      <p:sp>
+        <p:nvSpPr>
+          <p:cNvPr id="2" name="Title 1">
+            <a:extLst>
+              <a:ext uri="{FF2B5EF4-FFF2-40B4-BE49-F238E27FC236}">
+                <a16:creationId xmlns:a16="http://schemas.microsoft.com/office/drawing/2014/main" id="{DCE2D076-A657-5DE0-B6E2-0C3693199F42}"/>
+              </a:ext>
+            </a:extLst>
+          </p:cNvPr>
+          <p:cNvSpPr>
+            <a:spLocks noGrp="1"/>
+          </p:cNvSpPr>
+          <p:nvPr>
+            <p:ph type="title"/>
+          </p:nvPr>
+        </p:nvSpPr>
+        <p:spPr>
+          <a:xfrm>
+            <a:off x="838200" y="585216"/>
+            <a:ext cx="10515600" cy="1325563"/>
+          </a:xfrm>
+        </p:spPr>
+        <p:txBody>
+          <a:bodyPr>
+            <a:normAutofit/>
+          </a:bodyPr>
+          <a:lstStyle/>
+          <a:p>
+            <a:r>
+              <a:rPr lang="en-GB">
+                <a:solidFill>
+                  <a:schemeClr val="bg1"/>
+                </a:solidFill>
+              </a:rPr>
+              <a:t>Constrained geometry feature matching</a:t>
+            </a:r>
+          </a:p>
+        </p:txBody>
+      </p:sp>
+      <p:pic>
+        <p:nvPicPr>
+          <p:cNvPr id="5" name="Content Placeholder 4">
+            <a:extLst>
+              <a:ext uri="{FF2B5EF4-FFF2-40B4-BE49-F238E27FC236}">
+                <a16:creationId xmlns:a16="http://schemas.microsoft.com/office/drawing/2014/main" id="{C95C120B-31FF-7A3E-0F72-CB0EDD8A99B9}"/>
+              </a:ext>
+            </a:extLst>
+          </p:cNvPr>
+          <p:cNvPicPr>
+            <a:picLocks noChangeAspect="1"/>
+          </p:cNvPicPr>
+          <p:nvPr/>
+        </p:nvPicPr>
+        <p:blipFill rotWithShape="1">
+          <a:blip r:embed="rId2"/>
+          <a:srcRect l="13879" r="20099"/>
+          <a:stretch/>
+        </p:blipFill>
+        <p:spPr>
+          <a:xfrm>
+            <a:off x="841248" y="2516777"/>
+            <a:ext cx="6236208" cy="3660185"/>
+          </a:xfrm>
+          <a:prstGeom prst="rect">
+            <a:avLst/>
+          </a:prstGeom>
+        </p:spPr>
+      </p:pic>
+      <p:sp>
+        <p:nvSpPr>
+          <p:cNvPr id="9" name="Content Placeholder 8">
+            <a:extLst>
+              <a:ext uri="{FF2B5EF4-FFF2-40B4-BE49-F238E27FC236}">
+                <a16:creationId xmlns:a16="http://schemas.microsoft.com/office/drawing/2014/main" id="{F1DDBA16-1D65-03B9-21D0-CE0389C080F0}"/>
+              </a:ext>
+            </a:extLst>
+          </p:cNvPr>
+          <p:cNvSpPr>
+            <a:spLocks noGrp="1"/>
+          </p:cNvSpPr>
+          <p:nvPr>
+            <p:ph idx="1"/>
+          </p:nvPr>
+        </p:nvSpPr>
+        <p:spPr>
+          <a:xfrm>
+            <a:off x="7546848" y="2516777"/>
+            <a:ext cx="3803904" cy="3660185"/>
+          </a:xfrm>
+        </p:spPr>
+        <p:txBody>
+          <a:bodyPr anchor="ctr">
+            <a:normAutofit/>
+          </a:bodyPr>
+          <a:lstStyle/>
+          <a:p>
+            <a:r>
+              <a:rPr lang="en-US" sz="2200" dirty="0"/>
+              <a:t>Eight-point algorithm</a:t>
+            </a:r>
+          </a:p>
+          <a:p>
+            <a:r>
+              <a:rPr lang="en-US" sz="2200" dirty="0"/>
+              <a:t>Fundamental matrix</a:t>
+            </a:r>
+          </a:p>
+          <a:p>
+            <a:r>
+              <a:rPr lang="en-US" sz="2200" dirty="0"/>
+              <a:t>RANSAC</a:t>
+            </a:r>
+          </a:p>
+          <a:p>
+            <a:endParaRPr lang="en-US" sz="2200" dirty="0"/>
+          </a:p>
+        </p:txBody>
+      </p:sp>
+    </p:spTree>
+    <p:extLst>
+      <p:ext uri="{BB962C8B-B14F-4D97-AF65-F5344CB8AC3E}">
+        <p14:creationId xmlns:p14="http://schemas.microsoft.com/office/powerpoint/2010/main" val="871574202"/>
       </p:ext>
     </p:extLst>
   </p:cSld>

--- a/exam/presentation.pptx
+++ b/exam/presentation.pptx
@@ -270,7 +270,7 @@
           <a:p>
             <a:fld id="{2879DFEE-93BF-4036-9EEF-1A20A3385B7B}" type="datetimeFigureOut">
               <a:rPr lang="en-GB" smtClean="0"/>
-              <a:t>11/05/2022</a:t>
+              <a:t>12/05/2022</a:t>
             </a:fld>
             <a:endParaRPr lang="en-GB"/>
           </a:p>
@@ -470,7 +470,7 @@
           <a:p>
             <a:fld id="{2879DFEE-93BF-4036-9EEF-1A20A3385B7B}" type="datetimeFigureOut">
               <a:rPr lang="en-GB" smtClean="0"/>
-              <a:t>11/05/2022</a:t>
+              <a:t>12/05/2022</a:t>
             </a:fld>
             <a:endParaRPr lang="en-GB"/>
           </a:p>
@@ -680,7 +680,7 @@
           <a:p>
             <a:fld id="{2879DFEE-93BF-4036-9EEF-1A20A3385B7B}" type="datetimeFigureOut">
               <a:rPr lang="en-GB" smtClean="0"/>
-              <a:t>11/05/2022</a:t>
+              <a:t>12/05/2022</a:t>
             </a:fld>
             <a:endParaRPr lang="en-GB"/>
           </a:p>
@@ -880,7 +880,7 @@
           <a:p>
             <a:fld id="{2879DFEE-93BF-4036-9EEF-1A20A3385B7B}" type="datetimeFigureOut">
               <a:rPr lang="en-GB" smtClean="0"/>
-              <a:t>11/05/2022</a:t>
+              <a:t>12/05/2022</a:t>
             </a:fld>
             <a:endParaRPr lang="en-GB"/>
           </a:p>
@@ -1156,7 +1156,7 @@
           <a:p>
             <a:fld id="{2879DFEE-93BF-4036-9EEF-1A20A3385B7B}" type="datetimeFigureOut">
               <a:rPr lang="en-GB" smtClean="0"/>
-              <a:t>11/05/2022</a:t>
+              <a:t>12/05/2022</a:t>
             </a:fld>
             <a:endParaRPr lang="en-GB"/>
           </a:p>
@@ -1424,7 +1424,7 @@
           <a:p>
             <a:fld id="{2879DFEE-93BF-4036-9EEF-1A20A3385B7B}" type="datetimeFigureOut">
               <a:rPr lang="en-GB" smtClean="0"/>
-              <a:t>11/05/2022</a:t>
+              <a:t>12/05/2022</a:t>
             </a:fld>
             <a:endParaRPr lang="en-GB"/>
           </a:p>
@@ -1839,7 +1839,7 @@
           <a:p>
             <a:fld id="{2879DFEE-93BF-4036-9EEF-1A20A3385B7B}" type="datetimeFigureOut">
               <a:rPr lang="en-GB" smtClean="0"/>
-              <a:t>11/05/2022</a:t>
+              <a:t>12/05/2022</a:t>
             </a:fld>
             <a:endParaRPr lang="en-GB"/>
           </a:p>
@@ -1981,7 +1981,7 @@
           <a:p>
             <a:fld id="{2879DFEE-93BF-4036-9EEF-1A20A3385B7B}" type="datetimeFigureOut">
               <a:rPr lang="en-GB" smtClean="0"/>
-              <a:t>11/05/2022</a:t>
+              <a:t>12/05/2022</a:t>
             </a:fld>
             <a:endParaRPr lang="en-GB"/>
           </a:p>
@@ -2094,7 +2094,7 @@
           <a:p>
             <a:fld id="{2879DFEE-93BF-4036-9EEF-1A20A3385B7B}" type="datetimeFigureOut">
               <a:rPr lang="en-GB" smtClean="0"/>
-              <a:t>11/05/2022</a:t>
+              <a:t>12/05/2022</a:t>
             </a:fld>
             <a:endParaRPr lang="en-GB"/>
           </a:p>
@@ -2407,7 +2407,7 @@
           <a:p>
             <a:fld id="{2879DFEE-93BF-4036-9EEF-1A20A3385B7B}" type="datetimeFigureOut">
               <a:rPr lang="en-GB" smtClean="0"/>
-              <a:t>11/05/2022</a:t>
+              <a:t>12/05/2022</a:t>
             </a:fld>
             <a:endParaRPr lang="en-GB"/>
           </a:p>
@@ -2696,7 +2696,7 @@
           <a:p>
             <a:fld id="{2879DFEE-93BF-4036-9EEF-1A20A3385B7B}" type="datetimeFigureOut">
               <a:rPr lang="en-GB" smtClean="0"/>
-              <a:t>11/05/2022</a:t>
+              <a:t>12/05/2022</a:t>
             </a:fld>
             <a:endParaRPr lang="en-GB"/>
           </a:p>
@@ -2939,7 +2939,7 @@
           <a:p>
             <a:fld id="{2879DFEE-93BF-4036-9EEF-1A20A3385B7B}" type="datetimeFigureOut">
               <a:rPr lang="en-GB" smtClean="0"/>
-              <a:t>11/05/2022</a:t>
+              <a:t>12/05/2022</a:t>
             </a:fld>
             <a:endParaRPr lang="en-GB"/>
           </a:p>
@@ -3738,6 +3738,14 @@
 <file path=ppt/slides/slide10.xml><?xml version="1.0" encoding="utf-8"?>
 <p:sld xmlns:a="http://schemas.openxmlformats.org/drawingml/2006/main" xmlns:r="http://schemas.openxmlformats.org/officeDocument/2006/relationships" xmlns:p="http://schemas.openxmlformats.org/presentationml/2006/main">
   <p:cSld>
+    <p:bg>
+      <p:bgPr>
+        <a:solidFill>
+          <a:schemeClr val="bg1"/>
+        </a:solidFill>
+        <a:effectLst/>
+      </p:bgPr>
+    </p:bg>
     <p:spTree>
       <p:nvGrpSpPr>
         <p:cNvPr id="1" name=""/>
@@ -3752,6 +3760,66 @@
           <a:chExt cx="0" cy="0"/>
         </a:xfrm>
       </p:grpSpPr>
+      <p:sp useBgFill="1">
+        <p:nvSpPr>
+          <p:cNvPr id="33" name="Rectangle 26">
+            <a:extLst>
+              <a:ext uri="{FF2B5EF4-FFF2-40B4-BE49-F238E27FC236}">
+                <a16:creationId xmlns:a16="http://schemas.microsoft.com/office/drawing/2014/main" id="{8761DDFE-071F-4200-B0AA-394476C2D2D6}"/>
+              </a:ext>
+              <a:ext uri="{C183D7F6-B498-43B3-948B-1728B52AA6E4}">
+                <adec:decorative xmlns:adec="http://schemas.microsoft.com/office/drawing/2017/decorative" val="1"/>
+              </a:ext>
+            </a:extLst>
+          </p:cNvPr>
+          <p:cNvSpPr>
+            <a:spLocks noGrp="1" noRot="1" noChangeAspect="1" noMove="1" noResize="1" noEditPoints="1" noAdjustHandles="1" noChangeArrowheads="1" noChangeShapeType="1" noTextEdit="1"/>
+          </p:cNvSpPr>
+          <p:nvPr>
+            <p:extLst>
+              <p:ext uri="{386F3935-93C4-4BCD-93E2-E3B085C9AB24}">
+                <p16:designElem xmlns:p16="http://schemas.microsoft.com/office/powerpoint/2015/main" val="1"/>
+              </p:ext>
+            </p:extLst>
+          </p:nvPr>
+        </p:nvSpPr>
+        <p:spPr>
+          <a:xfrm>
+            <a:off x="-1" y="0"/>
+            <a:ext cx="12188952" cy="6858000"/>
+          </a:xfrm>
+          <a:prstGeom prst="rect">
+            <a:avLst/>
+          </a:prstGeom>
+          <a:ln>
+            <a:noFill/>
+          </a:ln>
+        </p:spPr>
+        <p:style>
+          <a:lnRef idx="2">
+            <a:schemeClr val="accent1">
+              <a:shade val="50000"/>
+            </a:schemeClr>
+          </a:lnRef>
+          <a:fillRef idx="1">
+            <a:schemeClr val="accent1"/>
+          </a:fillRef>
+          <a:effectRef idx="0">
+            <a:schemeClr val="accent1"/>
+          </a:effectRef>
+          <a:fontRef idx="minor">
+            <a:schemeClr val="lt1"/>
+          </a:fontRef>
+        </p:style>
+        <p:txBody>
+          <a:bodyPr rtlCol="0" anchor="ctr"/>
+          <a:lstStyle/>
+          <a:p>
+            <a:pPr algn="ctr"/>
+            <a:endParaRPr lang="en-US"/>
+          </a:p>
+        </p:txBody>
+      </p:sp>
       <p:sp>
         <p:nvSpPr>
           <p:cNvPr id="2" name="Title 1">
@@ -3768,13 +3836,20 @@
             <p:ph type="title"/>
           </p:nvPr>
         </p:nvSpPr>
-        <p:spPr/>
-        <p:txBody>
-          <a:bodyPr/>
-          <a:lstStyle/>
-          <a:p>
-            <a:r>
-              <a:rPr lang="en-GB" dirty="0"/>
+        <p:spPr>
+          <a:xfrm>
+            <a:off x="838198" y="547815"/>
+            <a:ext cx="5167185" cy="1680519"/>
+          </a:xfrm>
+        </p:spPr>
+        <p:txBody>
+          <a:bodyPr>
+            <a:normAutofit/>
+          </a:bodyPr>
+          <a:lstStyle/>
+          <a:p>
+            <a:r>
+              <a:rPr lang="en-GB" sz="4000"/>
               <a:t>Image stitching</a:t>
             </a:r>
           </a:p>
@@ -3796,23 +3871,113 @@
             <p:ph idx="1"/>
           </p:nvPr>
         </p:nvSpPr>
-        <p:spPr/>
-        <p:txBody>
-          <a:bodyPr/>
-          <a:lstStyle/>
-          <a:p>
-            <a:r>
-              <a:rPr lang="en-GB" dirty="0"/>
+        <p:spPr>
+          <a:xfrm>
+            <a:off x="6186619" y="547815"/>
+            <a:ext cx="5178960" cy="1680519"/>
+          </a:xfrm>
+        </p:spPr>
+        <p:txBody>
+          <a:bodyPr anchor="ctr">
+            <a:normAutofit/>
+          </a:bodyPr>
+          <a:lstStyle/>
+          <a:p>
+            <a:endParaRPr lang="en-GB" sz="2000" dirty="0"/>
+          </a:p>
+          <a:p>
+            <a:r>
+              <a:rPr lang="en-GB" sz="2000" dirty="0"/>
               <a:t>RANSAC for fitting </a:t>
             </a:r>
             <a:r>
-              <a:rPr lang="en-GB" dirty="0" err="1"/>
+              <a:rPr lang="en-GB" sz="2000" dirty="0" err="1"/>
               <a:t>Homographies</a:t>
             </a:r>
-            <a:endParaRPr lang="en-GB" dirty="0"/>
-          </a:p>
-        </p:txBody>
-      </p:sp>
+            <a:endParaRPr lang="en-GB" sz="2000" dirty="0"/>
+          </a:p>
+          <a:p>
+            <a:r>
+              <a:rPr lang="en-GB" sz="2000" dirty="0"/>
+              <a:t>Warping</a:t>
+            </a:r>
+          </a:p>
+          <a:p>
+            <a:r>
+              <a:rPr lang="en-GB" sz="2000" dirty="0"/>
+              <a:t>Finally </a:t>
+            </a:r>
+            <a:r>
+              <a:rPr lang="en-GB" sz="2000" dirty="0" err="1"/>
+              <a:t>stiching</a:t>
+            </a:r>
+            <a:endParaRPr lang="en-GB" sz="2000" dirty="0"/>
+          </a:p>
+          <a:p>
+            <a:endParaRPr lang="en-GB" sz="2000" dirty="0"/>
+          </a:p>
+        </p:txBody>
+      </p:sp>
+      <p:pic>
+        <p:nvPicPr>
+          <p:cNvPr id="7" name="Picture 6">
+            <a:extLst>
+              <a:ext uri="{FF2B5EF4-FFF2-40B4-BE49-F238E27FC236}">
+                <a16:creationId xmlns:a16="http://schemas.microsoft.com/office/drawing/2014/main" id="{62CA05C0-5D10-8F4E-ED40-A65349EA4BC2}"/>
+              </a:ext>
+            </a:extLst>
+          </p:cNvPr>
+          <p:cNvPicPr>
+            <a:picLocks noChangeAspect="1"/>
+          </p:cNvPicPr>
+          <p:nvPr/>
+        </p:nvPicPr>
+        <p:blipFill>
+          <a:blip r:embed="rId2"/>
+          <a:stretch>
+            <a:fillRect/>
+          </a:stretch>
+        </p:blipFill>
+        <p:spPr>
+          <a:xfrm>
+            <a:off x="844606" y="2421924"/>
+            <a:ext cx="5154369" cy="3711146"/>
+          </a:xfrm>
+          <a:prstGeom prst="rect">
+            <a:avLst/>
+          </a:prstGeom>
+        </p:spPr>
+      </p:pic>
+      <p:pic>
+        <p:nvPicPr>
+          <p:cNvPr id="5" name="Picture 4">
+            <a:extLst>
+              <a:ext uri="{FF2B5EF4-FFF2-40B4-BE49-F238E27FC236}">
+                <a16:creationId xmlns:a16="http://schemas.microsoft.com/office/drawing/2014/main" id="{767ECDEC-5E09-65B1-9636-08F4FD063392}"/>
+              </a:ext>
+            </a:extLst>
+          </p:cNvPr>
+          <p:cNvPicPr>
+            <a:picLocks noChangeAspect="1"/>
+          </p:cNvPicPr>
+          <p:nvPr/>
+        </p:nvPicPr>
+        <p:blipFill>
+          <a:blip r:embed="rId3"/>
+          <a:stretch>
+            <a:fillRect/>
+          </a:stretch>
+        </p:blipFill>
+        <p:spPr>
+          <a:xfrm>
+            <a:off x="6198394" y="2533572"/>
+            <a:ext cx="5167185" cy="3487849"/>
+          </a:xfrm>
+          <a:prstGeom prst="rect">
+            <a:avLst/>
+          </a:prstGeom>
+        </p:spPr>
+      </p:pic>
     </p:spTree>
     <p:extLst>
       <p:ext uri="{BB962C8B-B14F-4D97-AF65-F5344CB8AC3E}">

--- a/exam/presentation.pptx
+++ b/exam/presentation.pptx
@@ -15,6 +15,7 @@
     <p:sldId id="264" r:id="rId9"/>
     <p:sldId id="265" r:id="rId10"/>
     <p:sldId id="266" r:id="rId11"/>
+    <p:sldId id="267" r:id="rId12"/>
   </p:sldIdLst>
   <p:sldSz cx="12192000" cy="6858000"/>
   <p:notesSz cx="6858000" cy="9144000"/>
@@ -3991,6 +3992,463 @@
 </p:sld>
 </file>
 
+<file path=ppt/slides/slide11.xml><?xml version="1.0" encoding="utf-8"?>
+<p:sld xmlns:a="http://schemas.openxmlformats.org/drawingml/2006/main" xmlns:r="http://schemas.openxmlformats.org/officeDocument/2006/relationships" xmlns:p="http://schemas.openxmlformats.org/presentationml/2006/main">
+  <p:cSld>
+    <p:bg>
+      <p:bgPr>
+        <a:solidFill>
+          <a:schemeClr val="bg1">
+            <a:tint val="95000"/>
+            <a:satMod val="170000"/>
+          </a:schemeClr>
+        </a:solidFill>
+        <a:effectLst/>
+      </p:bgPr>
+    </p:bg>
+    <p:spTree>
+      <p:nvGrpSpPr>
+        <p:cNvPr id="1" name=""/>
+        <p:cNvGrpSpPr/>
+        <p:nvPr/>
+      </p:nvGrpSpPr>
+      <p:grpSpPr>
+        <a:xfrm>
+          <a:off x="0" y="0"/>
+          <a:ext cx="0" cy="0"/>
+          <a:chOff x="0" y="0"/>
+          <a:chExt cx="0" cy="0"/>
+        </a:xfrm>
+      </p:grpSpPr>
+      <p:sp>
+        <p:nvSpPr>
+          <p:cNvPr id="2" name="Title 1">
+            <a:extLst>
+              <a:ext uri="{FF2B5EF4-FFF2-40B4-BE49-F238E27FC236}">
+                <a16:creationId xmlns:a16="http://schemas.microsoft.com/office/drawing/2014/main" id="{AD13C403-6C89-CD60-A137-35D8EB3E2C28}"/>
+              </a:ext>
+            </a:extLst>
+          </p:cNvPr>
+          <p:cNvSpPr>
+            <a:spLocks noGrp="1"/>
+          </p:cNvSpPr>
+          <p:nvPr>
+            <p:ph type="title"/>
+          </p:nvPr>
+        </p:nvSpPr>
+        <p:spPr>
+          <a:xfrm>
+            <a:off x="801100" y="446720"/>
+            <a:ext cx="4399093" cy="1325563"/>
+          </a:xfrm>
+        </p:spPr>
+        <p:txBody>
+          <a:bodyPr>
+            <a:normAutofit/>
+          </a:bodyPr>
+          <a:lstStyle/>
+          <a:p>
+            <a:r>
+              <a:rPr lang="en-GB" dirty="0"/>
+              <a:t>Visual odometry</a:t>
+            </a:r>
+          </a:p>
+        </p:txBody>
+      </p:sp>
+      <p:sp>
+        <p:nvSpPr>
+          <p:cNvPr id="3" name="Content Placeholder 2">
+            <a:extLst>
+              <a:ext uri="{FF2B5EF4-FFF2-40B4-BE49-F238E27FC236}">
+                <a16:creationId xmlns:a16="http://schemas.microsoft.com/office/drawing/2014/main" id="{83D55002-B077-E55E-9FEF-17CF5FFF861E}"/>
+              </a:ext>
+            </a:extLst>
+          </p:cNvPr>
+          <p:cNvSpPr>
+            <a:spLocks noGrp="1"/>
+          </p:cNvSpPr>
+          <p:nvPr>
+            <p:ph idx="1"/>
+          </p:nvPr>
+        </p:nvSpPr>
+        <p:spPr>
+          <a:xfrm>
+            <a:off x="801100" y="1749660"/>
+            <a:ext cx="4399094" cy="3181684"/>
+          </a:xfrm>
+        </p:spPr>
+        <p:txBody>
+          <a:bodyPr anchor="t">
+            <a:normAutofit/>
+          </a:bodyPr>
+          <a:lstStyle/>
+          <a:p>
+            <a:r>
+              <a:rPr lang="en-GB" sz="1800" dirty="0"/>
+              <a:t>SIFT</a:t>
+            </a:r>
+          </a:p>
+          <a:p>
+            <a:r>
+              <a:rPr lang="en-GB" sz="1800" dirty="0"/>
+              <a:t>Essential matrix, decomposition (</a:t>
+            </a:r>
+            <a:r>
+              <a:rPr lang="en-GB" sz="1800" dirty="0" err="1"/>
+              <a:t>R,t</a:t>
+            </a:r>
+            <a:r>
+              <a:rPr lang="en-GB" sz="1800" dirty="0"/>
+              <a:t>)</a:t>
+            </a:r>
+          </a:p>
+          <a:p>
+            <a:r>
+              <a:rPr lang="en-GB" sz="1800" dirty="0"/>
+              <a:t>Triangulation from first pair</a:t>
+            </a:r>
+          </a:p>
+          <a:p>
+            <a:r>
+              <a:rPr lang="en-GB" sz="1800" dirty="0"/>
+              <a:t>PnP to estimate pose of camera in third</a:t>
+            </a:r>
+          </a:p>
+          <a:p>
+            <a:endParaRPr lang="en-GB" sz="1800" dirty="0"/>
+          </a:p>
+          <a:p>
+            <a:endParaRPr lang="en-GB" sz="1800" dirty="0"/>
+          </a:p>
+        </p:txBody>
+      </p:sp>
+      <p:sp>
+        <p:nvSpPr>
+          <p:cNvPr id="14" name="Freeform: Shape 13">
+            <a:extLst>
+              <a:ext uri="{FF2B5EF4-FFF2-40B4-BE49-F238E27FC236}">
+                <a16:creationId xmlns:a16="http://schemas.microsoft.com/office/drawing/2014/main" id="{C62225A2-D3F0-45D1-9C47-B10375316553}"/>
+              </a:ext>
+              <a:ext uri="{C183D7F6-B498-43B3-948B-1728B52AA6E4}">
+                <adec:decorative xmlns:adec="http://schemas.microsoft.com/office/drawing/2017/decorative" val="1"/>
+              </a:ext>
+            </a:extLst>
+          </p:cNvPr>
+          <p:cNvSpPr>
+            <a:spLocks noGrp="1" noRot="1" noChangeAspect="1" noMove="1" noResize="1" noEditPoints="1" noAdjustHandles="1" noChangeArrowheads="1" noChangeShapeType="1" noTextEdit="1"/>
+          </p:cNvSpPr>
+          <p:nvPr>
+            <p:extLst>
+              <p:ext uri="{386F3935-93C4-4BCD-93E2-E3B085C9AB24}">
+                <p16:designElem xmlns:p16="http://schemas.microsoft.com/office/powerpoint/2015/main" val="1"/>
+              </p:ext>
+            </p:extLst>
+          </p:nvPr>
+        </p:nvSpPr>
+        <p:spPr>
+          <a:xfrm flipH="1">
+            <a:off x="5711927" y="-1"/>
+            <a:ext cx="6480073" cy="6858002"/>
+          </a:xfrm>
+          <a:custGeom>
+            <a:avLst/>
+            <a:gdLst>
+              <a:gd name="connsiteX0" fmla="*/ 6130244 w 6480073"/>
+              <a:gd name="connsiteY0" fmla="*/ 0 h 6858002"/>
+              <a:gd name="connsiteX1" fmla="*/ 6212951 w 6480073"/>
+              <a:gd name="connsiteY1" fmla="*/ 314584 h 6858002"/>
+              <a:gd name="connsiteX2" fmla="*/ 5540779 w 6480073"/>
+              <a:gd name="connsiteY2" fmla="*/ 6756649 h 6858002"/>
+              <a:gd name="connsiteX3" fmla="*/ 5489971 w 6480073"/>
+              <a:gd name="connsiteY3" fmla="*/ 6858002 h 6858002"/>
+              <a:gd name="connsiteX4" fmla="*/ 0 w 6480073"/>
+              <a:gd name="connsiteY4" fmla="*/ 6858002 h 6858002"/>
+              <a:gd name="connsiteX5" fmla="*/ 0 w 6480073"/>
+              <a:gd name="connsiteY5" fmla="*/ 0 h 6858002"/>
+            </a:gdLst>
+            <a:ahLst/>
+            <a:cxnLst>
+              <a:cxn ang="0">
+                <a:pos x="connsiteX0" y="connsiteY0"/>
+              </a:cxn>
+              <a:cxn ang="0">
+                <a:pos x="connsiteX1" y="connsiteY1"/>
+              </a:cxn>
+              <a:cxn ang="0">
+                <a:pos x="connsiteX2" y="connsiteY2"/>
+              </a:cxn>
+              <a:cxn ang="0">
+                <a:pos x="connsiteX3" y="connsiteY3"/>
+              </a:cxn>
+              <a:cxn ang="0">
+                <a:pos x="connsiteX4" y="connsiteY4"/>
+              </a:cxn>
+              <a:cxn ang="0">
+                <a:pos x="connsiteX5" y="connsiteY5"/>
+              </a:cxn>
+            </a:cxnLst>
+            <a:rect l="l" t="t" r="r" b="b"/>
+            <a:pathLst>
+              <a:path w="6480073" h="6858002">
+                <a:moveTo>
+                  <a:pt x="6130244" y="0"/>
+                </a:moveTo>
+                <a:lnTo>
+                  <a:pt x="6212951" y="314584"/>
+                </a:lnTo>
+                <a:cubicBezTo>
+                  <a:pt x="6745828" y="2551616"/>
+                  <a:pt x="6460994" y="4808873"/>
+                  <a:pt x="5540779" y="6756649"/>
+                </a:cubicBezTo>
+                <a:lnTo>
+                  <a:pt x="5489971" y="6858002"/>
+                </a:lnTo>
+                <a:lnTo>
+                  <a:pt x="0" y="6858002"/>
+                </a:lnTo>
+                <a:lnTo>
+                  <a:pt x="0" y="0"/>
+                </a:lnTo>
+                <a:close/>
+              </a:path>
+            </a:pathLst>
+          </a:custGeom>
+          <a:solidFill>
+            <a:schemeClr val="tx1">
+              <a:alpha val="80000"/>
+            </a:schemeClr>
+          </a:solidFill>
+          <a:ln>
+            <a:noFill/>
+          </a:ln>
+        </p:spPr>
+        <p:style>
+          <a:lnRef idx="2">
+            <a:schemeClr val="accent1">
+              <a:shade val="50000"/>
+            </a:schemeClr>
+          </a:lnRef>
+          <a:fillRef idx="1">
+            <a:schemeClr val="accent1"/>
+          </a:fillRef>
+          <a:effectRef idx="0">
+            <a:schemeClr val="accent1"/>
+          </a:effectRef>
+          <a:fontRef idx="minor">
+            <a:schemeClr val="lt1"/>
+          </a:fontRef>
+        </p:style>
+        <p:txBody>
+          <a:bodyPr wrap="square" rtlCol="0" anchor="ctr">
+            <a:noAutofit/>
+          </a:bodyPr>
+          <a:lstStyle/>
+          <a:p>
+            <a:pPr algn="ctr"/>
+            <a:endParaRPr lang="en-US"/>
+          </a:p>
+        </p:txBody>
+      </p:sp>
+      <p:sp>
+        <p:nvSpPr>
+          <p:cNvPr id="16" name="Freeform: Shape 15">
+            <a:extLst>
+              <a:ext uri="{FF2B5EF4-FFF2-40B4-BE49-F238E27FC236}">
+                <a16:creationId xmlns:a16="http://schemas.microsoft.com/office/drawing/2014/main" id="{1B9FBFA8-6AF4-4091-9C8B-DEC6D89338F0}"/>
+              </a:ext>
+              <a:ext uri="{C183D7F6-B498-43B3-948B-1728B52AA6E4}">
+                <adec:decorative xmlns:adec="http://schemas.microsoft.com/office/drawing/2017/decorative" val="1"/>
+              </a:ext>
+            </a:extLst>
+          </p:cNvPr>
+          <p:cNvSpPr>
+            <a:spLocks noGrp="1" noRot="1" noChangeAspect="1" noMove="1" noResize="1" noEditPoints="1" noAdjustHandles="1" noChangeArrowheads="1" noChangeShapeType="1" noTextEdit="1"/>
+          </p:cNvSpPr>
+          <p:nvPr>
+            <p:extLst>
+              <p:ext uri="{386F3935-93C4-4BCD-93E2-E3B085C9AB24}">
+                <p16:designElem xmlns:p16="http://schemas.microsoft.com/office/powerpoint/2015/main" val="1"/>
+              </p:ext>
+            </p:extLst>
+          </p:nvPr>
+        </p:nvSpPr>
+        <p:spPr>
+          <a:xfrm flipH="1">
+            <a:off x="5942784" y="0"/>
+            <a:ext cx="6249216" cy="6858001"/>
+          </a:xfrm>
+          <a:custGeom>
+            <a:avLst/>
+            <a:gdLst>
+              <a:gd name="connsiteX0" fmla="*/ 0 w 6249216"/>
+              <a:gd name="connsiteY0" fmla="*/ 0 h 6858001"/>
+              <a:gd name="connsiteX1" fmla="*/ 5893742 w 6249216"/>
+              <a:gd name="connsiteY1" fmla="*/ 1 h 6858001"/>
+              <a:gd name="connsiteX2" fmla="*/ 5993697 w 6249216"/>
+              <a:gd name="connsiteY2" fmla="*/ 380651 h 6858001"/>
+              <a:gd name="connsiteX3" fmla="*/ 5308924 w 6249216"/>
+              <a:gd name="connsiteY3" fmla="*/ 6647018 h 6858001"/>
+              <a:gd name="connsiteX4" fmla="*/ 5200672 w 6249216"/>
+              <a:gd name="connsiteY4" fmla="*/ 6858001 h 6858001"/>
+              <a:gd name="connsiteX5" fmla="*/ 1 w 6249216"/>
+              <a:gd name="connsiteY5" fmla="*/ 6858001 h 6858001"/>
+            </a:gdLst>
+            <a:ahLst/>
+            <a:cxnLst>
+              <a:cxn ang="0">
+                <a:pos x="connsiteX0" y="connsiteY0"/>
+              </a:cxn>
+              <a:cxn ang="0">
+                <a:pos x="connsiteX1" y="connsiteY1"/>
+              </a:cxn>
+              <a:cxn ang="0">
+                <a:pos x="connsiteX2" y="connsiteY2"/>
+              </a:cxn>
+              <a:cxn ang="0">
+                <a:pos x="connsiteX3" y="connsiteY3"/>
+              </a:cxn>
+              <a:cxn ang="0">
+                <a:pos x="connsiteX4" y="connsiteY4"/>
+              </a:cxn>
+              <a:cxn ang="0">
+                <a:pos x="connsiteX5" y="connsiteY5"/>
+              </a:cxn>
+            </a:cxnLst>
+            <a:rect l="l" t="t" r="r" b="b"/>
+            <a:pathLst>
+              <a:path w="6249216" h="6858001">
+                <a:moveTo>
+                  <a:pt x="0" y="0"/>
+                </a:moveTo>
+                <a:lnTo>
+                  <a:pt x="5893742" y="1"/>
+                </a:lnTo>
+                <a:lnTo>
+                  <a:pt x="5993697" y="380651"/>
+                </a:lnTo>
+                <a:cubicBezTo>
+                  <a:pt x="6511353" y="2559611"/>
+                  <a:pt x="6222352" y="4758249"/>
+                  <a:pt x="5308924" y="6647018"/>
+                </a:cubicBezTo>
+                <a:lnTo>
+                  <a:pt x="5200672" y="6858001"/>
+                </a:lnTo>
+                <a:lnTo>
+                  <a:pt x="1" y="6858001"/>
+                </a:lnTo>
+                <a:close/>
+              </a:path>
+            </a:pathLst>
+          </a:custGeom>
+          <a:solidFill>
+            <a:schemeClr val="tx1"/>
+          </a:solidFill>
+          <a:ln>
+            <a:noFill/>
+          </a:ln>
+        </p:spPr>
+        <p:style>
+          <a:lnRef idx="2">
+            <a:schemeClr val="accent1">
+              <a:shade val="50000"/>
+            </a:schemeClr>
+          </a:lnRef>
+          <a:fillRef idx="1">
+            <a:schemeClr val="accent1"/>
+          </a:fillRef>
+          <a:effectRef idx="0">
+            <a:schemeClr val="accent1"/>
+          </a:effectRef>
+          <a:fontRef idx="minor">
+            <a:schemeClr val="lt1"/>
+          </a:fontRef>
+        </p:style>
+        <p:txBody>
+          <a:bodyPr wrap="square" rtlCol="0" anchor="ctr">
+            <a:noAutofit/>
+          </a:bodyPr>
+          <a:lstStyle/>
+          <a:p>
+            <a:pPr algn="ctr"/>
+            <a:endParaRPr lang="en-US"/>
+          </a:p>
+        </p:txBody>
+      </p:sp>
+      <p:pic>
+        <p:nvPicPr>
+          <p:cNvPr id="9" name="Picture 8">
+            <a:extLst>
+              <a:ext uri="{FF2B5EF4-FFF2-40B4-BE49-F238E27FC236}">
+                <a16:creationId xmlns:a16="http://schemas.microsoft.com/office/drawing/2014/main" id="{9EC55A1C-6CC6-F506-8792-8F587E27FE1D}"/>
+              </a:ext>
+            </a:extLst>
+          </p:cNvPr>
+          <p:cNvPicPr>
+            <a:picLocks noChangeAspect="1"/>
+          </p:cNvPicPr>
+          <p:nvPr/>
+        </p:nvPicPr>
+        <p:blipFill>
+          <a:blip r:embed="rId2"/>
+          <a:stretch>
+            <a:fillRect/>
+          </a:stretch>
+        </p:blipFill>
+        <p:spPr>
+          <a:xfrm>
+            <a:off x="7277246" y="300393"/>
+            <a:ext cx="3254095" cy="3270449"/>
+          </a:xfrm>
+          <a:prstGeom prst="rect">
+            <a:avLst/>
+          </a:prstGeom>
+        </p:spPr>
+      </p:pic>
+      <p:pic>
+        <p:nvPicPr>
+          <p:cNvPr id="6" name="Picture 5">
+            <a:extLst>
+              <a:ext uri="{FF2B5EF4-FFF2-40B4-BE49-F238E27FC236}">
+                <a16:creationId xmlns:a16="http://schemas.microsoft.com/office/drawing/2014/main" id="{BD3E86EA-D27F-21EA-1617-F71B0720A1CC}"/>
+              </a:ext>
+            </a:extLst>
+          </p:cNvPr>
+          <p:cNvPicPr>
+            <a:picLocks noChangeAspect="1"/>
+          </p:cNvPicPr>
+          <p:nvPr/>
+        </p:nvPicPr>
+        <p:blipFill>
+          <a:blip r:embed="rId3"/>
+          <a:stretch>
+            <a:fillRect/>
+          </a:stretch>
+        </p:blipFill>
+        <p:spPr>
+          <a:xfrm>
+            <a:off x="380779" y="3871235"/>
+            <a:ext cx="11430441" cy="2428966"/>
+          </a:xfrm>
+          <a:prstGeom prst="rect">
+            <a:avLst/>
+          </a:prstGeom>
+        </p:spPr>
+      </p:pic>
+    </p:spTree>
+    <p:extLst>
+      <p:ext uri="{BB962C8B-B14F-4D97-AF65-F5344CB8AC3E}">
+        <p14:creationId xmlns:p14="http://schemas.microsoft.com/office/powerpoint/2010/main" val="3508461390"/>
+      </p:ext>
+    </p:extLst>
+  </p:cSld>
+  <p:clrMapOvr>
+    <a:overrideClrMapping bg1="dk1" tx1="lt1" bg2="dk2" tx2="lt2" accent1="accent1" accent2="accent2" accent3="accent3" accent4="accent4" accent5="accent5" accent6="accent6" hlink="hlink" folHlink="folHlink"/>
+  </p:clrMapOvr>
+</p:sld>
+</file>
+
 <file path=ppt/slides/slide2.xml><?xml version="1.0" encoding="utf-8"?>
 <p:sld xmlns:a="http://schemas.openxmlformats.org/drawingml/2006/main" xmlns:r="http://schemas.openxmlformats.org/officeDocument/2006/relationships" xmlns:p="http://schemas.openxmlformats.org/presentationml/2006/main">
   <p:cSld>

--- a/exam/presentation.pptx
+++ b/exam/presentation.pptx
@@ -10,12 +10,12 @@
     <p:sldId id="259" r:id="rId4"/>
     <p:sldId id="260" r:id="rId5"/>
     <p:sldId id="261" r:id="rId6"/>
-    <p:sldId id="262" r:id="rId7"/>
-    <p:sldId id="263" r:id="rId8"/>
-    <p:sldId id="264" r:id="rId9"/>
-    <p:sldId id="265" r:id="rId10"/>
-    <p:sldId id="266" r:id="rId11"/>
-    <p:sldId id="267" r:id="rId12"/>
+    <p:sldId id="263" r:id="rId7"/>
+    <p:sldId id="264" r:id="rId8"/>
+    <p:sldId id="265" r:id="rId9"/>
+    <p:sldId id="266" r:id="rId10"/>
+    <p:sldId id="267" r:id="rId11"/>
+    <p:sldId id="268" r:id="rId12"/>
   </p:sldIdLst>
   <p:sldSz cx="12192000" cy="6858000"/>
   <p:notesSz cx="6858000" cy="9144000"/>
@@ -3742,262 +3742,6 @@
     <p:bg>
       <p:bgPr>
         <a:solidFill>
-          <a:schemeClr val="bg1"/>
-        </a:solidFill>
-        <a:effectLst/>
-      </p:bgPr>
-    </p:bg>
-    <p:spTree>
-      <p:nvGrpSpPr>
-        <p:cNvPr id="1" name=""/>
-        <p:cNvGrpSpPr/>
-        <p:nvPr/>
-      </p:nvGrpSpPr>
-      <p:grpSpPr>
-        <a:xfrm>
-          <a:off x="0" y="0"/>
-          <a:ext cx="0" cy="0"/>
-          <a:chOff x="0" y="0"/>
-          <a:chExt cx="0" cy="0"/>
-        </a:xfrm>
-      </p:grpSpPr>
-      <p:sp useBgFill="1">
-        <p:nvSpPr>
-          <p:cNvPr id="33" name="Rectangle 26">
-            <a:extLst>
-              <a:ext uri="{FF2B5EF4-FFF2-40B4-BE49-F238E27FC236}">
-                <a16:creationId xmlns:a16="http://schemas.microsoft.com/office/drawing/2014/main" id="{8761DDFE-071F-4200-B0AA-394476C2D2D6}"/>
-              </a:ext>
-              <a:ext uri="{C183D7F6-B498-43B3-948B-1728B52AA6E4}">
-                <adec:decorative xmlns:adec="http://schemas.microsoft.com/office/drawing/2017/decorative" val="1"/>
-              </a:ext>
-            </a:extLst>
-          </p:cNvPr>
-          <p:cNvSpPr>
-            <a:spLocks noGrp="1" noRot="1" noChangeAspect="1" noMove="1" noResize="1" noEditPoints="1" noAdjustHandles="1" noChangeArrowheads="1" noChangeShapeType="1" noTextEdit="1"/>
-          </p:cNvSpPr>
-          <p:nvPr>
-            <p:extLst>
-              <p:ext uri="{386F3935-93C4-4BCD-93E2-E3B085C9AB24}">
-                <p16:designElem xmlns:p16="http://schemas.microsoft.com/office/powerpoint/2015/main" val="1"/>
-              </p:ext>
-            </p:extLst>
-          </p:nvPr>
-        </p:nvSpPr>
-        <p:spPr>
-          <a:xfrm>
-            <a:off x="-1" y="0"/>
-            <a:ext cx="12188952" cy="6858000"/>
-          </a:xfrm>
-          <a:prstGeom prst="rect">
-            <a:avLst/>
-          </a:prstGeom>
-          <a:ln>
-            <a:noFill/>
-          </a:ln>
-        </p:spPr>
-        <p:style>
-          <a:lnRef idx="2">
-            <a:schemeClr val="accent1">
-              <a:shade val="50000"/>
-            </a:schemeClr>
-          </a:lnRef>
-          <a:fillRef idx="1">
-            <a:schemeClr val="accent1"/>
-          </a:fillRef>
-          <a:effectRef idx="0">
-            <a:schemeClr val="accent1"/>
-          </a:effectRef>
-          <a:fontRef idx="minor">
-            <a:schemeClr val="lt1"/>
-          </a:fontRef>
-        </p:style>
-        <p:txBody>
-          <a:bodyPr rtlCol="0" anchor="ctr"/>
-          <a:lstStyle/>
-          <a:p>
-            <a:pPr algn="ctr"/>
-            <a:endParaRPr lang="en-US"/>
-          </a:p>
-        </p:txBody>
-      </p:sp>
-      <p:sp>
-        <p:nvSpPr>
-          <p:cNvPr id="2" name="Title 1">
-            <a:extLst>
-              <a:ext uri="{FF2B5EF4-FFF2-40B4-BE49-F238E27FC236}">
-                <a16:creationId xmlns:a16="http://schemas.microsoft.com/office/drawing/2014/main" id="{AD13C403-6C89-CD60-A137-35D8EB3E2C28}"/>
-              </a:ext>
-            </a:extLst>
-          </p:cNvPr>
-          <p:cNvSpPr>
-            <a:spLocks noGrp="1"/>
-          </p:cNvSpPr>
-          <p:nvPr>
-            <p:ph type="title"/>
-          </p:nvPr>
-        </p:nvSpPr>
-        <p:spPr>
-          <a:xfrm>
-            <a:off x="838198" y="547815"/>
-            <a:ext cx="5167185" cy="1680519"/>
-          </a:xfrm>
-        </p:spPr>
-        <p:txBody>
-          <a:bodyPr>
-            <a:normAutofit/>
-          </a:bodyPr>
-          <a:lstStyle/>
-          <a:p>
-            <a:r>
-              <a:rPr lang="en-GB" sz="4000"/>
-              <a:t>Image stitching</a:t>
-            </a:r>
-          </a:p>
-        </p:txBody>
-      </p:sp>
-      <p:sp>
-        <p:nvSpPr>
-          <p:cNvPr id="3" name="Content Placeholder 2">
-            <a:extLst>
-              <a:ext uri="{FF2B5EF4-FFF2-40B4-BE49-F238E27FC236}">
-                <a16:creationId xmlns:a16="http://schemas.microsoft.com/office/drawing/2014/main" id="{83D55002-B077-E55E-9FEF-17CF5FFF861E}"/>
-              </a:ext>
-            </a:extLst>
-          </p:cNvPr>
-          <p:cNvSpPr>
-            <a:spLocks noGrp="1"/>
-          </p:cNvSpPr>
-          <p:nvPr>
-            <p:ph idx="1"/>
-          </p:nvPr>
-        </p:nvSpPr>
-        <p:spPr>
-          <a:xfrm>
-            <a:off x="6186619" y="547815"/>
-            <a:ext cx="5178960" cy="1680519"/>
-          </a:xfrm>
-        </p:spPr>
-        <p:txBody>
-          <a:bodyPr anchor="ctr">
-            <a:normAutofit/>
-          </a:bodyPr>
-          <a:lstStyle/>
-          <a:p>
-            <a:endParaRPr lang="en-GB" sz="2000" dirty="0"/>
-          </a:p>
-          <a:p>
-            <a:r>
-              <a:rPr lang="en-GB" sz="2000" dirty="0"/>
-              <a:t>RANSAC for fitting </a:t>
-            </a:r>
-            <a:r>
-              <a:rPr lang="en-GB" sz="2000" dirty="0" err="1"/>
-              <a:t>Homographies</a:t>
-            </a:r>
-            <a:endParaRPr lang="en-GB" sz="2000" dirty="0"/>
-          </a:p>
-          <a:p>
-            <a:r>
-              <a:rPr lang="en-GB" sz="2000" dirty="0"/>
-              <a:t>Warping</a:t>
-            </a:r>
-          </a:p>
-          <a:p>
-            <a:r>
-              <a:rPr lang="en-GB" sz="2000" dirty="0"/>
-              <a:t>Finally </a:t>
-            </a:r>
-            <a:r>
-              <a:rPr lang="en-GB" sz="2000" dirty="0" err="1"/>
-              <a:t>stiching</a:t>
-            </a:r>
-            <a:endParaRPr lang="en-GB" sz="2000" dirty="0"/>
-          </a:p>
-          <a:p>
-            <a:endParaRPr lang="en-GB" sz="2000" dirty="0"/>
-          </a:p>
-        </p:txBody>
-      </p:sp>
-      <p:pic>
-        <p:nvPicPr>
-          <p:cNvPr id="7" name="Picture 6">
-            <a:extLst>
-              <a:ext uri="{FF2B5EF4-FFF2-40B4-BE49-F238E27FC236}">
-                <a16:creationId xmlns:a16="http://schemas.microsoft.com/office/drawing/2014/main" id="{62CA05C0-5D10-8F4E-ED40-A65349EA4BC2}"/>
-              </a:ext>
-            </a:extLst>
-          </p:cNvPr>
-          <p:cNvPicPr>
-            <a:picLocks noChangeAspect="1"/>
-          </p:cNvPicPr>
-          <p:nvPr/>
-        </p:nvPicPr>
-        <p:blipFill>
-          <a:blip r:embed="rId2"/>
-          <a:stretch>
-            <a:fillRect/>
-          </a:stretch>
-        </p:blipFill>
-        <p:spPr>
-          <a:xfrm>
-            <a:off x="844606" y="2421924"/>
-            <a:ext cx="5154369" cy="3711146"/>
-          </a:xfrm>
-          <a:prstGeom prst="rect">
-            <a:avLst/>
-          </a:prstGeom>
-        </p:spPr>
-      </p:pic>
-      <p:pic>
-        <p:nvPicPr>
-          <p:cNvPr id="5" name="Picture 4">
-            <a:extLst>
-              <a:ext uri="{FF2B5EF4-FFF2-40B4-BE49-F238E27FC236}">
-                <a16:creationId xmlns:a16="http://schemas.microsoft.com/office/drawing/2014/main" id="{767ECDEC-5E09-65B1-9636-08F4FD063392}"/>
-              </a:ext>
-            </a:extLst>
-          </p:cNvPr>
-          <p:cNvPicPr>
-            <a:picLocks noChangeAspect="1"/>
-          </p:cNvPicPr>
-          <p:nvPr/>
-        </p:nvPicPr>
-        <p:blipFill>
-          <a:blip r:embed="rId3"/>
-          <a:stretch>
-            <a:fillRect/>
-          </a:stretch>
-        </p:blipFill>
-        <p:spPr>
-          <a:xfrm>
-            <a:off x="6198394" y="2533572"/>
-            <a:ext cx="5167185" cy="3487849"/>
-          </a:xfrm>
-          <a:prstGeom prst="rect">
-            <a:avLst/>
-          </a:prstGeom>
-        </p:spPr>
-      </p:pic>
-    </p:spTree>
-    <p:extLst>
-      <p:ext uri="{BB962C8B-B14F-4D97-AF65-F5344CB8AC3E}">
-        <p14:creationId xmlns:p14="http://schemas.microsoft.com/office/powerpoint/2010/main" val="3669813217"/>
-      </p:ext>
-    </p:extLst>
-  </p:cSld>
-  <p:clrMapOvr>
-    <a:masterClrMapping/>
-  </p:clrMapOvr>
-</p:sld>
-</file>
-
-<file path=ppt/slides/slide11.xml><?xml version="1.0" encoding="utf-8"?>
-<p:sld xmlns:a="http://schemas.openxmlformats.org/drawingml/2006/main" xmlns:r="http://schemas.openxmlformats.org/officeDocument/2006/relationships" xmlns:p="http://schemas.openxmlformats.org/presentationml/2006/main">
-  <p:cSld>
-    <p:bg>
-      <p:bgPr>
-        <a:solidFill>
           <a:schemeClr val="bg1">
             <a:tint val="95000"/>
             <a:satMod val="170000"/>
@@ -4440,6 +4184,507 @@
     <p:extLst>
       <p:ext uri="{BB962C8B-B14F-4D97-AF65-F5344CB8AC3E}">
         <p14:creationId xmlns:p14="http://schemas.microsoft.com/office/powerpoint/2010/main" val="3508461390"/>
+      </p:ext>
+    </p:extLst>
+  </p:cSld>
+  <p:clrMapOvr>
+    <a:overrideClrMapping bg1="dk1" tx1="lt1" bg2="dk2" tx2="lt2" accent1="accent1" accent2="accent2" accent3="accent3" accent4="accent4" accent5="accent5" accent6="accent6" hlink="hlink" folHlink="folHlink"/>
+  </p:clrMapOvr>
+</p:sld>
+</file>
+
+<file path=ppt/slides/slide11.xml><?xml version="1.0" encoding="utf-8"?>
+<p:sld xmlns:a="http://schemas.openxmlformats.org/drawingml/2006/main" xmlns:r="http://schemas.openxmlformats.org/officeDocument/2006/relationships" xmlns:p="http://schemas.openxmlformats.org/presentationml/2006/main">
+  <p:cSld>
+    <p:bg>
+      <p:bgPr>
+        <a:solidFill>
+          <a:schemeClr val="bg1">
+            <a:tint val="95000"/>
+            <a:satMod val="170000"/>
+          </a:schemeClr>
+        </a:solidFill>
+        <a:effectLst/>
+      </p:bgPr>
+    </p:bg>
+    <p:spTree>
+      <p:nvGrpSpPr>
+        <p:cNvPr id="1" name=""/>
+        <p:cNvGrpSpPr/>
+        <p:nvPr/>
+      </p:nvGrpSpPr>
+      <p:grpSpPr>
+        <a:xfrm>
+          <a:off x="0" y="0"/>
+          <a:ext cx="0" cy="0"/>
+          <a:chOff x="0" y="0"/>
+          <a:chExt cx="0" cy="0"/>
+        </a:xfrm>
+      </p:grpSpPr>
+      <p:sp>
+        <p:nvSpPr>
+          <p:cNvPr id="41" name="Rectangle 32">
+            <a:extLst>
+              <a:ext uri="{FF2B5EF4-FFF2-40B4-BE49-F238E27FC236}">
+                <a16:creationId xmlns:a16="http://schemas.microsoft.com/office/drawing/2014/main" id="{0EFD753D-6A49-46DD-9E82-AA6E2C62B461}"/>
+              </a:ext>
+              <a:ext uri="{C183D7F6-B498-43B3-948B-1728B52AA6E4}">
+                <adec:decorative xmlns:adec="http://schemas.microsoft.com/office/drawing/2017/decorative" val="1"/>
+              </a:ext>
+            </a:extLst>
+          </p:cNvPr>
+          <p:cNvSpPr>
+            <a:spLocks noGrp="1" noRot="1" noChangeAspect="1" noMove="1" noResize="1" noEditPoints="1" noAdjustHandles="1" noChangeArrowheads="1" noChangeShapeType="1" noTextEdit="1"/>
+          </p:cNvSpPr>
+          <p:nvPr>
+            <p:extLst>
+              <p:ext uri="{386F3935-93C4-4BCD-93E2-E3B085C9AB24}">
+                <p16:designElem xmlns:p16="http://schemas.microsoft.com/office/powerpoint/2015/main" val="1"/>
+              </p:ext>
+            </p:extLst>
+          </p:nvPr>
+        </p:nvSpPr>
+        <p:spPr>
+          <a:xfrm>
+            <a:off x="0" y="0"/>
+            <a:ext cx="12192000" cy="6858000"/>
+          </a:xfrm>
+          <a:prstGeom prst="rect">
+            <a:avLst/>
+          </a:prstGeom>
+          <a:solidFill>
+            <a:schemeClr val="tx1"/>
+          </a:solidFill>
+          <a:ln>
+            <a:noFill/>
+          </a:ln>
+        </p:spPr>
+        <p:style>
+          <a:lnRef idx="2">
+            <a:schemeClr val="accent1">
+              <a:shade val="50000"/>
+            </a:schemeClr>
+          </a:lnRef>
+          <a:fillRef idx="1">
+            <a:schemeClr val="accent1"/>
+          </a:fillRef>
+          <a:effectRef idx="0">
+            <a:schemeClr val="accent1"/>
+          </a:effectRef>
+          <a:fontRef idx="minor">
+            <a:schemeClr val="lt1"/>
+          </a:fontRef>
+        </p:style>
+        <p:txBody>
+          <a:bodyPr rtlCol="0" anchor="ctr"/>
+          <a:lstStyle/>
+          <a:p>
+            <a:pPr marL="0" marR="0" lvl="0" indent="0" algn="ctr" defTabSz="914400" rtl="0" eaLnBrk="1" fontAlgn="auto" latinLnBrk="0" hangingPunct="1">
+              <a:lnSpc>
+                <a:spcPct val="100000"/>
+              </a:lnSpc>
+              <a:spcBef>
+                <a:spcPts val="0"/>
+              </a:spcBef>
+              <a:spcAft>
+                <a:spcPts val="0"/>
+              </a:spcAft>
+              <a:buClrTx/>
+              <a:buSzTx/>
+              <a:buFontTx/>
+              <a:buNone/>
+              <a:tabLst/>
+              <a:defRPr/>
+            </a:pPr>
+            <a:endParaRPr kumimoji="0" lang="en-US" sz="1800" b="0" i="0" u="none" strike="noStrike" kern="1200" cap="none" spc="0" normalizeH="0" baseline="0" noProof="0">
+              <a:ln>
+                <a:noFill/>
+              </a:ln>
+              <a:solidFill>
+                <a:prstClr val="white"/>
+              </a:solidFill>
+              <a:effectLst/>
+              <a:uLnTx/>
+              <a:uFillTx/>
+              <a:latin typeface="Calibri" panose="020F0502020204030204"/>
+              <a:ea typeface="+mn-ea"/>
+              <a:cs typeface="+mn-cs"/>
+            </a:endParaRPr>
+          </a:p>
+        </p:txBody>
+      </p:sp>
+      <p:sp>
+        <p:nvSpPr>
+          <p:cNvPr id="42" name="Rectangle 34">
+            <a:extLst>
+              <a:ext uri="{FF2B5EF4-FFF2-40B4-BE49-F238E27FC236}">
+                <a16:creationId xmlns:a16="http://schemas.microsoft.com/office/drawing/2014/main" id="{138A5824-1F4A-4EE7-BC13-5BB48FC0809B}"/>
+              </a:ext>
+              <a:ext uri="{C183D7F6-B498-43B3-948B-1728B52AA6E4}">
+                <adec:decorative xmlns:adec="http://schemas.microsoft.com/office/drawing/2017/decorative" val="1"/>
+              </a:ext>
+            </a:extLst>
+          </p:cNvPr>
+          <p:cNvSpPr>
+            <a:spLocks noGrp="1" noRot="1" noChangeAspect="1" noMove="1" noResize="1" noEditPoints="1" noAdjustHandles="1" noChangeArrowheads="1" noChangeShapeType="1" noTextEdit="1"/>
+          </p:cNvSpPr>
+          <p:nvPr>
+            <p:extLst>
+              <p:ext uri="{386F3935-93C4-4BCD-93E2-E3B085C9AB24}">
+                <p16:designElem xmlns:p16="http://schemas.microsoft.com/office/powerpoint/2015/main" val="1"/>
+              </p:ext>
+            </p:extLst>
+          </p:nvPr>
+        </p:nvSpPr>
+        <p:spPr>
+          <a:xfrm>
+            <a:off x="320044" y="321732"/>
+            <a:ext cx="4568741" cy="6192603"/>
+          </a:xfrm>
+          <a:prstGeom prst="rect">
+            <a:avLst/>
+          </a:prstGeom>
+          <a:solidFill>
+            <a:srgbClr val="33363C"/>
+          </a:solidFill>
+          <a:ln>
+            <a:noFill/>
+          </a:ln>
+        </p:spPr>
+        <p:style>
+          <a:lnRef idx="2">
+            <a:schemeClr val="accent1">
+              <a:shade val="50000"/>
+            </a:schemeClr>
+          </a:lnRef>
+          <a:fillRef idx="1">
+            <a:schemeClr val="accent1"/>
+          </a:fillRef>
+          <a:effectRef idx="0">
+            <a:schemeClr val="accent1"/>
+          </a:effectRef>
+          <a:fontRef idx="minor">
+            <a:schemeClr val="lt1"/>
+          </a:fontRef>
+        </p:style>
+        <p:txBody>
+          <a:bodyPr rtlCol="0" anchor="ctr"/>
+          <a:lstStyle/>
+          <a:p>
+            <a:pPr marL="0" marR="0" lvl="0" indent="0" algn="ctr" defTabSz="914400" rtl="0" eaLnBrk="1" fontAlgn="auto" latinLnBrk="0" hangingPunct="1">
+              <a:lnSpc>
+                <a:spcPct val="100000"/>
+              </a:lnSpc>
+              <a:spcBef>
+                <a:spcPts val="0"/>
+              </a:spcBef>
+              <a:spcAft>
+                <a:spcPts val="0"/>
+              </a:spcAft>
+              <a:buClrTx/>
+              <a:buSzTx/>
+              <a:buFontTx/>
+              <a:buNone/>
+              <a:tabLst/>
+              <a:defRPr/>
+            </a:pPr>
+            <a:endParaRPr kumimoji="0" lang="en-US" sz="1800" b="0" i="0" u="none" strike="noStrike" kern="1200" cap="none" spc="0" normalizeH="0" baseline="0" noProof="0">
+              <a:ln>
+                <a:noFill/>
+              </a:ln>
+              <a:solidFill>
+                <a:prstClr val="white"/>
+              </a:solidFill>
+              <a:effectLst/>
+              <a:uLnTx/>
+              <a:uFillTx/>
+              <a:latin typeface="Calibri" panose="020F0502020204030204"/>
+              <a:ea typeface="+mn-ea"/>
+              <a:cs typeface="+mn-cs"/>
+            </a:endParaRPr>
+          </a:p>
+        </p:txBody>
+      </p:sp>
+      <p:sp>
+        <p:nvSpPr>
+          <p:cNvPr id="2" name="Title 1">
+            <a:extLst>
+              <a:ext uri="{FF2B5EF4-FFF2-40B4-BE49-F238E27FC236}">
+                <a16:creationId xmlns:a16="http://schemas.microsoft.com/office/drawing/2014/main" id="{AD13C403-6C89-CD60-A137-35D8EB3E2C28}"/>
+              </a:ext>
+            </a:extLst>
+          </p:cNvPr>
+          <p:cNvSpPr>
+            <a:spLocks noGrp="1"/>
+          </p:cNvSpPr>
+          <p:nvPr>
+            <p:ph type="title"/>
+          </p:nvPr>
+        </p:nvSpPr>
+        <p:spPr>
+          <a:xfrm>
+            <a:off x="798257" y="637523"/>
+            <a:ext cx="3608896" cy="1690993"/>
+          </a:xfrm>
+        </p:spPr>
+        <p:txBody>
+          <a:bodyPr anchor="b">
+            <a:normAutofit fontScale="90000"/>
+          </a:bodyPr>
+          <a:lstStyle/>
+          <a:p>
+            <a:pPr algn="ctr"/>
+            <a:r>
+              <a:rPr lang="en-GB" sz="6000" dirty="0">
+                <a:solidFill>
+                  <a:srgbClr val="FFFFFF"/>
+                </a:solidFill>
+              </a:rPr>
+              <a:t>Structured light</a:t>
+            </a:r>
+          </a:p>
+        </p:txBody>
+      </p:sp>
+      <p:pic>
+        <p:nvPicPr>
+          <p:cNvPr id="19" name="Picture 18">
+            <a:extLst>
+              <a:ext uri="{FF2B5EF4-FFF2-40B4-BE49-F238E27FC236}">
+                <a16:creationId xmlns:a16="http://schemas.microsoft.com/office/drawing/2014/main" id="{06714C50-9559-B0E3-919C-1D8B0E6765BC}"/>
+              </a:ext>
+            </a:extLst>
+          </p:cNvPr>
+          <p:cNvPicPr>
+            <a:picLocks noChangeAspect="1"/>
+          </p:cNvPicPr>
+          <p:nvPr/>
+        </p:nvPicPr>
+        <p:blipFill>
+          <a:blip r:embed="rId2"/>
+          <a:stretch>
+            <a:fillRect/>
+          </a:stretch>
+        </p:blipFill>
+        <p:spPr>
+          <a:xfrm>
+            <a:off x="5071584" y="321732"/>
+            <a:ext cx="2328888" cy="1863110"/>
+          </a:xfrm>
+          <a:prstGeom prst="rect">
+            <a:avLst/>
+          </a:prstGeom>
+        </p:spPr>
+      </p:pic>
+      <p:sp>
+        <p:nvSpPr>
+          <p:cNvPr id="23" name="Content Placeholder 22">
+            <a:extLst>
+              <a:ext uri="{FF2B5EF4-FFF2-40B4-BE49-F238E27FC236}">
+                <a16:creationId xmlns:a16="http://schemas.microsoft.com/office/drawing/2014/main" id="{B57DBE94-268D-4E88-A18D-106A82FBCAD8}"/>
+              </a:ext>
+            </a:extLst>
+          </p:cNvPr>
+          <p:cNvSpPr>
+            <a:spLocks noGrp="1"/>
+          </p:cNvSpPr>
+          <p:nvPr>
+            <p:ph idx="1"/>
+          </p:nvPr>
+        </p:nvSpPr>
+        <p:spPr>
+          <a:xfrm>
+            <a:off x="798257" y="2896432"/>
+            <a:ext cx="3607930" cy="3677158"/>
+          </a:xfrm>
+        </p:spPr>
+        <p:txBody>
+          <a:bodyPr anchor="t">
+            <a:normAutofit/>
+          </a:bodyPr>
+          <a:lstStyle/>
+          <a:p>
+            <a:r>
+              <a:rPr lang="en-US" dirty="0">
+                <a:solidFill>
+                  <a:srgbClr val="FFFFFF"/>
+                </a:solidFill>
+              </a:rPr>
+              <a:t>Rectification</a:t>
+            </a:r>
+          </a:p>
+          <a:p>
+            <a:r>
+              <a:rPr lang="en-US" dirty="0">
+                <a:solidFill>
+                  <a:srgbClr val="FFFFFF"/>
+                </a:solidFill>
+              </a:rPr>
+              <a:t>Unwrapping, pattern</a:t>
+            </a:r>
+          </a:p>
+          <a:p>
+            <a:r>
+              <a:rPr lang="en-US" dirty="0">
+                <a:solidFill>
+                  <a:srgbClr val="FFFFFF"/>
+                </a:solidFill>
+              </a:rPr>
+              <a:t>Matching pixels</a:t>
+            </a:r>
+          </a:p>
+          <a:p>
+            <a:r>
+              <a:rPr lang="en-US" dirty="0">
+                <a:solidFill>
+                  <a:srgbClr val="FFFFFF"/>
+                </a:solidFill>
+              </a:rPr>
+              <a:t>Disparity map</a:t>
+            </a:r>
+          </a:p>
+          <a:p>
+            <a:r>
+              <a:rPr lang="en-US" dirty="0">
+                <a:solidFill>
+                  <a:srgbClr val="FFFFFF"/>
+                </a:solidFill>
+              </a:rPr>
+              <a:t>Triangulate matches</a:t>
+            </a:r>
+          </a:p>
+          <a:p>
+            <a:endParaRPr lang="en-US" sz="2000" dirty="0">
+              <a:solidFill>
+                <a:srgbClr val="FFFFFF"/>
+              </a:solidFill>
+            </a:endParaRPr>
+          </a:p>
+        </p:txBody>
+      </p:sp>
+      <p:pic>
+        <p:nvPicPr>
+          <p:cNvPr id="13" name="Picture 12">
+            <a:extLst>
+              <a:ext uri="{FF2B5EF4-FFF2-40B4-BE49-F238E27FC236}">
+                <a16:creationId xmlns:a16="http://schemas.microsoft.com/office/drawing/2014/main" id="{A26FA740-AE49-A3A3-27D0-F6DDA813EDAB}"/>
+              </a:ext>
+            </a:extLst>
+          </p:cNvPr>
+          <p:cNvPicPr>
+            <a:picLocks noChangeAspect="1"/>
+          </p:cNvPicPr>
+          <p:nvPr/>
+        </p:nvPicPr>
+        <p:blipFill>
+          <a:blip r:embed="rId3"/>
+          <a:stretch>
+            <a:fillRect/>
+          </a:stretch>
+        </p:blipFill>
+        <p:spPr>
+          <a:xfrm>
+            <a:off x="5071584" y="2490323"/>
+            <a:ext cx="2154495" cy="1701639"/>
+          </a:xfrm>
+          <a:prstGeom prst="rect">
+            <a:avLst/>
+          </a:prstGeom>
+        </p:spPr>
+      </p:pic>
+      <p:pic>
+        <p:nvPicPr>
+          <p:cNvPr id="8" name="Content Placeholder 7">
+            <a:extLst>
+              <a:ext uri="{FF2B5EF4-FFF2-40B4-BE49-F238E27FC236}">
+                <a16:creationId xmlns:a16="http://schemas.microsoft.com/office/drawing/2014/main" id="{9FC9D380-4A2D-E166-158C-4191832F1994}"/>
+              </a:ext>
+            </a:extLst>
+          </p:cNvPr>
+          <p:cNvPicPr>
+            <a:picLocks noChangeAspect="1"/>
+          </p:cNvPicPr>
+          <p:nvPr/>
+        </p:nvPicPr>
+        <p:blipFill>
+          <a:blip r:embed="rId4"/>
+          <a:stretch>
+            <a:fillRect/>
+          </a:stretch>
+        </p:blipFill>
+        <p:spPr>
+          <a:xfrm>
+            <a:off x="7483968" y="697603"/>
+            <a:ext cx="4381912" cy="2267639"/>
+          </a:xfrm>
+          <a:prstGeom prst="rect">
+            <a:avLst/>
+          </a:prstGeom>
+        </p:spPr>
+      </p:pic>
+      <p:pic>
+        <p:nvPicPr>
+          <p:cNvPr id="11" name="Picture 10">
+            <a:extLst>
+              <a:ext uri="{FF2B5EF4-FFF2-40B4-BE49-F238E27FC236}">
+                <a16:creationId xmlns:a16="http://schemas.microsoft.com/office/drawing/2014/main" id="{9136E038-1A7C-FC1F-BD20-B7F1F4E5163A}"/>
+              </a:ext>
+            </a:extLst>
+          </p:cNvPr>
+          <p:cNvPicPr>
+            <a:picLocks noChangeAspect="1"/>
+          </p:cNvPicPr>
+          <p:nvPr/>
+        </p:nvPicPr>
+        <p:blipFill>
+          <a:blip r:embed="rId5"/>
+          <a:stretch>
+            <a:fillRect/>
+          </a:stretch>
+        </p:blipFill>
+        <p:spPr>
+          <a:xfrm>
+            <a:off x="5163486" y="4728840"/>
+            <a:ext cx="2062593" cy="1701639"/>
+          </a:xfrm>
+          <a:prstGeom prst="rect">
+            <a:avLst/>
+          </a:prstGeom>
+        </p:spPr>
+      </p:pic>
+      <p:pic>
+        <p:nvPicPr>
+          <p:cNvPr id="17" name="Picture 16">
+            <a:extLst>
+              <a:ext uri="{FF2B5EF4-FFF2-40B4-BE49-F238E27FC236}">
+                <a16:creationId xmlns:a16="http://schemas.microsoft.com/office/drawing/2014/main" id="{9A9ABE6E-2C1C-EE19-03FD-D9874FBE50DC}"/>
+              </a:ext>
+            </a:extLst>
+          </p:cNvPr>
+          <p:cNvPicPr>
+            <a:picLocks noChangeAspect="1"/>
+          </p:cNvPicPr>
+          <p:nvPr/>
+        </p:nvPicPr>
+        <p:blipFill>
+          <a:blip r:embed="rId6"/>
+          <a:stretch>
+            <a:fillRect/>
+          </a:stretch>
+        </p:blipFill>
+        <p:spPr>
+          <a:xfrm>
+            <a:off x="7434211" y="4119191"/>
+            <a:ext cx="4500205" cy="2041206"/>
+          </a:xfrm>
+          <a:prstGeom prst="rect">
+            <a:avLst/>
+          </a:prstGeom>
+        </p:spPr>
+      </p:pic>
+    </p:spTree>
+    <p:extLst>
+      <p:ext uri="{BB962C8B-B14F-4D97-AF65-F5344CB8AC3E}">
+        <p14:creationId xmlns:p14="http://schemas.microsoft.com/office/powerpoint/2010/main" val="3110302220"/>
       </p:ext>
     </p:extLst>
   </p:cSld>
@@ -5652,10 +5897,10 @@
       </p:grpSpPr>
       <p:sp>
         <p:nvSpPr>
-          <p:cNvPr id="4" name="Title 3">
-            <a:extLst>
-              <a:ext uri="{FF2B5EF4-FFF2-40B4-BE49-F238E27FC236}">
-                <a16:creationId xmlns:a16="http://schemas.microsoft.com/office/drawing/2014/main" id="{3715EC2F-4AF8-E70C-6721-DBF6B6637E72}"/>
+          <p:cNvPr id="2" name="Title 1">
+            <a:extLst>
+              <a:ext uri="{FF2B5EF4-FFF2-40B4-BE49-F238E27FC236}">
+                <a16:creationId xmlns:a16="http://schemas.microsoft.com/office/drawing/2014/main" id="{43AC0A91-6B7C-1DC9-C262-4445002559C9}"/>
               </a:ext>
             </a:extLst>
           </p:cNvPr>
@@ -5673,40 +5918,104 @@
           <a:p>
             <a:r>
               <a:rPr lang="en-GB" dirty="0"/>
-              <a:t>Non-linear triangulation &amp; calibration</a:t>
-            </a:r>
-          </a:p>
-        </p:txBody>
-      </p:sp>
-      <p:sp>
-        <p:nvSpPr>
-          <p:cNvPr id="6" name="Content Placeholder 5">
-            <a:extLst>
-              <a:ext uri="{FF2B5EF4-FFF2-40B4-BE49-F238E27FC236}">
-                <a16:creationId xmlns:a16="http://schemas.microsoft.com/office/drawing/2014/main" id="{558585A8-0122-0685-8AAA-9987B04970A1}"/>
-              </a:ext>
-            </a:extLst>
-          </p:cNvPr>
-          <p:cNvSpPr>
-            <a:spLocks noGrp="1"/>
-          </p:cNvSpPr>
+              <a:t>Simple features. Canny. Harris</a:t>
+            </a:r>
+          </a:p>
+        </p:txBody>
+      </p:sp>
+      <p:pic>
+        <p:nvPicPr>
+          <p:cNvPr id="5" name="Content Placeholder 4">
+            <a:extLst>
+              <a:ext uri="{FF2B5EF4-FFF2-40B4-BE49-F238E27FC236}">
+                <a16:creationId xmlns:a16="http://schemas.microsoft.com/office/drawing/2014/main" id="{F69B43D0-986B-CB76-569A-D556E52C8618}"/>
+              </a:ext>
+            </a:extLst>
+          </p:cNvPr>
+          <p:cNvPicPr>
+            <a:picLocks noGrp="1" noChangeAspect="1"/>
+          </p:cNvPicPr>
           <p:nvPr>
             <p:ph idx="1"/>
           </p:nvPr>
-        </p:nvSpPr>
-        <p:spPr/>
-        <p:txBody>
-          <a:bodyPr/>
-          <a:lstStyle/>
-          <a:p>
-            <a:endParaRPr lang="en-GB"/>
-          </a:p>
-        </p:txBody>
-      </p:sp>
+        </p:nvPicPr>
+        <p:blipFill>
+          <a:blip r:embed="rId2"/>
+          <a:stretch>
+            <a:fillRect/>
+          </a:stretch>
+        </p:blipFill>
+        <p:spPr>
+          <a:xfrm>
+            <a:off x="8131857" y="3198410"/>
+            <a:ext cx="3686689" cy="2314898"/>
+          </a:xfrm>
+        </p:spPr>
+      </p:pic>
+      <p:pic>
+        <p:nvPicPr>
+          <p:cNvPr id="11" name="Picture 10">
+            <a:extLst>
+              <a:ext uri="{FF2B5EF4-FFF2-40B4-BE49-F238E27FC236}">
+                <a16:creationId xmlns:a16="http://schemas.microsoft.com/office/drawing/2014/main" id="{915D2561-D8AE-48BD-C936-0A270B2484E5}"/>
+              </a:ext>
+            </a:extLst>
+          </p:cNvPr>
+          <p:cNvPicPr>
+            <a:picLocks noChangeAspect="1"/>
+          </p:cNvPicPr>
+          <p:nvPr/>
+        </p:nvPicPr>
+        <p:blipFill>
+          <a:blip r:embed="rId3"/>
+          <a:stretch>
+            <a:fillRect/>
+          </a:stretch>
+        </p:blipFill>
+        <p:spPr>
+          <a:xfrm>
+            <a:off x="8999058" y="523712"/>
+            <a:ext cx="2524477" cy="2333951"/>
+          </a:xfrm>
+          <a:prstGeom prst="rect">
+            <a:avLst/>
+          </a:prstGeom>
+        </p:spPr>
+      </p:pic>
+      <p:pic>
+        <p:nvPicPr>
+          <p:cNvPr id="13" name="Picture 12">
+            <a:extLst>
+              <a:ext uri="{FF2B5EF4-FFF2-40B4-BE49-F238E27FC236}">
+                <a16:creationId xmlns:a16="http://schemas.microsoft.com/office/drawing/2014/main" id="{97AF4DC2-ADF4-FDD5-4E28-9D504680C94A}"/>
+              </a:ext>
+            </a:extLst>
+          </p:cNvPr>
+          <p:cNvPicPr>
+            <a:picLocks noChangeAspect="1"/>
+          </p:cNvPicPr>
+          <p:nvPr/>
+        </p:nvPicPr>
+        <p:blipFill>
+          <a:blip r:embed="rId4"/>
+          <a:stretch>
+            <a:fillRect/>
+          </a:stretch>
+        </p:blipFill>
+        <p:spPr>
+          <a:xfrm>
+            <a:off x="373454" y="2355330"/>
+            <a:ext cx="5391902" cy="4001058"/>
+          </a:xfrm>
+          <a:prstGeom prst="rect">
+            <a:avLst/>
+          </a:prstGeom>
+        </p:spPr>
+      </p:pic>
     </p:spTree>
     <p:extLst>
       <p:ext uri="{BB962C8B-B14F-4D97-AF65-F5344CB8AC3E}">
-        <p14:creationId xmlns:p14="http://schemas.microsoft.com/office/powerpoint/2010/main" val="2432938698"/>
+        <p14:creationId xmlns:p14="http://schemas.microsoft.com/office/powerpoint/2010/main" val="1892433595"/>
       </p:ext>
     </p:extLst>
   </p:cSld>
@@ -5719,6 +6028,14 @@
 <file path=ppt/slides/slide7.xml><?xml version="1.0" encoding="utf-8"?>
 <p:sld xmlns:a="http://schemas.openxmlformats.org/drawingml/2006/main" xmlns:r="http://schemas.openxmlformats.org/officeDocument/2006/relationships" xmlns:p="http://schemas.openxmlformats.org/presentationml/2006/main">
   <p:cSld>
+    <p:bg>
+      <p:bgPr>
+        <a:solidFill>
+          <a:schemeClr val="bg1"/>
+        </a:solidFill>
+        <a:effectLst/>
+      </p:bgPr>
+    </p:bg>
     <p:spTree>
       <p:nvGrpSpPr>
         <p:cNvPr id="1" name=""/>
@@ -5735,10 +6052,76 @@
       </p:grpSpPr>
       <p:sp>
         <p:nvSpPr>
+          <p:cNvPr id="10" name="Down Arrow 7">
+            <a:extLst>
+              <a:ext uri="{FF2B5EF4-FFF2-40B4-BE49-F238E27FC236}">
+                <a16:creationId xmlns:a16="http://schemas.microsoft.com/office/drawing/2014/main" id="{D4771268-CB57-404A-9271-370EB28F6090}"/>
+              </a:ext>
+              <a:ext uri="{C183D7F6-B498-43B3-948B-1728B52AA6E4}">
+                <adec:decorative xmlns:adec="http://schemas.microsoft.com/office/drawing/2017/decorative" val="1"/>
+              </a:ext>
+            </a:extLst>
+          </p:cNvPr>
+          <p:cNvSpPr>
+            <a:spLocks noGrp="1" noRot="1" noChangeAspect="1" noMove="1" noResize="1" noEditPoints="1" noAdjustHandles="1" noChangeArrowheads="1" noChangeShapeType="1" noTextEdit="1"/>
+          </p:cNvSpPr>
+          <p:nvPr>
+            <p:extLst>
+              <p:ext uri="{386F3935-93C4-4BCD-93E2-E3B085C9AB24}">
+                <p16:designElem xmlns:p16="http://schemas.microsoft.com/office/powerpoint/2015/main" val="1"/>
+              </p:ext>
+            </p:extLst>
+          </p:nvPr>
+        </p:nvSpPr>
+        <p:spPr>
+          <a:xfrm rot="16200000">
+            <a:off x="800100" y="1491343"/>
+            <a:ext cx="3333749" cy="3499103"/>
+          </a:xfrm>
+          <a:prstGeom prst="downArrow">
+            <a:avLst>
+              <a:gd name="adj1" fmla="val 100000"/>
+              <a:gd name="adj2" fmla="val 15788"/>
+            </a:avLst>
+          </a:prstGeom>
+          <a:solidFill>
+            <a:srgbClr val="404040"/>
+          </a:solidFill>
+          <a:ln w="53975">
+            <a:noFill/>
+          </a:ln>
+        </p:spPr>
+        <p:style>
+          <a:lnRef idx="2">
+            <a:schemeClr val="accent1">
+              <a:shade val="50000"/>
+            </a:schemeClr>
+          </a:lnRef>
+          <a:fillRef idx="1">
+            <a:schemeClr val="accent1"/>
+          </a:fillRef>
+          <a:effectRef idx="0">
+            <a:schemeClr val="accent1"/>
+          </a:effectRef>
+          <a:fontRef idx="minor">
+            <a:schemeClr val="lt1"/>
+          </a:fontRef>
+        </p:style>
+        <p:txBody>
+          <a:bodyPr rtlCol="0" anchor="ctr"/>
+          <a:lstStyle/>
+          <a:p>
+            <a:pPr algn="ctr"/>
+            <a:endParaRPr lang="en-US"/>
+          </a:p>
+        </p:txBody>
+      </p:sp>
+      <p:sp>
+        <p:nvSpPr>
           <p:cNvPr id="2" name="Title 1">
             <a:extLst>
               <a:ext uri="{FF2B5EF4-FFF2-40B4-BE49-F238E27FC236}">
-                <a16:creationId xmlns:a16="http://schemas.microsoft.com/office/drawing/2014/main" id="{43AC0A91-6B7C-1DC9-C262-4445002559C9}"/>
+                <a16:creationId xmlns:a16="http://schemas.microsoft.com/office/drawing/2014/main" id="{0376E200-80B3-0A3C-4BA0-B653B5CC0E5E}"/>
               </a:ext>
             </a:extLst>
           </p:cNvPr>
@@ -5749,24 +6132,40 @@
             <p:ph type="title"/>
           </p:nvPr>
         </p:nvSpPr>
-        <p:spPr/>
-        <p:txBody>
-          <a:bodyPr/>
-          <a:lstStyle/>
-          <a:p>
-            <a:r>
-              <a:rPr lang="en-GB" dirty="0"/>
-              <a:t>Simple features. Canny. Harris</a:t>
+        <p:spPr>
+          <a:xfrm>
+            <a:off x="1028700" y="1967266"/>
+            <a:ext cx="2628900" cy="2547257"/>
+          </a:xfrm>
+          <a:noFill/>
+        </p:spPr>
+        <p:txBody>
+          <a:bodyPr vert="horz" lIns="91440" tIns="45720" rIns="91440" bIns="45720" rtlCol="0" anchor="ctr">
+            <a:normAutofit/>
+          </a:bodyPr>
+          <a:lstStyle/>
+          <a:p>
+            <a:pPr algn="ctr"/>
+            <a:r>
+              <a:rPr lang="en-US" sz="3600" kern="1200">
+                <a:solidFill>
+                  <a:srgbClr val="FFFFFF"/>
+                </a:solidFill>
+                <a:latin typeface="+mj-lt"/>
+                <a:ea typeface="+mj-ea"/>
+                <a:cs typeface="+mj-cs"/>
+              </a:rPr>
+              <a:t>Robust model fitting. RANSAC</a:t>
             </a:r>
           </a:p>
         </p:txBody>
       </p:sp>
       <p:pic>
         <p:nvPicPr>
-          <p:cNvPr id="5" name="Content Placeholder 4">
-            <a:extLst>
-              <a:ext uri="{FF2B5EF4-FFF2-40B4-BE49-F238E27FC236}">
-                <a16:creationId xmlns:a16="http://schemas.microsoft.com/office/drawing/2014/main" id="{F69B43D0-986B-CB76-569A-D556E52C8618}"/>
+          <p:cNvPr id="5" name="Content Placeholder 4" descr="Chart, scatter chart&#10;&#10;Description automatically generated">
+            <a:extLst>
+              <a:ext uri="{FF2B5EF4-FFF2-40B4-BE49-F238E27FC236}">
+                <a16:creationId xmlns:a16="http://schemas.microsoft.com/office/drawing/2014/main" id="{7DEF981F-4040-563E-00B9-9A86EDA22E53}"/>
               </a:ext>
             </a:extLst>
           </p:cNvPr>
@@ -5785,65 +6184,8 @@
         </p:blipFill>
         <p:spPr>
           <a:xfrm>
-            <a:off x="8131857" y="3198410"/>
-            <a:ext cx="3686689" cy="2314898"/>
-          </a:xfrm>
-        </p:spPr>
-      </p:pic>
-      <p:pic>
-        <p:nvPicPr>
-          <p:cNvPr id="11" name="Picture 10">
-            <a:extLst>
-              <a:ext uri="{FF2B5EF4-FFF2-40B4-BE49-F238E27FC236}">
-                <a16:creationId xmlns:a16="http://schemas.microsoft.com/office/drawing/2014/main" id="{915D2561-D8AE-48BD-C936-0A270B2484E5}"/>
-              </a:ext>
-            </a:extLst>
-          </p:cNvPr>
-          <p:cNvPicPr>
-            <a:picLocks noChangeAspect="1"/>
-          </p:cNvPicPr>
-          <p:nvPr/>
-        </p:nvPicPr>
-        <p:blipFill>
-          <a:blip r:embed="rId3"/>
-          <a:stretch>
-            <a:fillRect/>
-          </a:stretch>
-        </p:blipFill>
-        <p:spPr>
-          <a:xfrm>
-            <a:off x="8999058" y="523712"/>
-            <a:ext cx="2524477" cy="2333951"/>
-          </a:xfrm>
-          <a:prstGeom prst="rect">
-            <a:avLst/>
-          </a:prstGeom>
-        </p:spPr>
-      </p:pic>
-      <p:pic>
-        <p:nvPicPr>
-          <p:cNvPr id="13" name="Picture 12">
-            <a:extLst>
-              <a:ext uri="{FF2B5EF4-FFF2-40B4-BE49-F238E27FC236}">
-                <a16:creationId xmlns:a16="http://schemas.microsoft.com/office/drawing/2014/main" id="{97AF4DC2-ADF4-FDD5-4E28-9D504680C94A}"/>
-              </a:ext>
-            </a:extLst>
-          </p:cNvPr>
-          <p:cNvPicPr>
-            <a:picLocks noChangeAspect="1"/>
-          </p:cNvPicPr>
-          <p:nvPr/>
-        </p:nvPicPr>
-        <p:blipFill>
-          <a:blip r:embed="rId4"/>
-          <a:stretch>
-            <a:fillRect/>
-          </a:stretch>
-        </p:blipFill>
-        <p:spPr>
-          <a:xfrm>
-            <a:off x="373454" y="2355330"/>
-            <a:ext cx="5391902" cy="4001058"/>
+            <a:off x="4777316" y="1224108"/>
+            <a:ext cx="6780700" cy="4407455"/>
           </a:xfrm>
           <a:prstGeom prst="rect">
             <a:avLst/>
@@ -5853,7 +6195,7 @@
     </p:spTree>
     <p:extLst>
       <p:ext uri="{BB962C8B-B14F-4D97-AF65-F5344CB8AC3E}">
-        <p14:creationId xmlns:p14="http://schemas.microsoft.com/office/powerpoint/2010/main" val="1892433595"/>
+        <p14:creationId xmlns:p14="http://schemas.microsoft.com/office/powerpoint/2010/main" val="2849089626"/>
       </p:ext>
     </p:extLst>
   </p:cSld>
@@ -5890,10 +6232,10 @@
       </p:grpSpPr>
       <p:sp>
         <p:nvSpPr>
-          <p:cNvPr id="10" name="Down Arrow 7">
-            <a:extLst>
-              <a:ext uri="{FF2B5EF4-FFF2-40B4-BE49-F238E27FC236}">
-                <a16:creationId xmlns:a16="http://schemas.microsoft.com/office/drawing/2014/main" id="{D4771268-CB57-404A-9271-370EB28F6090}"/>
+          <p:cNvPr id="12" name="Rectangle 11">
+            <a:extLst>
+              <a:ext uri="{FF2B5EF4-FFF2-40B4-BE49-F238E27FC236}">
+                <a16:creationId xmlns:a16="http://schemas.microsoft.com/office/drawing/2014/main" id="{FF9B822F-893E-44C8-963C-64F50ACECBB2}"/>
               </a:ext>
               <a:ext uri="{C183D7F6-B498-43B3-948B-1728B52AA6E4}">
                 <adec:decorative xmlns:adec="http://schemas.microsoft.com/office/drawing/2017/decorative" val="1"/>
@@ -5912,22 +6254,35 @@
           </p:nvPr>
         </p:nvSpPr>
         <p:spPr>
-          <a:xfrm rot="16200000">
-            <a:off x="800100" y="1491343"/>
-            <a:ext cx="3333749" cy="3499103"/>
-          </a:xfrm>
-          <a:prstGeom prst="downArrow">
-            <a:avLst>
-              <a:gd name="adj1" fmla="val 100000"/>
-              <a:gd name="adj2" fmla="val 15788"/>
-            </a:avLst>
+          <a:xfrm>
+            <a:off x="0" y="0"/>
+            <a:ext cx="12192000" cy="6858000"/>
+          </a:xfrm>
+          <a:prstGeom prst="rect">
+            <a:avLst/>
           </a:prstGeom>
           <a:solidFill>
-            <a:srgbClr val="404040"/>
+            <a:schemeClr val="bg1"/>
           </a:solidFill>
-          <a:ln w="53975">
+          <a:ln w="12700" cap="flat" cmpd="sng" algn="ctr">
             <a:noFill/>
+            <a:prstDash val="solid"/>
+            <a:miter lim="800000"/>
           </a:ln>
+          <a:effectLst/>
+          <a:extLst>
+            <a:ext uri="{91240B29-F687-4F45-9708-019B960494DF}">
+              <a14:hiddenLine xmlns:a14="http://schemas.microsoft.com/office/drawing/2010/main" w="12700" cap="flat" cmpd="sng" algn="ctr">
+                <a:solidFill>
+                  <a:schemeClr val="accent1">
+                    <a:shade val="50000"/>
+                  </a:schemeClr>
+                </a:solidFill>
+                <a:prstDash val="solid"/>
+                <a:miter lim="800000"/>
+              </a14:hiddenLine>
+            </a:ext>
+          </a:extLst>
         </p:spPr>
         <p:style>
           <a:lnRef idx="2">
@@ -5956,84 +6311,192 @@
       </p:sp>
       <p:sp>
         <p:nvSpPr>
-          <p:cNvPr id="2" name="Title 1">
-            <a:extLst>
-              <a:ext uri="{FF2B5EF4-FFF2-40B4-BE49-F238E27FC236}">
-                <a16:creationId xmlns:a16="http://schemas.microsoft.com/office/drawing/2014/main" id="{0376E200-80B3-0A3C-4BA0-B653B5CC0E5E}"/>
-              </a:ext>
-            </a:extLst>
-          </p:cNvPr>
-          <p:cNvSpPr>
-            <a:spLocks noGrp="1"/>
-          </p:cNvSpPr>
-          <p:nvPr>
-            <p:ph type="title"/>
-          </p:nvPr>
-        </p:nvSpPr>
-        <p:spPr>
-          <a:xfrm>
-            <a:off x="1028700" y="1967266"/>
-            <a:ext cx="2628900" cy="2547257"/>
-          </a:xfrm>
-          <a:noFill/>
-        </p:spPr>
-        <p:txBody>
-          <a:bodyPr vert="horz" lIns="91440" tIns="45720" rIns="91440" bIns="45720" rtlCol="0" anchor="ctr">
-            <a:normAutofit/>
-          </a:bodyPr>
-          <a:lstStyle/>
-          <a:p>
-            <a:pPr algn="ctr"/>
-            <a:r>
-              <a:rPr lang="en-US" sz="3600" kern="1200">
-                <a:solidFill>
-                  <a:srgbClr val="FFFFFF"/>
-                </a:solidFill>
-                <a:latin typeface="+mj-lt"/>
-                <a:ea typeface="+mj-ea"/>
-                <a:cs typeface="+mj-cs"/>
-              </a:rPr>
-              <a:t>Robust model fitting. RANSAC</a:t>
-            </a:r>
-          </a:p>
-        </p:txBody>
-      </p:sp>
-      <p:pic>
-        <p:nvPicPr>
-          <p:cNvPr id="5" name="Content Placeholder 4" descr="Chart, scatter chart&#10;&#10;Description automatically generated">
-            <a:extLst>
-              <a:ext uri="{FF2B5EF4-FFF2-40B4-BE49-F238E27FC236}">
-                <a16:creationId xmlns:a16="http://schemas.microsoft.com/office/drawing/2014/main" id="{7DEF981F-4040-563E-00B9-9A86EDA22E53}"/>
-              </a:ext>
-            </a:extLst>
-          </p:cNvPr>
-          <p:cNvPicPr>
-            <a:picLocks noGrp="1" noChangeAspect="1"/>
-          </p:cNvPicPr>
-          <p:nvPr>
-            <p:ph idx="1"/>
-          </p:nvPr>
-        </p:nvPicPr>
-        <p:blipFill>
-          <a:blip r:embed="rId2"/>
-          <a:stretch>
-            <a:fillRect/>
-          </a:stretch>
-        </p:blipFill>
-        <p:spPr>
-          <a:xfrm>
-            <a:off x="4777316" y="1224108"/>
-            <a:ext cx="6780700" cy="4407455"/>
+          <p:cNvPr id="14" name="Rectangle 13">
+            <a:extLst>
+              <a:ext uri="{FF2B5EF4-FFF2-40B4-BE49-F238E27FC236}">
+                <a16:creationId xmlns:a16="http://schemas.microsoft.com/office/drawing/2014/main" id="{EBF87945-A001-489F-9D9B-7D9435F0B9CA}"/>
+              </a:ext>
+              <a:ext uri="{C183D7F6-B498-43B3-948B-1728B52AA6E4}">
+                <adec:decorative xmlns:adec="http://schemas.microsoft.com/office/drawing/2017/decorative" val="1"/>
+              </a:ext>
+            </a:extLst>
+          </p:cNvPr>
+          <p:cNvSpPr>
+            <a:spLocks noGrp="1" noRot="1" noChangeAspect="1" noMove="1" noResize="1" noEditPoints="1" noAdjustHandles="1" noChangeArrowheads="1" noChangeShapeType="1" noTextEdit="1"/>
+          </p:cNvSpPr>
+          <p:nvPr>
+            <p:extLst>
+              <p:ext uri="{386F3935-93C4-4BCD-93E2-E3B085C9AB24}">
+                <p16:designElem xmlns:p16="http://schemas.microsoft.com/office/powerpoint/2015/main" val="1"/>
+              </p:ext>
+            </p:extLst>
+          </p:nvPr>
+        </p:nvSpPr>
+        <p:spPr>
+          <a:xfrm>
+            <a:off x="548639" y="347471"/>
+            <a:ext cx="11100816" cy="1801368"/>
           </a:xfrm>
           <a:prstGeom prst="rect">
             <a:avLst/>
           </a:prstGeom>
+          <a:solidFill>
+            <a:schemeClr val="tx1">
+              <a:lumMod val="75000"/>
+              <a:lumOff val="25000"/>
+            </a:schemeClr>
+          </a:solidFill>
+          <a:ln>
+            <a:noFill/>
+          </a:ln>
+        </p:spPr>
+        <p:style>
+          <a:lnRef idx="2">
+            <a:schemeClr val="accent1">
+              <a:shade val="50000"/>
+            </a:schemeClr>
+          </a:lnRef>
+          <a:fillRef idx="1">
+            <a:schemeClr val="accent1"/>
+          </a:fillRef>
+          <a:effectRef idx="0">
+            <a:schemeClr val="accent1"/>
+          </a:effectRef>
+          <a:fontRef idx="minor">
+            <a:schemeClr val="lt1"/>
+          </a:fontRef>
+        </p:style>
+        <p:txBody>
+          <a:bodyPr rtlCol="0" anchor="ctr"/>
+          <a:lstStyle/>
+          <a:p>
+            <a:pPr algn="ctr"/>
+            <a:endParaRPr lang="en-US"/>
+          </a:p>
+        </p:txBody>
+      </p:sp>
+      <p:sp>
+        <p:nvSpPr>
+          <p:cNvPr id="2" name="Title 1">
+            <a:extLst>
+              <a:ext uri="{FF2B5EF4-FFF2-40B4-BE49-F238E27FC236}">
+                <a16:creationId xmlns:a16="http://schemas.microsoft.com/office/drawing/2014/main" id="{DCE2D076-A657-5DE0-B6E2-0C3693199F42}"/>
+              </a:ext>
+            </a:extLst>
+          </p:cNvPr>
+          <p:cNvSpPr>
+            <a:spLocks noGrp="1"/>
+          </p:cNvSpPr>
+          <p:nvPr>
+            <p:ph type="title"/>
+          </p:nvPr>
+        </p:nvSpPr>
+        <p:spPr>
+          <a:xfrm>
+            <a:off x="838200" y="585216"/>
+            <a:ext cx="10515600" cy="1325563"/>
+          </a:xfrm>
+        </p:spPr>
+        <p:txBody>
+          <a:bodyPr>
+            <a:normAutofit/>
+          </a:bodyPr>
+          <a:lstStyle/>
+          <a:p>
+            <a:r>
+              <a:rPr lang="en-GB">
+                <a:solidFill>
+                  <a:schemeClr val="bg1"/>
+                </a:solidFill>
+              </a:rPr>
+              <a:t>Constrained geometry feature matching</a:t>
+            </a:r>
+          </a:p>
+        </p:txBody>
+      </p:sp>
+      <p:pic>
+        <p:nvPicPr>
+          <p:cNvPr id="5" name="Content Placeholder 4">
+            <a:extLst>
+              <a:ext uri="{FF2B5EF4-FFF2-40B4-BE49-F238E27FC236}">
+                <a16:creationId xmlns:a16="http://schemas.microsoft.com/office/drawing/2014/main" id="{C95C120B-31FF-7A3E-0F72-CB0EDD8A99B9}"/>
+              </a:ext>
+            </a:extLst>
+          </p:cNvPr>
+          <p:cNvPicPr>
+            <a:picLocks noChangeAspect="1"/>
+          </p:cNvPicPr>
+          <p:nvPr/>
+        </p:nvPicPr>
+        <p:blipFill rotWithShape="1">
+          <a:blip r:embed="rId2"/>
+          <a:srcRect l="13879" r="20099"/>
+          <a:stretch/>
+        </p:blipFill>
+        <p:spPr>
+          <a:xfrm>
+            <a:off x="841248" y="2516777"/>
+            <a:ext cx="6236208" cy="3660185"/>
+          </a:xfrm>
+          <a:prstGeom prst="rect">
+            <a:avLst/>
+          </a:prstGeom>
         </p:spPr>
       </p:pic>
+      <p:sp>
+        <p:nvSpPr>
+          <p:cNvPr id="9" name="Content Placeholder 8">
+            <a:extLst>
+              <a:ext uri="{FF2B5EF4-FFF2-40B4-BE49-F238E27FC236}">
+                <a16:creationId xmlns:a16="http://schemas.microsoft.com/office/drawing/2014/main" id="{F1DDBA16-1D65-03B9-21D0-CE0389C080F0}"/>
+              </a:ext>
+            </a:extLst>
+          </p:cNvPr>
+          <p:cNvSpPr>
+            <a:spLocks noGrp="1"/>
+          </p:cNvSpPr>
+          <p:nvPr>
+            <p:ph idx="1"/>
+          </p:nvPr>
+        </p:nvSpPr>
+        <p:spPr>
+          <a:xfrm>
+            <a:off x="7546848" y="2516777"/>
+            <a:ext cx="3803904" cy="3660185"/>
+          </a:xfrm>
+        </p:spPr>
+        <p:txBody>
+          <a:bodyPr anchor="ctr">
+            <a:normAutofit/>
+          </a:bodyPr>
+          <a:lstStyle/>
+          <a:p>
+            <a:r>
+              <a:rPr lang="en-US" sz="2200" dirty="0"/>
+              <a:t>Eight-point algorithm</a:t>
+            </a:r>
+          </a:p>
+          <a:p>
+            <a:r>
+              <a:rPr lang="en-US" sz="2200" dirty="0"/>
+              <a:t>Fundamental matrix</a:t>
+            </a:r>
+          </a:p>
+          <a:p>
+            <a:r>
+              <a:rPr lang="en-US" sz="2200" dirty="0"/>
+              <a:t>RANSAC</a:t>
+            </a:r>
+          </a:p>
+          <a:p>
+            <a:endParaRPr lang="en-US" sz="2200" dirty="0"/>
+          </a:p>
+        </p:txBody>
+      </p:sp>
     </p:spTree>
     <p:extLst>
       <p:ext uri="{BB962C8B-B14F-4D97-AF65-F5344CB8AC3E}">
-        <p14:creationId xmlns:p14="http://schemas.microsoft.com/office/powerpoint/2010/main" val="2849089626"/>
+        <p14:creationId xmlns:p14="http://schemas.microsoft.com/office/powerpoint/2010/main" val="871574202"/>
       </p:ext>
     </p:extLst>
   </p:cSld>
@@ -6068,12 +6531,12 @@
           <a:chExt cx="0" cy="0"/>
         </a:xfrm>
       </p:grpSpPr>
-      <p:sp>
-        <p:nvSpPr>
-          <p:cNvPr id="12" name="Rectangle 11">
-            <a:extLst>
-              <a:ext uri="{FF2B5EF4-FFF2-40B4-BE49-F238E27FC236}">
-                <a16:creationId xmlns:a16="http://schemas.microsoft.com/office/drawing/2014/main" id="{FF9B822F-893E-44C8-963C-64F50ACECBB2}"/>
+      <p:sp useBgFill="1">
+        <p:nvSpPr>
+          <p:cNvPr id="33" name="Rectangle 26">
+            <a:extLst>
+              <a:ext uri="{FF2B5EF4-FFF2-40B4-BE49-F238E27FC236}">
+                <a16:creationId xmlns:a16="http://schemas.microsoft.com/office/drawing/2014/main" id="{8761DDFE-071F-4200-B0AA-394476C2D2D6}"/>
               </a:ext>
               <a:ext uri="{C183D7F6-B498-43B3-948B-1728B52AA6E4}">
                 <adec:decorative xmlns:adec="http://schemas.microsoft.com/office/drawing/2017/decorative" val="1"/>
@@ -6093,34 +6556,15 @@
         </p:nvSpPr>
         <p:spPr>
           <a:xfrm>
-            <a:off x="0" y="0"/>
-            <a:ext cx="12192000" cy="6858000"/>
+            <a:off x="-1" y="0"/>
+            <a:ext cx="12188952" cy="6858000"/>
           </a:xfrm>
           <a:prstGeom prst="rect">
             <a:avLst/>
           </a:prstGeom>
-          <a:solidFill>
-            <a:schemeClr val="bg1"/>
-          </a:solidFill>
-          <a:ln w="12700" cap="flat" cmpd="sng" algn="ctr">
+          <a:ln>
             <a:noFill/>
-            <a:prstDash val="solid"/>
-            <a:miter lim="800000"/>
           </a:ln>
-          <a:effectLst/>
-          <a:extLst>
-            <a:ext uri="{91240B29-F687-4F45-9708-019B960494DF}">
-              <a14:hiddenLine xmlns:a14="http://schemas.microsoft.com/office/drawing/2010/main" w="12700" cap="flat" cmpd="sng" algn="ctr">
-                <a:solidFill>
-                  <a:schemeClr val="accent1">
-                    <a:shade val="50000"/>
-                  </a:schemeClr>
-                </a:solidFill>
-                <a:prstDash val="solid"/>
-                <a:miter lim="800000"/>
-              </a14:hiddenLine>
-            </a:ext>
-          </a:extLst>
         </p:spPr>
         <p:style>
           <a:lnRef idx="2">
@@ -6149,76 +6593,10 @@
       </p:sp>
       <p:sp>
         <p:nvSpPr>
-          <p:cNvPr id="14" name="Rectangle 13">
-            <a:extLst>
-              <a:ext uri="{FF2B5EF4-FFF2-40B4-BE49-F238E27FC236}">
-                <a16:creationId xmlns:a16="http://schemas.microsoft.com/office/drawing/2014/main" id="{EBF87945-A001-489F-9D9B-7D9435F0B9CA}"/>
-              </a:ext>
-              <a:ext uri="{C183D7F6-B498-43B3-948B-1728B52AA6E4}">
-                <adec:decorative xmlns:adec="http://schemas.microsoft.com/office/drawing/2017/decorative" val="1"/>
-              </a:ext>
-            </a:extLst>
-          </p:cNvPr>
-          <p:cNvSpPr>
-            <a:spLocks noGrp="1" noRot="1" noChangeAspect="1" noMove="1" noResize="1" noEditPoints="1" noAdjustHandles="1" noChangeArrowheads="1" noChangeShapeType="1" noTextEdit="1"/>
-          </p:cNvSpPr>
-          <p:nvPr>
-            <p:extLst>
-              <p:ext uri="{386F3935-93C4-4BCD-93E2-E3B085C9AB24}">
-                <p16:designElem xmlns:p16="http://schemas.microsoft.com/office/powerpoint/2015/main" val="1"/>
-              </p:ext>
-            </p:extLst>
-          </p:nvPr>
-        </p:nvSpPr>
-        <p:spPr>
-          <a:xfrm>
-            <a:off x="548639" y="347471"/>
-            <a:ext cx="11100816" cy="1801368"/>
-          </a:xfrm>
-          <a:prstGeom prst="rect">
-            <a:avLst/>
-          </a:prstGeom>
-          <a:solidFill>
-            <a:schemeClr val="tx1">
-              <a:lumMod val="75000"/>
-              <a:lumOff val="25000"/>
-            </a:schemeClr>
-          </a:solidFill>
-          <a:ln>
-            <a:noFill/>
-          </a:ln>
-        </p:spPr>
-        <p:style>
-          <a:lnRef idx="2">
-            <a:schemeClr val="accent1">
-              <a:shade val="50000"/>
-            </a:schemeClr>
-          </a:lnRef>
-          <a:fillRef idx="1">
-            <a:schemeClr val="accent1"/>
-          </a:fillRef>
-          <a:effectRef idx="0">
-            <a:schemeClr val="accent1"/>
-          </a:effectRef>
-          <a:fontRef idx="minor">
-            <a:schemeClr val="lt1"/>
-          </a:fontRef>
-        </p:style>
-        <p:txBody>
-          <a:bodyPr rtlCol="0" anchor="ctr"/>
-          <a:lstStyle/>
-          <a:p>
-            <a:pPr algn="ctr"/>
-            <a:endParaRPr lang="en-US"/>
-          </a:p>
-        </p:txBody>
-      </p:sp>
-      <p:sp>
-        <p:nvSpPr>
           <p:cNvPr id="2" name="Title 1">
             <a:extLst>
               <a:ext uri="{FF2B5EF4-FFF2-40B4-BE49-F238E27FC236}">
-                <a16:creationId xmlns:a16="http://schemas.microsoft.com/office/drawing/2014/main" id="{DCE2D076-A657-5DE0-B6E2-0C3693199F42}"/>
+                <a16:creationId xmlns:a16="http://schemas.microsoft.com/office/drawing/2014/main" id="{AD13C403-6C89-CD60-A137-35D8EB3E2C28}"/>
               </a:ext>
             </a:extLst>
           </p:cNvPr>
@@ -6231,8 +6609,8 @@
         </p:nvSpPr>
         <p:spPr>
           <a:xfrm>
-            <a:off x="838200" y="585216"/>
-            <a:ext cx="10515600" cy="1325563"/>
+            <a:off x="838198" y="547815"/>
+            <a:ext cx="5167185" cy="1680519"/>
           </a:xfrm>
         </p:spPr>
         <p:txBody>
@@ -6242,22 +6620,81 @@
           <a:lstStyle/>
           <a:p>
             <a:r>
-              <a:rPr lang="en-GB">
-                <a:solidFill>
-                  <a:schemeClr val="bg1"/>
-                </a:solidFill>
-              </a:rPr>
-              <a:t>Constrained geometry feature matching</a:t>
-            </a:r>
+              <a:rPr lang="en-GB" sz="4000"/>
+              <a:t>Image stitching</a:t>
+            </a:r>
+          </a:p>
+        </p:txBody>
+      </p:sp>
+      <p:sp>
+        <p:nvSpPr>
+          <p:cNvPr id="3" name="Content Placeholder 2">
+            <a:extLst>
+              <a:ext uri="{FF2B5EF4-FFF2-40B4-BE49-F238E27FC236}">
+                <a16:creationId xmlns:a16="http://schemas.microsoft.com/office/drawing/2014/main" id="{83D55002-B077-E55E-9FEF-17CF5FFF861E}"/>
+              </a:ext>
+            </a:extLst>
+          </p:cNvPr>
+          <p:cNvSpPr>
+            <a:spLocks noGrp="1"/>
+          </p:cNvSpPr>
+          <p:nvPr>
+            <p:ph idx="1"/>
+          </p:nvPr>
+        </p:nvSpPr>
+        <p:spPr>
+          <a:xfrm>
+            <a:off x="6186619" y="547815"/>
+            <a:ext cx="5178960" cy="1680519"/>
+          </a:xfrm>
+        </p:spPr>
+        <p:txBody>
+          <a:bodyPr anchor="ctr">
+            <a:normAutofit/>
+          </a:bodyPr>
+          <a:lstStyle/>
+          <a:p>
+            <a:endParaRPr lang="en-GB" sz="2000" dirty="0"/>
+          </a:p>
+          <a:p>
+            <a:r>
+              <a:rPr lang="en-GB" sz="2000" dirty="0"/>
+              <a:t>RANSAC for fitting </a:t>
+            </a:r>
+            <a:r>
+              <a:rPr lang="en-GB" sz="2000" dirty="0" err="1"/>
+              <a:t>Homographies</a:t>
+            </a:r>
+            <a:endParaRPr lang="en-GB" sz="2000" dirty="0"/>
+          </a:p>
+          <a:p>
+            <a:r>
+              <a:rPr lang="en-GB" sz="2000" dirty="0"/>
+              <a:t>Warping</a:t>
+            </a:r>
+          </a:p>
+          <a:p>
+            <a:r>
+              <a:rPr lang="en-GB" sz="2000" dirty="0"/>
+              <a:t>Finally </a:t>
+            </a:r>
+            <a:r>
+              <a:rPr lang="en-GB" sz="2000" dirty="0" err="1"/>
+              <a:t>stiching</a:t>
+            </a:r>
+            <a:endParaRPr lang="en-GB" sz="2000" dirty="0"/>
+          </a:p>
+          <a:p>
+            <a:endParaRPr lang="en-GB" sz="2000" dirty="0"/>
           </a:p>
         </p:txBody>
       </p:sp>
       <p:pic>
         <p:nvPicPr>
-          <p:cNvPr id="5" name="Content Placeholder 4">
-            <a:extLst>
-              <a:ext uri="{FF2B5EF4-FFF2-40B4-BE49-F238E27FC236}">
-                <a16:creationId xmlns:a16="http://schemas.microsoft.com/office/drawing/2014/main" id="{C95C120B-31FF-7A3E-0F72-CB0EDD8A99B9}"/>
+          <p:cNvPr id="7" name="Picture 6">
+            <a:extLst>
+              <a:ext uri="{FF2B5EF4-FFF2-40B4-BE49-F238E27FC236}">
+                <a16:creationId xmlns:a16="http://schemas.microsoft.com/office/drawing/2014/main" id="{62CA05C0-5D10-8F4E-ED40-A65349EA4BC2}"/>
               </a:ext>
             </a:extLst>
           </p:cNvPr>
@@ -6266,75 +6703,56 @@
           </p:cNvPicPr>
           <p:nvPr/>
         </p:nvPicPr>
-        <p:blipFill rotWithShape="1">
+        <p:blipFill>
           <a:blip r:embed="rId2"/>
-          <a:srcRect l="13879" r="20099"/>
-          <a:stretch/>
+          <a:stretch>
+            <a:fillRect/>
+          </a:stretch>
         </p:blipFill>
         <p:spPr>
           <a:xfrm>
-            <a:off x="841248" y="2516777"/>
-            <a:ext cx="6236208" cy="3660185"/>
+            <a:off x="844606" y="2421924"/>
+            <a:ext cx="5154369" cy="3711146"/>
           </a:xfrm>
           <a:prstGeom prst="rect">
             <a:avLst/>
           </a:prstGeom>
         </p:spPr>
       </p:pic>
-      <p:sp>
-        <p:nvSpPr>
-          <p:cNvPr id="9" name="Content Placeholder 8">
-            <a:extLst>
-              <a:ext uri="{FF2B5EF4-FFF2-40B4-BE49-F238E27FC236}">
-                <a16:creationId xmlns:a16="http://schemas.microsoft.com/office/drawing/2014/main" id="{F1DDBA16-1D65-03B9-21D0-CE0389C080F0}"/>
-              </a:ext>
-            </a:extLst>
-          </p:cNvPr>
-          <p:cNvSpPr>
-            <a:spLocks noGrp="1"/>
-          </p:cNvSpPr>
-          <p:nvPr>
-            <p:ph idx="1"/>
-          </p:nvPr>
-        </p:nvSpPr>
-        <p:spPr>
-          <a:xfrm>
-            <a:off x="7546848" y="2516777"/>
-            <a:ext cx="3803904" cy="3660185"/>
-          </a:xfrm>
-        </p:spPr>
-        <p:txBody>
-          <a:bodyPr anchor="ctr">
-            <a:normAutofit/>
-          </a:bodyPr>
-          <a:lstStyle/>
-          <a:p>
-            <a:r>
-              <a:rPr lang="en-US" sz="2200" dirty="0"/>
-              <a:t>Eight-point algorithm</a:t>
-            </a:r>
-          </a:p>
-          <a:p>
-            <a:r>
-              <a:rPr lang="en-US" sz="2200" dirty="0"/>
-              <a:t>Fundamental matrix</a:t>
-            </a:r>
-          </a:p>
-          <a:p>
-            <a:r>
-              <a:rPr lang="en-US" sz="2200" dirty="0"/>
-              <a:t>RANSAC</a:t>
-            </a:r>
-          </a:p>
-          <a:p>
-            <a:endParaRPr lang="en-US" sz="2200" dirty="0"/>
-          </a:p>
-        </p:txBody>
-      </p:sp>
+      <p:pic>
+        <p:nvPicPr>
+          <p:cNvPr id="5" name="Picture 4">
+            <a:extLst>
+              <a:ext uri="{FF2B5EF4-FFF2-40B4-BE49-F238E27FC236}">
+                <a16:creationId xmlns:a16="http://schemas.microsoft.com/office/drawing/2014/main" id="{767ECDEC-5E09-65B1-9636-08F4FD063392}"/>
+              </a:ext>
+            </a:extLst>
+          </p:cNvPr>
+          <p:cNvPicPr>
+            <a:picLocks noChangeAspect="1"/>
+          </p:cNvPicPr>
+          <p:nvPr/>
+        </p:nvPicPr>
+        <p:blipFill>
+          <a:blip r:embed="rId3"/>
+          <a:stretch>
+            <a:fillRect/>
+          </a:stretch>
+        </p:blipFill>
+        <p:spPr>
+          <a:xfrm>
+            <a:off x="6198394" y="2533572"/>
+            <a:ext cx="5167185" cy="3487849"/>
+          </a:xfrm>
+          <a:prstGeom prst="rect">
+            <a:avLst/>
+          </a:prstGeom>
+        </p:spPr>
+      </p:pic>
     </p:spTree>
     <p:extLst>
       <p:ext uri="{BB962C8B-B14F-4D97-AF65-F5344CB8AC3E}">
-        <p14:creationId xmlns:p14="http://schemas.microsoft.com/office/powerpoint/2010/main" val="871574202"/>
+        <p14:creationId xmlns:p14="http://schemas.microsoft.com/office/powerpoint/2010/main" val="3669813217"/>
       </p:ext>
     </p:extLst>
   </p:cSld>
